--- a/rl/RL.pptx
+++ b/rl/RL.pptx
@@ -5,7 +5,7 @@
     <p:sldMasterId id="2147483648" r:id="rId1"/>
   </p:sldMasterIdLst>
   <p:notesMasterIdLst>
-    <p:notesMasterId r:id="rId19"/>
+    <p:notesMasterId r:id="rId20"/>
   </p:notesMasterIdLst>
   <p:sldIdLst>
     <p:sldId id="256" r:id="rId2"/>
@@ -13,18 +13,19 @@
     <p:sldId id="269" r:id="rId4"/>
     <p:sldId id="272" r:id="rId5"/>
     <p:sldId id="274" r:id="rId6"/>
-    <p:sldId id="273" r:id="rId7"/>
-    <p:sldId id="258" r:id="rId8"/>
-    <p:sldId id="259" r:id="rId9"/>
-    <p:sldId id="260" r:id="rId10"/>
-    <p:sldId id="261" r:id="rId11"/>
-    <p:sldId id="262" r:id="rId12"/>
-    <p:sldId id="263" r:id="rId13"/>
-    <p:sldId id="264" r:id="rId14"/>
-    <p:sldId id="267" r:id="rId15"/>
-    <p:sldId id="265" r:id="rId16"/>
-    <p:sldId id="270" r:id="rId17"/>
-    <p:sldId id="271" r:id="rId18"/>
+    <p:sldId id="275" r:id="rId7"/>
+    <p:sldId id="273" r:id="rId8"/>
+    <p:sldId id="258" r:id="rId9"/>
+    <p:sldId id="259" r:id="rId10"/>
+    <p:sldId id="260" r:id="rId11"/>
+    <p:sldId id="261" r:id="rId12"/>
+    <p:sldId id="262" r:id="rId13"/>
+    <p:sldId id="263" r:id="rId14"/>
+    <p:sldId id="264" r:id="rId15"/>
+    <p:sldId id="267" r:id="rId16"/>
+    <p:sldId id="265" r:id="rId17"/>
+    <p:sldId id="270" r:id="rId18"/>
+    <p:sldId id="271" r:id="rId19"/>
   </p:sldIdLst>
   <p:sldSz cx="12192000" cy="6858000"/>
   <p:notesSz cx="6858000" cy="9144000"/>
@@ -639,7 +640,7 @@
     </p:spTree>
     <p:extLst>
       <p:ext uri="{BB962C8B-B14F-4D97-AF65-F5344CB8AC3E}">
-        <p14:creationId xmlns:p14="http://schemas.microsoft.com/office/powerpoint/2010/main" val="2442349937"/>
+        <p14:creationId xmlns:p14="http://schemas.microsoft.com/office/powerpoint/2010/main" val="859118027"/>
       </p:ext>
     </p:extLst>
   </p:cSld>
@@ -723,7 +724,7 @@
     </p:spTree>
     <p:extLst>
       <p:ext uri="{BB962C8B-B14F-4D97-AF65-F5344CB8AC3E}">
-        <p14:creationId xmlns:p14="http://schemas.microsoft.com/office/powerpoint/2010/main" val="3282074899"/>
+        <p14:creationId xmlns:p14="http://schemas.microsoft.com/office/powerpoint/2010/main" val="2442349937"/>
       </p:ext>
     </p:extLst>
   </p:cSld>
@@ -807,7 +808,7 @@
     </p:spTree>
     <p:extLst>
       <p:ext uri="{BB962C8B-B14F-4D97-AF65-F5344CB8AC3E}">
-        <p14:creationId xmlns:p14="http://schemas.microsoft.com/office/powerpoint/2010/main" val="2157723057"/>
+        <p14:creationId xmlns:p14="http://schemas.microsoft.com/office/powerpoint/2010/main" val="3282074899"/>
       </p:ext>
     </p:extLst>
   </p:cSld>
@@ -891,7 +892,7 @@
     </p:spTree>
     <p:extLst>
       <p:ext uri="{BB962C8B-B14F-4D97-AF65-F5344CB8AC3E}">
-        <p14:creationId xmlns:p14="http://schemas.microsoft.com/office/powerpoint/2010/main" val="3277430702"/>
+        <p14:creationId xmlns:p14="http://schemas.microsoft.com/office/powerpoint/2010/main" val="2157723057"/>
       </p:ext>
     </p:extLst>
   </p:cSld>
@@ -975,7 +976,7 @@
     </p:spTree>
     <p:extLst>
       <p:ext uri="{BB962C8B-B14F-4D97-AF65-F5344CB8AC3E}">
-        <p14:creationId xmlns:p14="http://schemas.microsoft.com/office/powerpoint/2010/main" val="3612298101"/>
+        <p14:creationId xmlns:p14="http://schemas.microsoft.com/office/powerpoint/2010/main" val="3277430702"/>
       </p:ext>
     </p:extLst>
   </p:cSld>
@@ -1059,6 +1060,90 @@
     </p:spTree>
     <p:extLst>
       <p:ext uri="{BB962C8B-B14F-4D97-AF65-F5344CB8AC3E}">
+        <p14:creationId xmlns:p14="http://schemas.microsoft.com/office/powerpoint/2010/main" val="3612298101"/>
+      </p:ext>
+    </p:extLst>
+  </p:cSld>
+  <p:clrMapOvr>
+    <a:masterClrMapping/>
+  </p:clrMapOvr>
+</p:notes>
+</file>
+
+<file path=ppt/notesSlides/notesSlide16.xml><?xml version="1.0" encoding="utf-8"?>
+<p:notes xmlns:a="http://schemas.openxmlformats.org/drawingml/2006/main" xmlns:r="http://schemas.openxmlformats.org/officeDocument/2006/relationships" xmlns:p="http://schemas.openxmlformats.org/presentationml/2006/main">
+  <p:cSld>
+    <p:spTree>
+      <p:nvGrpSpPr>
+        <p:cNvPr id="1" name=""/>
+        <p:cNvGrpSpPr/>
+        <p:nvPr/>
+      </p:nvGrpSpPr>
+      <p:grpSpPr>
+        <a:xfrm>
+          <a:off x="0" y="0"/>
+          <a:ext cx="0" cy="0"/>
+          <a:chOff x="0" y="0"/>
+          <a:chExt cx="0" cy="0"/>
+        </a:xfrm>
+      </p:grpSpPr>
+      <p:sp>
+        <p:nvSpPr>
+          <p:cNvPr id="2" name="Slide Image Placeholder 1"/>
+          <p:cNvSpPr>
+            <a:spLocks noGrp="1" noRot="1" noChangeAspect="1"/>
+          </p:cNvSpPr>
+          <p:nvPr>
+            <p:ph type="sldImg"/>
+          </p:nvPr>
+        </p:nvSpPr>
+        <p:spPr/>
+      </p:sp>
+      <p:sp>
+        <p:nvSpPr>
+          <p:cNvPr id="3" name="Notes Placeholder 2"/>
+          <p:cNvSpPr>
+            <a:spLocks noGrp="1"/>
+          </p:cNvSpPr>
+          <p:nvPr>
+            <p:ph type="body" idx="1"/>
+          </p:nvPr>
+        </p:nvSpPr>
+        <p:spPr/>
+        <p:txBody>
+          <a:bodyPr/>
+          <a:lstStyle/>
+          <a:p>
+            <a:endParaRPr lang="en-US"/>
+          </a:p>
+        </p:txBody>
+      </p:sp>
+      <p:sp>
+        <p:nvSpPr>
+          <p:cNvPr id="4" name="Slide Number Placeholder 3"/>
+          <p:cNvSpPr>
+            <a:spLocks noGrp="1"/>
+          </p:cNvSpPr>
+          <p:nvPr>
+            <p:ph type="sldNum" sz="quarter" idx="10"/>
+          </p:nvPr>
+        </p:nvSpPr>
+        <p:spPr/>
+        <p:txBody>
+          <a:bodyPr/>
+          <a:lstStyle/>
+          <a:p>
+            <a:fld id="{82535CAE-11BD-4F46-83ED-24C4DEF7FF8C}" type="slidenum">
+              <a:rPr lang="en-US" smtClean="0"/>
+              <a:t>16</a:t>
+            </a:fld>
+            <a:endParaRPr lang="en-US"/>
+          </a:p>
+        </p:txBody>
+      </p:sp>
+    </p:spTree>
+    <p:extLst>
+      <p:ext uri="{BB962C8B-B14F-4D97-AF65-F5344CB8AC3E}">
         <p14:creationId xmlns:p14="http://schemas.microsoft.com/office/powerpoint/2010/main" val="1240968510"/>
       </p:ext>
     </p:extLst>
@@ -1069,7 +1154,7 @@
 </p:notes>
 </file>
 
-<file path=ppt/notesSlides/notesSlide16.xml><?xml version="1.0" encoding="utf-8"?>
+<file path=ppt/notesSlides/notesSlide17.xml><?xml version="1.0" encoding="utf-8"?>
 <p:notes xmlns:a="http://schemas.openxmlformats.org/drawingml/2006/main" xmlns:r="http://schemas.openxmlformats.org/officeDocument/2006/relationships" xmlns:p="http://schemas.openxmlformats.org/presentationml/2006/main">
   <p:cSld>
     <p:spTree>
@@ -1253,7 +1338,7 @@
           <a:p>
             <a:fld id="{82535CAE-11BD-4F46-83ED-24C4DEF7FF8C}" type="slidenum">
               <a:rPr lang="en-US" smtClean="0"/>
-              <a:t>16</a:t>
+              <a:t>17</a:t>
             </a:fld>
             <a:endParaRPr lang="en-US"/>
           </a:p>
@@ -1272,7 +1357,7 @@
 </p:notes>
 </file>
 
-<file path=ppt/notesSlides/notesSlide17.xml><?xml version="1.0" encoding="utf-8"?>
+<file path=ppt/notesSlides/notesSlide18.xml><?xml version="1.0" encoding="utf-8"?>
 <p:notes xmlns:a="http://schemas.openxmlformats.org/drawingml/2006/main" xmlns:r="http://schemas.openxmlformats.org/officeDocument/2006/relationships" xmlns:p="http://schemas.openxmlformats.org/presentationml/2006/main">
   <p:cSld>
     <p:spTree>
@@ -1337,7 +1422,7 @@
           <a:p>
             <a:fld id="{82535CAE-11BD-4F46-83ED-24C4DEF7FF8C}" type="slidenum">
               <a:rPr lang="en-US" smtClean="0"/>
-              <a:t>17</a:t>
+              <a:t>18</a:t>
             </a:fld>
             <a:endParaRPr lang="en-US"/>
           </a:p>
@@ -1827,6 +1912,90 @@
     </p:spTree>
     <p:extLst>
       <p:ext uri="{BB962C8B-B14F-4D97-AF65-F5344CB8AC3E}">
+        <p14:creationId xmlns:p14="http://schemas.microsoft.com/office/powerpoint/2010/main" val="2013441289"/>
+      </p:ext>
+    </p:extLst>
+  </p:cSld>
+  <p:clrMapOvr>
+    <a:masterClrMapping/>
+  </p:clrMapOvr>
+</p:notes>
+</file>
+
+<file path=ppt/notesSlides/notesSlide7.xml><?xml version="1.0" encoding="utf-8"?>
+<p:notes xmlns:a="http://schemas.openxmlformats.org/drawingml/2006/main" xmlns:r="http://schemas.openxmlformats.org/officeDocument/2006/relationships" xmlns:p="http://schemas.openxmlformats.org/presentationml/2006/main">
+  <p:cSld>
+    <p:spTree>
+      <p:nvGrpSpPr>
+        <p:cNvPr id="1" name=""/>
+        <p:cNvGrpSpPr/>
+        <p:nvPr/>
+      </p:nvGrpSpPr>
+      <p:grpSpPr>
+        <a:xfrm>
+          <a:off x="0" y="0"/>
+          <a:ext cx="0" cy="0"/>
+          <a:chOff x="0" y="0"/>
+          <a:chExt cx="0" cy="0"/>
+        </a:xfrm>
+      </p:grpSpPr>
+      <p:sp>
+        <p:nvSpPr>
+          <p:cNvPr id="2" name="Slide Image Placeholder 1"/>
+          <p:cNvSpPr>
+            <a:spLocks noGrp="1" noRot="1" noChangeAspect="1"/>
+          </p:cNvSpPr>
+          <p:nvPr>
+            <p:ph type="sldImg"/>
+          </p:nvPr>
+        </p:nvSpPr>
+        <p:spPr/>
+      </p:sp>
+      <p:sp>
+        <p:nvSpPr>
+          <p:cNvPr id="3" name="Notes Placeholder 2"/>
+          <p:cNvSpPr>
+            <a:spLocks noGrp="1"/>
+          </p:cNvSpPr>
+          <p:nvPr>
+            <p:ph type="body" idx="1"/>
+          </p:nvPr>
+        </p:nvSpPr>
+        <p:spPr/>
+        <p:txBody>
+          <a:bodyPr/>
+          <a:lstStyle/>
+          <a:p>
+            <a:endParaRPr lang="en-US"/>
+          </a:p>
+        </p:txBody>
+      </p:sp>
+      <p:sp>
+        <p:nvSpPr>
+          <p:cNvPr id="4" name="Slide Number Placeholder 3"/>
+          <p:cNvSpPr>
+            <a:spLocks noGrp="1"/>
+          </p:cNvSpPr>
+          <p:nvPr>
+            <p:ph type="sldNum" sz="quarter" idx="10"/>
+          </p:nvPr>
+        </p:nvSpPr>
+        <p:spPr/>
+        <p:txBody>
+          <a:bodyPr/>
+          <a:lstStyle/>
+          <a:p>
+            <a:fld id="{82535CAE-11BD-4F46-83ED-24C4DEF7FF8C}" type="slidenum">
+              <a:rPr lang="en-US" smtClean="0"/>
+              <a:t>7</a:t>
+            </a:fld>
+            <a:endParaRPr lang="en-US"/>
+          </a:p>
+        </p:txBody>
+      </p:sp>
+    </p:spTree>
+    <p:extLst>
+      <p:ext uri="{BB962C8B-B14F-4D97-AF65-F5344CB8AC3E}">
         <p14:creationId xmlns:p14="http://schemas.microsoft.com/office/powerpoint/2010/main" val="62264300"/>
       </p:ext>
     </p:extLst>
@@ -1837,7 +2006,7 @@
 </p:notes>
 </file>
 
-<file path=ppt/notesSlides/notesSlide7.xml><?xml version="1.0" encoding="utf-8"?>
+<file path=ppt/notesSlides/notesSlide8.xml><?xml version="1.0" encoding="utf-8"?>
 <p:notes xmlns:a="http://schemas.openxmlformats.org/drawingml/2006/main" xmlns:r="http://schemas.openxmlformats.org/officeDocument/2006/relationships" xmlns:p="http://schemas.openxmlformats.org/presentationml/2006/main">
   <p:cSld>
     <p:spTree>
@@ -1929,7 +2098,7 @@
           <a:p>
             <a:fld id="{82535CAE-11BD-4F46-83ED-24C4DEF7FF8C}" type="slidenum">
               <a:rPr lang="en-US" smtClean="0"/>
-              <a:t>7</a:t>
+              <a:t>8</a:t>
             </a:fld>
             <a:endParaRPr lang="en-US"/>
           </a:p>
@@ -1939,90 +2108,6 @@
     <p:extLst>
       <p:ext uri="{BB962C8B-B14F-4D97-AF65-F5344CB8AC3E}">
         <p14:creationId xmlns:p14="http://schemas.microsoft.com/office/powerpoint/2010/main" val="4003359788"/>
-      </p:ext>
-    </p:extLst>
-  </p:cSld>
-  <p:clrMapOvr>
-    <a:masterClrMapping/>
-  </p:clrMapOvr>
-</p:notes>
-</file>
-
-<file path=ppt/notesSlides/notesSlide8.xml><?xml version="1.0" encoding="utf-8"?>
-<p:notes xmlns:a="http://schemas.openxmlformats.org/drawingml/2006/main" xmlns:r="http://schemas.openxmlformats.org/officeDocument/2006/relationships" xmlns:p="http://schemas.openxmlformats.org/presentationml/2006/main">
-  <p:cSld>
-    <p:spTree>
-      <p:nvGrpSpPr>
-        <p:cNvPr id="1" name=""/>
-        <p:cNvGrpSpPr/>
-        <p:nvPr/>
-      </p:nvGrpSpPr>
-      <p:grpSpPr>
-        <a:xfrm>
-          <a:off x="0" y="0"/>
-          <a:ext cx="0" cy="0"/>
-          <a:chOff x="0" y="0"/>
-          <a:chExt cx="0" cy="0"/>
-        </a:xfrm>
-      </p:grpSpPr>
-      <p:sp>
-        <p:nvSpPr>
-          <p:cNvPr id="2" name="Slide Image Placeholder 1"/>
-          <p:cNvSpPr>
-            <a:spLocks noGrp="1" noRot="1" noChangeAspect="1"/>
-          </p:cNvSpPr>
-          <p:nvPr>
-            <p:ph type="sldImg"/>
-          </p:nvPr>
-        </p:nvSpPr>
-        <p:spPr/>
-      </p:sp>
-      <p:sp>
-        <p:nvSpPr>
-          <p:cNvPr id="3" name="Notes Placeholder 2"/>
-          <p:cNvSpPr>
-            <a:spLocks noGrp="1"/>
-          </p:cNvSpPr>
-          <p:nvPr>
-            <p:ph type="body" idx="1"/>
-          </p:nvPr>
-        </p:nvSpPr>
-        <p:spPr/>
-        <p:txBody>
-          <a:bodyPr/>
-          <a:lstStyle/>
-          <a:p>
-            <a:endParaRPr lang="en-US"/>
-          </a:p>
-        </p:txBody>
-      </p:sp>
-      <p:sp>
-        <p:nvSpPr>
-          <p:cNvPr id="4" name="Slide Number Placeholder 3"/>
-          <p:cNvSpPr>
-            <a:spLocks noGrp="1"/>
-          </p:cNvSpPr>
-          <p:nvPr>
-            <p:ph type="sldNum" sz="quarter" idx="10"/>
-          </p:nvPr>
-        </p:nvSpPr>
-        <p:spPr/>
-        <p:txBody>
-          <a:bodyPr/>
-          <a:lstStyle/>
-          <a:p>
-            <a:fld id="{82535CAE-11BD-4F46-83ED-24C4DEF7FF8C}" type="slidenum">
-              <a:rPr lang="en-US" smtClean="0"/>
-              <a:t>8</a:t>
-            </a:fld>
-            <a:endParaRPr lang="en-US"/>
-          </a:p>
-        </p:txBody>
-      </p:sp>
-    </p:spTree>
-    <p:extLst>
-      <p:ext uri="{BB962C8B-B14F-4D97-AF65-F5344CB8AC3E}">
-        <p14:creationId xmlns:p14="http://schemas.microsoft.com/office/powerpoint/2010/main" val="3659961577"/>
       </p:ext>
     </p:extLst>
   </p:cSld>
@@ -2106,7 +2191,7 @@
     </p:spTree>
     <p:extLst>
       <p:ext uri="{BB962C8B-B14F-4D97-AF65-F5344CB8AC3E}">
-        <p14:creationId xmlns:p14="http://schemas.microsoft.com/office/powerpoint/2010/main" val="859118027"/>
+        <p14:creationId xmlns:p14="http://schemas.microsoft.com/office/powerpoint/2010/main" val="3659961577"/>
       </p:ext>
     </p:extLst>
   </p:cSld>
@@ -5065,6 +5150,3057 @@
         </p:nvSpPr>
         <p:spPr>
           <a:xfrm>
+            <a:off x="838200" y="1701"/>
+            <a:ext cx="10515600" cy="1325563"/>
+          </a:xfrm>
+        </p:spPr>
+        <p:txBody>
+          <a:bodyPr/>
+          <a:lstStyle/>
+          <a:p>
+            <a:r>
+              <a:rPr lang="en-US" altLang="en-US" dirty="0"/>
+              <a:t>Is this a solution?</a:t>
+            </a:r>
+            <a:endParaRPr lang="en-US" dirty="0"/>
+          </a:p>
+        </p:txBody>
+      </p:sp>
+      <p:graphicFrame>
+        <p:nvGraphicFramePr>
+          <p:cNvPr id="4" name="Group 3"/>
+          <p:cNvGraphicFramePr>
+            <a:graphicFrameLocks noGrp="1"/>
+          </p:cNvGraphicFramePr>
+          <p:nvPr>
+            <p:extLst>
+              <p:ext uri="{D42A27DB-BD31-4B8C-83A1-F6EECF244321}">
+                <p14:modId xmlns:p14="http://schemas.microsoft.com/office/powerpoint/2010/main" val="2776078456"/>
+              </p:ext>
+            </p:extLst>
+          </p:nvPr>
+        </p:nvGraphicFramePr>
+        <p:xfrm>
+          <a:off x="468313" y="1371600"/>
+          <a:ext cx="4103687" cy="2735263"/>
+        </p:xfrm>
+        <a:graphic>
+          <a:graphicData uri="http://schemas.openxmlformats.org/drawingml/2006/table">
+            <a:tbl>
+              <a:tblPr/>
+              <a:tblGrid>
+                <a:gridCol w="1025525">
+                  <a:extLst>
+                    <a:ext uri="{9D8B030D-6E8A-4147-A177-3AD203B41FA5}">
+                      <a16:colId xmlns:a16="http://schemas.microsoft.com/office/drawing/2014/main" val="4288361595"/>
+                    </a:ext>
+                  </a:extLst>
+                </a:gridCol>
+                <a:gridCol w="1027112">
+                  <a:extLst>
+                    <a:ext uri="{9D8B030D-6E8A-4147-A177-3AD203B41FA5}">
+                      <a16:colId xmlns:a16="http://schemas.microsoft.com/office/drawing/2014/main" val="3237780998"/>
+                    </a:ext>
+                  </a:extLst>
+                </a:gridCol>
+                <a:gridCol w="1025525">
+                  <a:extLst>
+                    <a:ext uri="{9D8B030D-6E8A-4147-A177-3AD203B41FA5}">
+                      <a16:colId xmlns:a16="http://schemas.microsoft.com/office/drawing/2014/main" val="1551237575"/>
+                    </a:ext>
+                  </a:extLst>
+                </a:gridCol>
+                <a:gridCol w="1025525">
+                  <a:extLst>
+                    <a:ext uri="{9D8B030D-6E8A-4147-A177-3AD203B41FA5}">
+                      <a16:colId xmlns:a16="http://schemas.microsoft.com/office/drawing/2014/main" val="4003549262"/>
+                    </a:ext>
+                  </a:extLst>
+                </a:gridCol>
+              </a:tblGrid>
+              <a:tr h="911225">
+                <a:tc>
+                  <a:txBody>
+                    <a:bodyPr/>
+                    <a:lstStyle>
+                      <a:lvl1pPr>
+                        <a:spcBef>
+                          <a:spcPct val="20000"/>
+                        </a:spcBef>
+                        <a:defRPr sz="2000">
+                          <a:solidFill>
+                            <a:srgbClr val="0066FF"/>
+                          </a:solidFill>
+                          <a:latin typeface="Trebuchet MS" panose="020B0603020202020204" pitchFamily="34" charset="0"/>
+                          <a:cs typeface="Arial" panose="020B0604020202020204" pitchFamily="34" charset="0"/>
+                        </a:defRPr>
+                      </a:lvl1pPr>
+                      <a:lvl2pPr>
+                        <a:spcBef>
+                          <a:spcPct val="20000"/>
+                        </a:spcBef>
+                        <a:defRPr>
+                          <a:solidFill>
+                            <a:schemeClr val="tx1"/>
+                          </a:solidFill>
+                          <a:latin typeface="Trebuchet MS" panose="020B0603020202020204" pitchFamily="34" charset="0"/>
+                          <a:cs typeface="Arial" panose="020B0604020202020204" pitchFamily="34" charset="0"/>
+                        </a:defRPr>
+                      </a:lvl2pPr>
+                      <a:lvl3pPr>
+                        <a:spcBef>
+                          <a:spcPct val="20000"/>
+                        </a:spcBef>
+                        <a:defRPr sz="1600">
+                          <a:solidFill>
+                            <a:schemeClr val="tx1"/>
+                          </a:solidFill>
+                          <a:latin typeface="Trebuchet MS" panose="020B0603020202020204" pitchFamily="34" charset="0"/>
+                          <a:cs typeface="Arial" panose="020B0604020202020204" pitchFamily="34" charset="0"/>
+                        </a:defRPr>
+                      </a:lvl3pPr>
+                      <a:lvl4pPr>
+                        <a:spcBef>
+                          <a:spcPct val="20000"/>
+                        </a:spcBef>
+                        <a:defRPr sz="1400">
+                          <a:solidFill>
+                            <a:schemeClr val="tx1"/>
+                          </a:solidFill>
+                          <a:latin typeface="Trebuchet MS" panose="020B0603020202020204" pitchFamily="34" charset="0"/>
+                          <a:cs typeface="Arial" panose="020B0604020202020204" pitchFamily="34" charset="0"/>
+                        </a:defRPr>
+                      </a:lvl4pPr>
+                      <a:lvl5pPr>
+                        <a:spcBef>
+                          <a:spcPct val="20000"/>
+                        </a:spcBef>
+                        <a:defRPr sz="1400">
+                          <a:solidFill>
+                            <a:schemeClr val="tx1"/>
+                          </a:solidFill>
+                          <a:latin typeface="Trebuchet MS" panose="020B0603020202020204" pitchFamily="34" charset="0"/>
+                          <a:cs typeface="Arial" panose="020B0604020202020204" pitchFamily="34" charset="0"/>
+                        </a:defRPr>
+                      </a:lvl5pPr>
+                      <a:lvl6pPr fontAlgn="base">
+                        <a:spcBef>
+                          <a:spcPct val="20000"/>
+                        </a:spcBef>
+                        <a:spcAft>
+                          <a:spcPct val="0"/>
+                        </a:spcAft>
+                        <a:defRPr sz="1400">
+                          <a:solidFill>
+                            <a:schemeClr val="tx1"/>
+                          </a:solidFill>
+                          <a:latin typeface="Trebuchet MS" panose="020B0603020202020204" pitchFamily="34" charset="0"/>
+                          <a:cs typeface="Arial" panose="020B0604020202020204" pitchFamily="34" charset="0"/>
+                        </a:defRPr>
+                      </a:lvl6pPr>
+                      <a:lvl7pPr fontAlgn="base">
+                        <a:spcBef>
+                          <a:spcPct val="20000"/>
+                        </a:spcBef>
+                        <a:spcAft>
+                          <a:spcPct val="0"/>
+                        </a:spcAft>
+                        <a:defRPr sz="1400">
+                          <a:solidFill>
+                            <a:schemeClr val="tx1"/>
+                          </a:solidFill>
+                          <a:latin typeface="Trebuchet MS" panose="020B0603020202020204" pitchFamily="34" charset="0"/>
+                          <a:cs typeface="Arial" panose="020B0604020202020204" pitchFamily="34" charset="0"/>
+                        </a:defRPr>
+                      </a:lvl7pPr>
+                      <a:lvl8pPr fontAlgn="base">
+                        <a:spcBef>
+                          <a:spcPct val="20000"/>
+                        </a:spcBef>
+                        <a:spcAft>
+                          <a:spcPct val="0"/>
+                        </a:spcAft>
+                        <a:defRPr sz="1400">
+                          <a:solidFill>
+                            <a:schemeClr val="tx1"/>
+                          </a:solidFill>
+                          <a:latin typeface="Trebuchet MS" panose="020B0603020202020204" pitchFamily="34" charset="0"/>
+                          <a:cs typeface="Arial" panose="020B0604020202020204" pitchFamily="34" charset="0"/>
+                        </a:defRPr>
+                      </a:lvl8pPr>
+                      <a:lvl9pPr fontAlgn="base">
+                        <a:spcBef>
+                          <a:spcPct val="20000"/>
+                        </a:spcBef>
+                        <a:spcAft>
+                          <a:spcPct val="0"/>
+                        </a:spcAft>
+                        <a:defRPr sz="1400">
+                          <a:solidFill>
+                            <a:schemeClr val="tx1"/>
+                          </a:solidFill>
+                          <a:latin typeface="Trebuchet MS" panose="020B0603020202020204" pitchFamily="34" charset="0"/>
+                          <a:cs typeface="Arial" panose="020B0604020202020204" pitchFamily="34" charset="0"/>
+                        </a:defRPr>
+                      </a:lvl9pPr>
+                    </a:lstStyle>
+                    <a:p>
+                      <a:pPr marL="0" marR="0" lvl="0" indent="0" algn="ctr" defTabSz="914400" rtl="0" eaLnBrk="1" fontAlgn="base" latinLnBrk="0" hangingPunct="1">
+                        <a:lnSpc>
+                          <a:spcPct val="100000"/>
+                        </a:lnSpc>
+                        <a:spcBef>
+                          <a:spcPct val="20000"/>
+                        </a:spcBef>
+                        <a:spcAft>
+                          <a:spcPct val="0"/>
+                        </a:spcAft>
+                        <a:buClrTx/>
+                        <a:buSzTx/>
+                        <a:buFontTx/>
+                        <a:buNone/>
+                        <a:tabLst/>
+                      </a:pPr>
+                      <a:endParaRPr kumimoji="0" lang="en-US" altLang="en-US" sz="2000" b="0" i="0" u="none" strike="noStrike" cap="none" normalizeH="0" baseline="0" smtClean="0">
+                        <a:ln>
+                          <a:noFill/>
+                        </a:ln>
+                        <a:solidFill>
+                          <a:srgbClr val="0066FF"/>
+                        </a:solidFill>
+                        <a:effectLst/>
+                        <a:latin typeface="Trebuchet MS" panose="020B0603020202020204" pitchFamily="34" charset="0"/>
+                        <a:cs typeface="Arial" panose="020B0604020202020204" pitchFamily="34" charset="0"/>
+                      </a:endParaRPr>
+                    </a:p>
+                  </a:txBody>
+                  <a:tcPr anchor="ctr" horzOverflow="overflow">
+                    <a:lnL w="28575" cap="flat" cmpd="sng" algn="ctr">
+                      <a:solidFill>
+                        <a:schemeClr val="tx1"/>
+                      </a:solidFill>
+                      <a:prstDash val="solid"/>
+                      <a:round/>
+                      <a:headEnd type="none" w="med" len="med"/>
+                      <a:tailEnd type="none" w="med" len="med"/>
+                    </a:lnL>
+                    <a:lnR w="12700" cap="flat" cmpd="sng" algn="ctr">
+                      <a:solidFill>
+                        <a:schemeClr val="tx1"/>
+                      </a:solidFill>
+                      <a:prstDash val="solid"/>
+                      <a:round/>
+                      <a:headEnd type="none" w="med" len="med"/>
+                      <a:tailEnd type="none" w="med" len="med"/>
+                    </a:lnR>
+                    <a:lnT w="28575" cap="flat" cmpd="sng" algn="ctr">
+                      <a:solidFill>
+                        <a:schemeClr val="tx1"/>
+                      </a:solidFill>
+                      <a:prstDash val="solid"/>
+                      <a:round/>
+                      <a:headEnd type="none" w="med" len="med"/>
+                      <a:tailEnd type="none" w="med" len="med"/>
+                    </a:lnT>
+                    <a:lnB w="12700" cap="flat" cmpd="sng" algn="ctr">
+                      <a:solidFill>
+                        <a:schemeClr val="tx1"/>
+                      </a:solidFill>
+                      <a:prstDash val="solid"/>
+                      <a:round/>
+                      <a:headEnd type="none" w="med" len="med"/>
+                      <a:tailEnd type="none" w="med" len="med"/>
+                    </a:lnB>
+                    <a:lnTlToBr>
+                      <a:noFill/>
+                    </a:lnTlToBr>
+                    <a:lnBlToTr>
+                      <a:noFill/>
+                    </a:lnBlToTr>
+                    <a:noFill/>
+                  </a:tcPr>
+                </a:tc>
+                <a:tc>
+                  <a:txBody>
+                    <a:bodyPr/>
+                    <a:lstStyle>
+                      <a:lvl1pPr>
+                        <a:spcBef>
+                          <a:spcPct val="20000"/>
+                        </a:spcBef>
+                        <a:defRPr sz="2000">
+                          <a:solidFill>
+                            <a:srgbClr val="0066FF"/>
+                          </a:solidFill>
+                          <a:latin typeface="Trebuchet MS" panose="020B0603020202020204" pitchFamily="34" charset="0"/>
+                          <a:cs typeface="Arial" panose="020B0604020202020204" pitchFamily="34" charset="0"/>
+                        </a:defRPr>
+                      </a:lvl1pPr>
+                      <a:lvl2pPr>
+                        <a:spcBef>
+                          <a:spcPct val="20000"/>
+                        </a:spcBef>
+                        <a:defRPr>
+                          <a:solidFill>
+                            <a:schemeClr val="tx1"/>
+                          </a:solidFill>
+                          <a:latin typeface="Trebuchet MS" panose="020B0603020202020204" pitchFamily="34" charset="0"/>
+                          <a:cs typeface="Arial" panose="020B0604020202020204" pitchFamily="34" charset="0"/>
+                        </a:defRPr>
+                      </a:lvl2pPr>
+                      <a:lvl3pPr>
+                        <a:spcBef>
+                          <a:spcPct val="20000"/>
+                        </a:spcBef>
+                        <a:defRPr sz="1600">
+                          <a:solidFill>
+                            <a:schemeClr val="tx1"/>
+                          </a:solidFill>
+                          <a:latin typeface="Trebuchet MS" panose="020B0603020202020204" pitchFamily="34" charset="0"/>
+                          <a:cs typeface="Arial" panose="020B0604020202020204" pitchFamily="34" charset="0"/>
+                        </a:defRPr>
+                      </a:lvl3pPr>
+                      <a:lvl4pPr>
+                        <a:spcBef>
+                          <a:spcPct val="20000"/>
+                        </a:spcBef>
+                        <a:defRPr sz="1400">
+                          <a:solidFill>
+                            <a:schemeClr val="tx1"/>
+                          </a:solidFill>
+                          <a:latin typeface="Trebuchet MS" panose="020B0603020202020204" pitchFamily="34" charset="0"/>
+                          <a:cs typeface="Arial" panose="020B0604020202020204" pitchFamily="34" charset="0"/>
+                        </a:defRPr>
+                      </a:lvl4pPr>
+                      <a:lvl5pPr>
+                        <a:spcBef>
+                          <a:spcPct val="20000"/>
+                        </a:spcBef>
+                        <a:defRPr sz="1400">
+                          <a:solidFill>
+                            <a:schemeClr val="tx1"/>
+                          </a:solidFill>
+                          <a:latin typeface="Trebuchet MS" panose="020B0603020202020204" pitchFamily="34" charset="0"/>
+                          <a:cs typeface="Arial" panose="020B0604020202020204" pitchFamily="34" charset="0"/>
+                        </a:defRPr>
+                      </a:lvl5pPr>
+                      <a:lvl6pPr fontAlgn="base">
+                        <a:spcBef>
+                          <a:spcPct val="20000"/>
+                        </a:spcBef>
+                        <a:spcAft>
+                          <a:spcPct val="0"/>
+                        </a:spcAft>
+                        <a:defRPr sz="1400">
+                          <a:solidFill>
+                            <a:schemeClr val="tx1"/>
+                          </a:solidFill>
+                          <a:latin typeface="Trebuchet MS" panose="020B0603020202020204" pitchFamily="34" charset="0"/>
+                          <a:cs typeface="Arial" panose="020B0604020202020204" pitchFamily="34" charset="0"/>
+                        </a:defRPr>
+                      </a:lvl6pPr>
+                      <a:lvl7pPr fontAlgn="base">
+                        <a:spcBef>
+                          <a:spcPct val="20000"/>
+                        </a:spcBef>
+                        <a:spcAft>
+                          <a:spcPct val="0"/>
+                        </a:spcAft>
+                        <a:defRPr sz="1400">
+                          <a:solidFill>
+                            <a:schemeClr val="tx1"/>
+                          </a:solidFill>
+                          <a:latin typeface="Trebuchet MS" panose="020B0603020202020204" pitchFamily="34" charset="0"/>
+                          <a:cs typeface="Arial" panose="020B0604020202020204" pitchFamily="34" charset="0"/>
+                        </a:defRPr>
+                      </a:lvl7pPr>
+                      <a:lvl8pPr fontAlgn="base">
+                        <a:spcBef>
+                          <a:spcPct val="20000"/>
+                        </a:spcBef>
+                        <a:spcAft>
+                          <a:spcPct val="0"/>
+                        </a:spcAft>
+                        <a:defRPr sz="1400">
+                          <a:solidFill>
+                            <a:schemeClr val="tx1"/>
+                          </a:solidFill>
+                          <a:latin typeface="Trebuchet MS" panose="020B0603020202020204" pitchFamily="34" charset="0"/>
+                          <a:cs typeface="Arial" panose="020B0604020202020204" pitchFamily="34" charset="0"/>
+                        </a:defRPr>
+                      </a:lvl8pPr>
+                      <a:lvl9pPr fontAlgn="base">
+                        <a:spcBef>
+                          <a:spcPct val="20000"/>
+                        </a:spcBef>
+                        <a:spcAft>
+                          <a:spcPct val="0"/>
+                        </a:spcAft>
+                        <a:defRPr sz="1400">
+                          <a:solidFill>
+                            <a:schemeClr val="tx1"/>
+                          </a:solidFill>
+                          <a:latin typeface="Trebuchet MS" panose="020B0603020202020204" pitchFamily="34" charset="0"/>
+                          <a:cs typeface="Arial" panose="020B0604020202020204" pitchFamily="34" charset="0"/>
+                        </a:defRPr>
+                      </a:lvl9pPr>
+                    </a:lstStyle>
+                    <a:p>
+                      <a:pPr marL="0" marR="0" lvl="0" indent="0" algn="ctr" defTabSz="914400" rtl="0" eaLnBrk="1" fontAlgn="base" latinLnBrk="0" hangingPunct="1">
+                        <a:lnSpc>
+                          <a:spcPct val="100000"/>
+                        </a:lnSpc>
+                        <a:spcBef>
+                          <a:spcPct val="20000"/>
+                        </a:spcBef>
+                        <a:spcAft>
+                          <a:spcPct val="0"/>
+                        </a:spcAft>
+                        <a:buClrTx/>
+                        <a:buSzTx/>
+                        <a:buFontTx/>
+                        <a:buNone/>
+                        <a:tabLst/>
+                      </a:pPr>
+                      <a:endParaRPr kumimoji="0" lang="en-US" altLang="en-US" sz="2000" b="0" i="0" u="none" strike="noStrike" cap="none" normalizeH="0" baseline="0" smtClean="0">
+                        <a:ln>
+                          <a:noFill/>
+                        </a:ln>
+                        <a:solidFill>
+                          <a:srgbClr val="0066FF"/>
+                        </a:solidFill>
+                        <a:effectLst/>
+                        <a:latin typeface="Trebuchet MS" panose="020B0603020202020204" pitchFamily="34" charset="0"/>
+                        <a:cs typeface="Arial" panose="020B0604020202020204" pitchFamily="34" charset="0"/>
+                      </a:endParaRPr>
+                    </a:p>
+                  </a:txBody>
+                  <a:tcPr anchor="ctr" horzOverflow="overflow">
+                    <a:lnL w="12700" cap="flat" cmpd="sng" algn="ctr">
+                      <a:solidFill>
+                        <a:schemeClr val="tx1"/>
+                      </a:solidFill>
+                      <a:prstDash val="solid"/>
+                      <a:round/>
+                      <a:headEnd type="none" w="med" len="med"/>
+                      <a:tailEnd type="none" w="med" len="med"/>
+                    </a:lnL>
+                    <a:lnR w="12700" cap="flat" cmpd="sng" algn="ctr">
+                      <a:solidFill>
+                        <a:schemeClr val="tx1"/>
+                      </a:solidFill>
+                      <a:prstDash val="solid"/>
+                      <a:round/>
+                      <a:headEnd type="none" w="med" len="med"/>
+                      <a:tailEnd type="none" w="med" len="med"/>
+                    </a:lnR>
+                    <a:lnT w="28575" cap="flat" cmpd="sng" algn="ctr">
+                      <a:solidFill>
+                        <a:schemeClr val="tx1"/>
+                      </a:solidFill>
+                      <a:prstDash val="solid"/>
+                      <a:round/>
+                      <a:headEnd type="none" w="med" len="med"/>
+                      <a:tailEnd type="none" w="med" len="med"/>
+                    </a:lnT>
+                    <a:lnB w="12700" cap="flat" cmpd="sng" algn="ctr">
+                      <a:solidFill>
+                        <a:schemeClr val="tx1"/>
+                      </a:solidFill>
+                      <a:prstDash val="solid"/>
+                      <a:round/>
+                      <a:headEnd type="none" w="med" len="med"/>
+                      <a:tailEnd type="none" w="med" len="med"/>
+                    </a:lnB>
+                    <a:lnTlToBr>
+                      <a:noFill/>
+                    </a:lnTlToBr>
+                    <a:lnBlToTr>
+                      <a:noFill/>
+                    </a:lnBlToTr>
+                    <a:noFill/>
+                  </a:tcPr>
+                </a:tc>
+                <a:tc>
+                  <a:txBody>
+                    <a:bodyPr/>
+                    <a:lstStyle>
+                      <a:lvl1pPr>
+                        <a:spcBef>
+                          <a:spcPct val="20000"/>
+                        </a:spcBef>
+                        <a:defRPr sz="2000">
+                          <a:solidFill>
+                            <a:srgbClr val="0066FF"/>
+                          </a:solidFill>
+                          <a:latin typeface="Trebuchet MS" panose="020B0603020202020204" pitchFamily="34" charset="0"/>
+                          <a:cs typeface="Arial" panose="020B0604020202020204" pitchFamily="34" charset="0"/>
+                        </a:defRPr>
+                      </a:lvl1pPr>
+                      <a:lvl2pPr>
+                        <a:spcBef>
+                          <a:spcPct val="20000"/>
+                        </a:spcBef>
+                        <a:defRPr>
+                          <a:solidFill>
+                            <a:schemeClr val="tx1"/>
+                          </a:solidFill>
+                          <a:latin typeface="Trebuchet MS" panose="020B0603020202020204" pitchFamily="34" charset="0"/>
+                          <a:cs typeface="Arial" panose="020B0604020202020204" pitchFamily="34" charset="0"/>
+                        </a:defRPr>
+                      </a:lvl2pPr>
+                      <a:lvl3pPr>
+                        <a:spcBef>
+                          <a:spcPct val="20000"/>
+                        </a:spcBef>
+                        <a:defRPr sz="1600">
+                          <a:solidFill>
+                            <a:schemeClr val="tx1"/>
+                          </a:solidFill>
+                          <a:latin typeface="Trebuchet MS" panose="020B0603020202020204" pitchFamily="34" charset="0"/>
+                          <a:cs typeface="Arial" panose="020B0604020202020204" pitchFamily="34" charset="0"/>
+                        </a:defRPr>
+                      </a:lvl3pPr>
+                      <a:lvl4pPr>
+                        <a:spcBef>
+                          <a:spcPct val="20000"/>
+                        </a:spcBef>
+                        <a:defRPr sz="1400">
+                          <a:solidFill>
+                            <a:schemeClr val="tx1"/>
+                          </a:solidFill>
+                          <a:latin typeface="Trebuchet MS" panose="020B0603020202020204" pitchFamily="34" charset="0"/>
+                          <a:cs typeface="Arial" panose="020B0604020202020204" pitchFamily="34" charset="0"/>
+                        </a:defRPr>
+                      </a:lvl4pPr>
+                      <a:lvl5pPr>
+                        <a:spcBef>
+                          <a:spcPct val="20000"/>
+                        </a:spcBef>
+                        <a:defRPr sz="1400">
+                          <a:solidFill>
+                            <a:schemeClr val="tx1"/>
+                          </a:solidFill>
+                          <a:latin typeface="Trebuchet MS" panose="020B0603020202020204" pitchFamily="34" charset="0"/>
+                          <a:cs typeface="Arial" panose="020B0604020202020204" pitchFamily="34" charset="0"/>
+                        </a:defRPr>
+                      </a:lvl5pPr>
+                      <a:lvl6pPr fontAlgn="base">
+                        <a:spcBef>
+                          <a:spcPct val="20000"/>
+                        </a:spcBef>
+                        <a:spcAft>
+                          <a:spcPct val="0"/>
+                        </a:spcAft>
+                        <a:defRPr sz="1400">
+                          <a:solidFill>
+                            <a:schemeClr val="tx1"/>
+                          </a:solidFill>
+                          <a:latin typeface="Trebuchet MS" panose="020B0603020202020204" pitchFamily="34" charset="0"/>
+                          <a:cs typeface="Arial" panose="020B0604020202020204" pitchFamily="34" charset="0"/>
+                        </a:defRPr>
+                      </a:lvl6pPr>
+                      <a:lvl7pPr fontAlgn="base">
+                        <a:spcBef>
+                          <a:spcPct val="20000"/>
+                        </a:spcBef>
+                        <a:spcAft>
+                          <a:spcPct val="0"/>
+                        </a:spcAft>
+                        <a:defRPr sz="1400">
+                          <a:solidFill>
+                            <a:schemeClr val="tx1"/>
+                          </a:solidFill>
+                          <a:latin typeface="Trebuchet MS" panose="020B0603020202020204" pitchFamily="34" charset="0"/>
+                          <a:cs typeface="Arial" panose="020B0604020202020204" pitchFamily="34" charset="0"/>
+                        </a:defRPr>
+                      </a:lvl7pPr>
+                      <a:lvl8pPr fontAlgn="base">
+                        <a:spcBef>
+                          <a:spcPct val="20000"/>
+                        </a:spcBef>
+                        <a:spcAft>
+                          <a:spcPct val="0"/>
+                        </a:spcAft>
+                        <a:defRPr sz="1400">
+                          <a:solidFill>
+                            <a:schemeClr val="tx1"/>
+                          </a:solidFill>
+                          <a:latin typeface="Trebuchet MS" panose="020B0603020202020204" pitchFamily="34" charset="0"/>
+                          <a:cs typeface="Arial" panose="020B0604020202020204" pitchFamily="34" charset="0"/>
+                        </a:defRPr>
+                      </a:lvl8pPr>
+                      <a:lvl9pPr fontAlgn="base">
+                        <a:spcBef>
+                          <a:spcPct val="20000"/>
+                        </a:spcBef>
+                        <a:spcAft>
+                          <a:spcPct val="0"/>
+                        </a:spcAft>
+                        <a:defRPr sz="1400">
+                          <a:solidFill>
+                            <a:schemeClr val="tx1"/>
+                          </a:solidFill>
+                          <a:latin typeface="Trebuchet MS" panose="020B0603020202020204" pitchFamily="34" charset="0"/>
+                          <a:cs typeface="Arial" panose="020B0604020202020204" pitchFamily="34" charset="0"/>
+                        </a:defRPr>
+                      </a:lvl9pPr>
+                    </a:lstStyle>
+                    <a:p>
+                      <a:pPr marL="0" marR="0" lvl="0" indent="0" algn="ctr" defTabSz="914400" rtl="0" eaLnBrk="1" fontAlgn="base" latinLnBrk="0" hangingPunct="1">
+                        <a:lnSpc>
+                          <a:spcPct val="100000"/>
+                        </a:lnSpc>
+                        <a:spcBef>
+                          <a:spcPct val="20000"/>
+                        </a:spcBef>
+                        <a:spcAft>
+                          <a:spcPct val="0"/>
+                        </a:spcAft>
+                        <a:buClrTx/>
+                        <a:buSzTx/>
+                        <a:buFontTx/>
+                        <a:buNone/>
+                        <a:tabLst/>
+                      </a:pPr>
+                      <a:endParaRPr kumimoji="0" lang="en-US" altLang="en-US" sz="2000" b="0" i="0" u="none" strike="noStrike" cap="none" normalizeH="0" baseline="0" smtClean="0">
+                        <a:ln>
+                          <a:noFill/>
+                        </a:ln>
+                        <a:solidFill>
+                          <a:srgbClr val="0066FF"/>
+                        </a:solidFill>
+                        <a:effectLst/>
+                        <a:latin typeface="Trebuchet MS" panose="020B0603020202020204" pitchFamily="34" charset="0"/>
+                        <a:cs typeface="Arial" panose="020B0604020202020204" pitchFamily="34" charset="0"/>
+                      </a:endParaRPr>
+                    </a:p>
+                  </a:txBody>
+                  <a:tcPr anchor="ctr" horzOverflow="overflow">
+                    <a:lnL w="12700" cap="flat" cmpd="sng" algn="ctr">
+                      <a:solidFill>
+                        <a:schemeClr val="tx1"/>
+                      </a:solidFill>
+                      <a:prstDash val="solid"/>
+                      <a:round/>
+                      <a:headEnd type="none" w="med" len="med"/>
+                      <a:tailEnd type="none" w="med" len="med"/>
+                    </a:lnL>
+                    <a:lnR w="12700" cap="flat" cmpd="sng" algn="ctr">
+                      <a:solidFill>
+                        <a:schemeClr val="tx1"/>
+                      </a:solidFill>
+                      <a:prstDash val="solid"/>
+                      <a:round/>
+                      <a:headEnd type="none" w="med" len="med"/>
+                      <a:tailEnd type="none" w="med" len="med"/>
+                    </a:lnR>
+                    <a:lnT w="28575" cap="flat" cmpd="sng" algn="ctr">
+                      <a:solidFill>
+                        <a:schemeClr val="tx1"/>
+                      </a:solidFill>
+                      <a:prstDash val="solid"/>
+                      <a:round/>
+                      <a:headEnd type="none" w="med" len="med"/>
+                      <a:tailEnd type="none" w="med" len="med"/>
+                    </a:lnT>
+                    <a:lnB w="12700" cap="flat" cmpd="sng" algn="ctr">
+                      <a:solidFill>
+                        <a:schemeClr val="tx1"/>
+                      </a:solidFill>
+                      <a:prstDash val="solid"/>
+                      <a:round/>
+                      <a:headEnd type="none" w="med" len="med"/>
+                      <a:tailEnd type="none" w="med" len="med"/>
+                    </a:lnB>
+                    <a:lnTlToBr>
+                      <a:noFill/>
+                    </a:lnTlToBr>
+                    <a:lnBlToTr>
+                      <a:noFill/>
+                    </a:lnBlToTr>
+                    <a:noFill/>
+                  </a:tcPr>
+                </a:tc>
+                <a:tc>
+                  <a:txBody>
+                    <a:bodyPr/>
+                    <a:lstStyle>
+                      <a:lvl1pPr>
+                        <a:spcBef>
+                          <a:spcPct val="20000"/>
+                        </a:spcBef>
+                        <a:defRPr sz="2000">
+                          <a:solidFill>
+                            <a:srgbClr val="0066FF"/>
+                          </a:solidFill>
+                          <a:latin typeface="Trebuchet MS" panose="020B0603020202020204" pitchFamily="34" charset="0"/>
+                          <a:cs typeface="Arial" panose="020B0604020202020204" pitchFamily="34" charset="0"/>
+                        </a:defRPr>
+                      </a:lvl1pPr>
+                      <a:lvl2pPr>
+                        <a:spcBef>
+                          <a:spcPct val="20000"/>
+                        </a:spcBef>
+                        <a:defRPr>
+                          <a:solidFill>
+                            <a:schemeClr val="tx1"/>
+                          </a:solidFill>
+                          <a:latin typeface="Trebuchet MS" panose="020B0603020202020204" pitchFamily="34" charset="0"/>
+                          <a:cs typeface="Arial" panose="020B0604020202020204" pitchFamily="34" charset="0"/>
+                        </a:defRPr>
+                      </a:lvl2pPr>
+                      <a:lvl3pPr>
+                        <a:spcBef>
+                          <a:spcPct val="20000"/>
+                        </a:spcBef>
+                        <a:defRPr sz="1600">
+                          <a:solidFill>
+                            <a:schemeClr val="tx1"/>
+                          </a:solidFill>
+                          <a:latin typeface="Trebuchet MS" panose="020B0603020202020204" pitchFamily="34" charset="0"/>
+                          <a:cs typeface="Arial" panose="020B0604020202020204" pitchFamily="34" charset="0"/>
+                        </a:defRPr>
+                      </a:lvl3pPr>
+                      <a:lvl4pPr>
+                        <a:spcBef>
+                          <a:spcPct val="20000"/>
+                        </a:spcBef>
+                        <a:defRPr sz="1400">
+                          <a:solidFill>
+                            <a:schemeClr val="tx1"/>
+                          </a:solidFill>
+                          <a:latin typeface="Trebuchet MS" panose="020B0603020202020204" pitchFamily="34" charset="0"/>
+                          <a:cs typeface="Arial" panose="020B0604020202020204" pitchFamily="34" charset="0"/>
+                        </a:defRPr>
+                      </a:lvl4pPr>
+                      <a:lvl5pPr>
+                        <a:spcBef>
+                          <a:spcPct val="20000"/>
+                        </a:spcBef>
+                        <a:defRPr sz="1400">
+                          <a:solidFill>
+                            <a:schemeClr val="tx1"/>
+                          </a:solidFill>
+                          <a:latin typeface="Trebuchet MS" panose="020B0603020202020204" pitchFamily="34" charset="0"/>
+                          <a:cs typeface="Arial" panose="020B0604020202020204" pitchFamily="34" charset="0"/>
+                        </a:defRPr>
+                      </a:lvl5pPr>
+                      <a:lvl6pPr fontAlgn="base">
+                        <a:spcBef>
+                          <a:spcPct val="20000"/>
+                        </a:spcBef>
+                        <a:spcAft>
+                          <a:spcPct val="0"/>
+                        </a:spcAft>
+                        <a:defRPr sz="1400">
+                          <a:solidFill>
+                            <a:schemeClr val="tx1"/>
+                          </a:solidFill>
+                          <a:latin typeface="Trebuchet MS" panose="020B0603020202020204" pitchFamily="34" charset="0"/>
+                          <a:cs typeface="Arial" panose="020B0604020202020204" pitchFamily="34" charset="0"/>
+                        </a:defRPr>
+                      </a:lvl6pPr>
+                      <a:lvl7pPr fontAlgn="base">
+                        <a:spcBef>
+                          <a:spcPct val="20000"/>
+                        </a:spcBef>
+                        <a:spcAft>
+                          <a:spcPct val="0"/>
+                        </a:spcAft>
+                        <a:defRPr sz="1400">
+                          <a:solidFill>
+                            <a:schemeClr val="tx1"/>
+                          </a:solidFill>
+                          <a:latin typeface="Trebuchet MS" panose="020B0603020202020204" pitchFamily="34" charset="0"/>
+                          <a:cs typeface="Arial" panose="020B0604020202020204" pitchFamily="34" charset="0"/>
+                        </a:defRPr>
+                      </a:lvl7pPr>
+                      <a:lvl8pPr fontAlgn="base">
+                        <a:spcBef>
+                          <a:spcPct val="20000"/>
+                        </a:spcBef>
+                        <a:spcAft>
+                          <a:spcPct val="0"/>
+                        </a:spcAft>
+                        <a:defRPr sz="1400">
+                          <a:solidFill>
+                            <a:schemeClr val="tx1"/>
+                          </a:solidFill>
+                          <a:latin typeface="Trebuchet MS" panose="020B0603020202020204" pitchFamily="34" charset="0"/>
+                          <a:cs typeface="Arial" panose="020B0604020202020204" pitchFamily="34" charset="0"/>
+                        </a:defRPr>
+                      </a:lvl8pPr>
+                      <a:lvl9pPr fontAlgn="base">
+                        <a:spcBef>
+                          <a:spcPct val="20000"/>
+                        </a:spcBef>
+                        <a:spcAft>
+                          <a:spcPct val="0"/>
+                        </a:spcAft>
+                        <a:defRPr sz="1400">
+                          <a:solidFill>
+                            <a:schemeClr val="tx1"/>
+                          </a:solidFill>
+                          <a:latin typeface="Trebuchet MS" panose="020B0603020202020204" pitchFamily="34" charset="0"/>
+                          <a:cs typeface="Arial" panose="020B0604020202020204" pitchFamily="34" charset="0"/>
+                        </a:defRPr>
+                      </a:lvl9pPr>
+                    </a:lstStyle>
+                    <a:p>
+                      <a:pPr marL="0" marR="0" lvl="0" indent="0" algn="ctr" defTabSz="914400" rtl="0" eaLnBrk="1" fontAlgn="base" latinLnBrk="0" hangingPunct="1">
+                        <a:lnSpc>
+                          <a:spcPct val="100000"/>
+                        </a:lnSpc>
+                        <a:spcBef>
+                          <a:spcPct val="20000"/>
+                        </a:spcBef>
+                        <a:spcAft>
+                          <a:spcPct val="0"/>
+                        </a:spcAft>
+                        <a:buClrTx/>
+                        <a:buSzTx/>
+                        <a:buFontTx/>
+                        <a:buNone/>
+                        <a:tabLst/>
+                      </a:pPr>
+                      <a:r>
+                        <a:rPr kumimoji="0" lang="en-US" altLang="en-US" sz="2800" b="0" i="0" u="none" strike="noStrike" cap="none" normalizeH="0" baseline="0" smtClean="0">
+                          <a:ln>
+                            <a:noFill/>
+                          </a:ln>
+                          <a:solidFill>
+                            <a:srgbClr val="0066FF"/>
+                          </a:solidFill>
+                          <a:effectLst/>
+                          <a:latin typeface="Trebuchet MS" panose="020B0603020202020204" pitchFamily="34" charset="0"/>
+                          <a:cs typeface="Arial" panose="020B0604020202020204" pitchFamily="34" charset="0"/>
+                        </a:rPr>
+                        <a:t>+1</a:t>
+                      </a:r>
+                    </a:p>
+                  </a:txBody>
+                  <a:tcPr anchor="ctr" horzOverflow="overflow">
+                    <a:lnL w="12700" cap="flat" cmpd="sng" algn="ctr">
+                      <a:solidFill>
+                        <a:schemeClr val="tx1"/>
+                      </a:solidFill>
+                      <a:prstDash val="solid"/>
+                      <a:round/>
+                      <a:headEnd type="none" w="med" len="med"/>
+                      <a:tailEnd type="none" w="med" len="med"/>
+                    </a:lnL>
+                    <a:lnR w="28575" cap="flat" cmpd="sng" algn="ctr">
+                      <a:solidFill>
+                        <a:schemeClr val="tx1"/>
+                      </a:solidFill>
+                      <a:prstDash val="solid"/>
+                      <a:round/>
+                      <a:headEnd type="none" w="med" len="med"/>
+                      <a:tailEnd type="none" w="med" len="med"/>
+                    </a:lnR>
+                    <a:lnT w="28575" cap="flat" cmpd="sng" algn="ctr">
+                      <a:solidFill>
+                        <a:schemeClr val="tx1"/>
+                      </a:solidFill>
+                      <a:prstDash val="solid"/>
+                      <a:round/>
+                      <a:headEnd type="none" w="med" len="med"/>
+                      <a:tailEnd type="none" w="med" len="med"/>
+                    </a:lnT>
+                    <a:lnB w="12700" cap="flat" cmpd="sng" algn="ctr">
+                      <a:solidFill>
+                        <a:schemeClr val="tx1"/>
+                      </a:solidFill>
+                      <a:prstDash val="solid"/>
+                      <a:round/>
+                      <a:headEnd type="none" w="med" len="med"/>
+                      <a:tailEnd type="none" w="med" len="med"/>
+                    </a:lnB>
+                    <a:lnTlToBr>
+                      <a:noFill/>
+                    </a:lnTlToBr>
+                    <a:lnBlToTr>
+                      <a:noFill/>
+                    </a:lnBlToTr>
+                    <a:noFill/>
+                  </a:tcPr>
+                </a:tc>
+                <a:extLst>
+                  <a:ext uri="{0D108BD9-81ED-4DB2-BD59-A6C34878D82A}">
+                    <a16:rowId xmlns:a16="http://schemas.microsoft.com/office/drawing/2014/main" val="2119399319"/>
+                  </a:ext>
+                </a:extLst>
+              </a:tr>
+              <a:tr h="912813">
+                <a:tc>
+                  <a:txBody>
+                    <a:bodyPr/>
+                    <a:lstStyle>
+                      <a:lvl1pPr>
+                        <a:spcBef>
+                          <a:spcPct val="20000"/>
+                        </a:spcBef>
+                        <a:defRPr sz="2000">
+                          <a:solidFill>
+                            <a:srgbClr val="0066FF"/>
+                          </a:solidFill>
+                          <a:latin typeface="Trebuchet MS" panose="020B0603020202020204" pitchFamily="34" charset="0"/>
+                          <a:cs typeface="Arial" panose="020B0604020202020204" pitchFamily="34" charset="0"/>
+                        </a:defRPr>
+                      </a:lvl1pPr>
+                      <a:lvl2pPr>
+                        <a:spcBef>
+                          <a:spcPct val="20000"/>
+                        </a:spcBef>
+                        <a:defRPr>
+                          <a:solidFill>
+                            <a:schemeClr val="tx1"/>
+                          </a:solidFill>
+                          <a:latin typeface="Trebuchet MS" panose="020B0603020202020204" pitchFamily="34" charset="0"/>
+                          <a:cs typeface="Arial" panose="020B0604020202020204" pitchFamily="34" charset="0"/>
+                        </a:defRPr>
+                      </a:lvl2pPr>
+                      <a:lvl3pPr>
+                        <a:spcBef>
+                          <a:spcPct val="20000"/>
+                        </a:spcBef>
+                        <a:defRPr sz="1600">
+                          <a:solidFill>
+                            <a:schemeClr val="tx1"/>
+                          </a:solidFill>
+                          <a:latin typeface="Trebuchet MS" panose="020B0603020202020204" pitchFamily="34" charset="0"/>
+                          <a:cs typeface="Arial" panose="020B0604020202020204" pitchFamily="34" charset="0"/>
+                        </a:defRPr>
+                      </a:lvl3pPr>
+                      <a:lvl4pPr>
+                        <a:spcBef>
+                          <a:spcPct val="20000"/>
+                        </a:spcBef>
+                        <a:defRPr sz="1400">
+                          <a:solidFill>
+                            <a:schemeClr val="tx1"/>
+                          </a:solidFill>
+                          <a:latin typeface="Trebuchet MS" panose="020B0603020202020204" pitchFamily="34" charset="0"/>
+                          <a:cs typeface="Arial" panose="020B0604020202020204" pitchFamily="34" charset="0"/>
+                        </a:defRPr>
+                      </a:lvl4pPr>
+                      <a:lvl5pPr>
+                        <a:spcBef>
+                          <a:spcPct val="20000"/>
+                        </a:spcBef>
+                        <a:defRPr sz="1400">
+                          <a:solidFill>
+                            <a:schemeClr val="tx1"/>
+                          </a:solidFill>
+                          <a:latin typeface="Trebuchet MS" panose="020B0603020202020204" pitchFamily="34" charset="0"/>
+                          <a:cs typeface="Arial" panose="020B0604020202020204" pitchFamily="34" charset="0"/>
+                        </a:defRPr>
+                      </a:lvl5pPr>
+                      <a:lvl6pPr fontAlgn="base">
+                        <a:spcBef>
+                          <a:spcPct val="20000"/>
+                        </a:spcBef>
+                        <a:spcAft>
+                          <a:spcPct val="0"/>
+                        </a:spcAft>
+                        <a:defRPr sz="1400">
+                          <a:solidFill>
+                            <a:schemeClr val="tx1"/>
+                          </a:solidFill>
+                          <a:latin typeface="Trebuchet MS" panose="020B0603020202020204" pitchFamily="34" charset="0"/>
+                          <a:cs typeface="Arial" panose="020B0604020202020204" pitchFamily="34" charset="0"/>
+                        </a:defRPr>
+                      </a:lvl6pPr>
+                      <a:lvl7pPr fontAlgn="base">
+                        <a:spcBef>
+                          <a:spcPct val="20000"/>
+                        </a:spcBef>
+                        <a:spcAft>
+                          <a:spcPct val="0"/>
+                        </a:spcAft>
+                        <a:defRPr sz="1400">
+                          <a:solidFill>
+                            <a:schemeClr val="tx1"/>
+                          </a:solidFill>
+                          <a:latin typeface="Trebuchet MS" panose="020B0603020202020204" pitchFamily="34" charset="0"/>
+                          <a:cs typeface="Arial" panose="020B0604020202020204" pitchFamily="34" charset="0"/>
+                        </a:defRPr>
+                      </a:lvl7pPr>
+                      <a:lvl8pPr fontAlgn="base">
+                        <a:spcBef>
+                          <a:spcPct val="20000"/>
+                        </a:spcBef>
+                        <a:spcAft>
+                          <a:spcPct val="0"/>
+                        </a:spcAft>
+                        <a:defRPr sz="1400">
+                          <a:solidFill>
+                            <a:schemeClr val="tx1"/>
+                          </a:solidFill>
+                          <a:latin typeface="Trebuchet MS" panose="020B0603020202020204" pitchFamily="34" charset="0"/>
+                          <a:cs typeface="Arial" panose="020B0604020202020204" pitchFamily="34" charset="0"/>
+                        </a:defRPr>
+                      </a:lvl8pPr>
+                      <a:lvl9pPr fontAlgn="base">
+                        <a:spcBef>
+                          <a:spcPct val="20000"/>
+                        </a:spcBef>
+                        <a:spcAft>
+                          <a:spcPct val="0"/>
+                        </a:spcAft>
+                        <a:defRPr sz="1400">
+                          <a:solidFill>
+                            <a:schemeClr val="tx1"/>
+                          </a:solidFill>
+                          <a:latin typeface="Trebuchet MS" panose="020B0603020202020204" pitchFamily="34" charset="0"/>
+                          <a:cs typeface="Arial" panose="020B0604020202020204" pitchFamily="34" charset="0"/>
+                        </a:defRPr>
+                      </a:lvl9pPr>
+                    </a:lstStyle>
+                    <a:p>
+                      <a:pPr marL="0" marR="0" lvl="0" indent="0" algn="ctr" defTabSz="914400" rtl="0" eaLnBrk="1" fontAlgn="base" latinLnBrk="0" hangingPunct="1">
+                        <a:lnSpc>
+                          <a:spcPct val="100000"/>
+                        </a:lnSpc>
+                        <a:spcBef>
+                          <a:spcPct val="20000"/>
+                        </a:spcBef>
+                        <a:spcAft>
+                          <a:spcPct val="0"/>
+                        </a:spcAft>
+                        <a:buClrTx/>
+                        <a:buSzTx/>
+                        <a:buFontTx/>
+                        <a:buNone/>
+                        <a:tabLst/>
+                      </a:pPr>
+                      <a:endParaRPr kumimoji="0" lang="en-US" altLang="en-US" sz="2000" b="0" i="0" u="none" strike="noStrike" cap="none" normalizeH="0" baseline="0" smtClean="0">
+                        <a:ln>
+                          <a:noFill/>
+                        </a:ln>
+                        <a:solidFill>
+                          <a:srgbClr val="0066FF"/>
+                        </a:solidFill>
+                        <a:effectLst/>
+                        <a:latin typeface="Trebuchet MS" panose="020B0603020202020204" pitchFamily="34" charset="0"/>
+                        <a:cs typeface="Arial" panose="020B0604020202020204" pitchFamily="34" charset="0"/>
+                      </a:endParaRPr>
+                    </a:p>
+                  </a:txBody>
+                  <a:tcPr anchor="ctr" horzOverflow="overflow">
+                    <a:lnL w="28575" cap="flat" cmpd="sng" algn="ctr">
+                      <a:solidFill>
+                        <a:schemeClr val="tx1"/>
+                      </a:solidFill>
+                      <a:prstDash val="solid"/>
+                      <a:round/>
+                      <a:headEnd type="none" w="med" len="med"/>
+                      <a:tailEnd type="none" w="med" len="med"/>
+                    </a:lnL>
+                    <a:lnR w="12700" cap="flat" cmpd="sng" algn="ctr">
+                      <a:solidFill>
+                        <a:schemeClr val="tx1"/>
+                      </a:solidFill>
+                      <a:prstDash val="solid"/>
+                      <a:round/>
+                      <a:headEnd type="none" w="med" len="med"/>
+                      <a:tailEnd type="none" w="med" len="med"/>
+                    </a:lnR>
+                    <a:lnT w="12700" cap="flat" cmpd="sng" algn="ctr">
+                      <a:solidFill>
+                        <a:schemeClr val="tx1"/>
+                      </a:solidFill>
+                      <a:prstDash val="solid"/>
+                      <a:round/>
+                      <a:headEnd type="none" w="med" len="med"/>
+                      <a:tailEnd type="none" w="med" len="med"/>
+                    </a:lnT>
+                    <a:lnB w="12700" cap="flat" cmpd="sng" algn="ctr">
+                      <a:solidFill>
+                        <a:schemeClr val="tx1"/>
+                      </a:solidFill>
+                      <a:prstDash val="solid"/>
+                      <a:round/>
+                      <a:headEnd type="none" w="med" len="med"/>
+                      <a:tailEnd type="none" w="med" len="med"/>
+                    </a:lnB>
+                    <a:lnTlToBr>
+                      <a:noFill/>
+                    </a:lnTlToBr>
+                    <a:lnBlToTr>
+                      <a:noFill/>
+                    </a:lnBlToTr>
+                    <a:noFill/>
+                  </a:tcPr>
+                </a:tc>
+                <a:tc>
+                  <a:txBody>
+                    <a:bodyPr/>
+                    <a:lstStyle>
+                      <a:lvl1pPr>
+                        <a:spcBef>
+                          <a:spcPct val="20000"/>
+                        </a:spcBef>
+                        <a:defRPr sz="2000">
+                          <a:solidFill>
+                            <a:srgbClr val="0066FF"/>
+                          </a:solidFill>
+                          <a:latin typeface="Trebuchet MS" panose="020B0603020202020204" pitchFamily="34" charset="0"/>
+                          <a:cs typeface="Arial" panose="020B0604020202020204" pitchFamily="34" charset="0"/>
+                        </a:defRPr>
+                      </a:lvl1pPr>
+                      <a:lvl2pPr>
+                        <a:spcBef>
+                          <a:spcPct val="20000"/>
+                        </a:spcBef>
+                        <a:defRPr>
+                          <a:solidFill>
+                            <a:schemeClr val="tx1"/>
+                          </a:solidFill>
+                          <a:latin typeface="Trebuchet MS" panose="020B0603020202020204" pitchFamily="34" charset="0"/>
+                          <a:cs typeface="Arial" panose="020B0604020202020204" pitchFamily="34" charset="0"/>
+                        </a:defRPr>
+                      </a:lvl2pPr>
+                      <a:lvl3pPr>
+                        <a:spcBef>
+                          <a:spcPct val="20000"/>
+                        </a:spcBef>
+                        <a:defRPr sz="1600">
+                          <a:solidFill>
+                            <a:schemeClr val="tx1"/>
+                          </a:solidFill>
+                          <a:latin typeface="Trebuchet MS" panose="020B0603020202020204" pitchFamily="34" charset="0"/>
+                          <a:cs typeface="Arial" panose="020B0604020202020204" pitchFamily="34" charset="0"/>
+                        </a:defRPr>
+                      </a:lvl3pPr>
+                      <a:lvl4pPr>
+                        <a:spcBef>
+                          <a:spcPct val="20000"/>
+                        </a:spcBef>
+                        <a:defRPr sz="1400">
+                          <a:solidFill>
+                            <a:schemeClr val="tx1"/>
+                          </a:solidFill>
+                          <a:latin typeface="Trebuchet MS" panose="020B0603020202020204" pitchFamily="34" charset="0"/>
+                          <a:cs typeface="Arial" panose="020B0604020202020204" pitchFamily="34" charset="0"/>
+                        </a:defRPr>
+                      </a:lvl4pPr>
+                      <a:lvl5pPr>
+                        <a:spcBef>
+                          <a:spcPct val="20000"/>
+                        </a:spcBef>
+                        <a:defRPr sz="1400">
+                          <a:solidFill>
+                            <a:schemeClr val="tx1"/>
+                          </a:solidFill>
+                          <a:latin typeface="Trebuchet MS" panose="020B0603020202020204" pitchFamily="34" charset="0"/>
+                          <a:cs typeface="Arial" panose="020B0604020202020204" pitchFamily="34" charset="0"/>
+                        </a:defRPr>
+                      </a:lvl5pPr>
+                      <a:lvl6pPr fontAlgn="base">
+                        <a:spcBef>
+                          <a:spcPct val="20000"/>
+                        </a:spcBef>
+                        <a:spcAft>
+                          <a:spcPct val="0"/>
+                        </a:spcAft>
+                        <a:defRPr sz="1400">
+                          <a:solidFill>
+                            <a:schemeClr val="tx1"/>
+                          </a:solidFill>
+                          <a:latin typeface="Trebuchet MS" panose="020B0603020202020204" pitchFamily="34" charset="0"/>
+                          <a:cs typeface="Arial" panose="020B0604020202020204" pitchFamily="34" charset="0"/>
+                        </a:defRPr>
+                      </a:lvl6pPr>
+                      <a:lvl7pPr fontAlgn="base">
+                        <a:spcBef>
+                          <a:spcPct val="20000"/>
+                        </a:spcBef>
+                        <a:spcAft>
+                          <a:spcPct val="0"/>
+                        </a:spcAft>
+                        <a:defRPr sz="1400">
+                          <a:solidFill>
+                            <a:schemeClr val="tx1"/>
+                          </a:solidFill>
+                          <a:latin typeface="Trebuchet MS" panose="020B0603020202020204" pitchFamily="34" charset="0"/>
+                          <a:cs typeface="Arial" panose="020B0604020202020204" pitchFamily="34" charset="0"/>
+                        </a:defRPr>
+                      </a:lvl7pPr>
+                      <a:lvl8pPr fontAlgn="base">
+                        <a:spcBef>
+                          <a:spcPct val="20000"/>
+                        </a:spcBef>
+                        <a:spcAft>
+                          <a:spcPct val="0"/>
+                        </a:spcAft>
+                        <a:defRPr sz="1400">
+                          <a:solidFill>
+                            <a:schemeClr val="tx1"/>
+                          </a:solidFill>
+                          <a:latin typeface="Trebuchet MS" panose="020B0603020202020204" pitchFamily="34" charset="0"/>
+                          <a:cs typeface="Arial" panose="020B0604020202020204" pitchFamily="34" charset="0"/>
+                        </a:defRPr>
+                      </a:lvl8pPr>
+                      <a:lvl9pPr fontAlgn="base">
+                        <a:spcBef>
+                          <a:spcPct val="20000"/>
+                        </a:spcBef>
+                        <a:spcAft>
+                          <a:spcPct val="0"/>
+                        </a:spcAft>
+                        <a:defRPr sz="1400">
+                          <a:solidFill>
+                            <a:schemeClr val="tx1"/>
+                          </a:solidFill>
+                          <a:latin typeface="Trebuchet MS" panose="020B0603020202020204" pitchFamily="34" charset="0"/>
+                          <a:cs typeface="Arial" panose="020B0604020202020204" pitchFamily="34" charset="0"/>
+                        </a:defRPr>
+                      </a:lvl9pPr>
+                    </a:lstStyle>
+                    <a:p>
+                      <a:pPr marL="0" marR="0" lvl="0" indent="0" algn="ctr" defTabSz="914400" rtl="0" eaLnBrk="1" fontAlgn="base" latinLnBrk="0" hangingPunct="1">
+                        <a:lnSpc>
+                          <a:spcPct val="100000"/>
+                        </a:lnSpc>
+                        <a:spcBef>
+                          <a:spcPct val="20000"/>
+                        </a:spcBef>
+                        <a:spcAft>
+                          <a:spcPct val="0"/>
+                        </a:spcAft>
+                        <a:buClrTx/>
+                        <a:buSzTx/>
+                        <a:buFontTx/>
+                        <a:buNone/>
+                        <a:tabLst/>
+                      </a:pPr>
+                      <a:endParaRPr kumimoji="0" lang="en-US" altLang="en-US" sz="2000" b="0" i="0" u="none" strike="noStrike" cap="none" normalizeH="0" baseline="0" smtClean="0">
+                        <a:ln>
+                          <a:noFill/>
+                        </a:ln>
+                        <a:solidFill>
+                          <a:srgbClr val="0066FF"/>
+                        </a:solidFill>
+                        <a:effectLst/>
+                        <a:latin typeface="Trebuchet MS" panose="020B0603020202020204" pitchFamily="34" charset="0"/>
+                        <a:cs typeface="Arial" panose="020B0604020202020204" pitchFamily="34" charset="0"/>
+                      </a:endParaRPr>
+                    </a:p>
+                  </a:txBody>
+                  <a:tcPr anchor="ctr" horzOverflow="overflow">
+                    <a:lnL w="12700" cap="flat" cmpd="sng" algn="ctr">
+                      <a:solidFill>
+                        <a:schemeClr val="tx1"/>
+                      </a:solidFill>
+                      <a:prstDash val="solid"/>
+                      <a:round/>
+                      <a:headEnd type="none" w="med" len="med"/>
+                      <a:tailEnd type="none" w="med" len="med"/>
+                    </a:lnL>
+                    <a:lnR w="12700" cap="flat" cmpd="sng" algn="ctr">
+                      <a:solidFill>
+                        <a:schemeClr val="tx1"/>
+                      </a:solidFill>
+                      <a:prstDash val="solid"/>
+                      <a:round/>
+                      <a:headEnd type="none" w="med" len="med"/>
+                      <a:tailEnd type="none" w="med" len="med"/>
+                    </a:lnR>
+                    <a:lnT w="12700" cap="flat" cmpd="sng" algn="ctr">
+                      <a:solidFill>
+                        <a:schemeClr val="tx1"/>
+                      </a:solidFill>
+                      <a:prstDash val="solid"/>
+                      <a:round/>
+                      <a:headEnd type="none" w="med" len="med"/>
+                      <a:tailEnd type="none" w="med" len="med"/>
+                    </a:lnT>
+                    <a:lnB w="12700" cap="flat" cmpd="sng" algn="ctr">
+                      <a:solidFill>
+                        <a:schemeClr val="tx1"/>
+                      </a:solidFill>
+                      <a:prstDash val="solid"/>
+                      <a:round/>
+                      <a:headEnd type="none" w="med" len="med"/>
+                      <a:tailEnd type="none" w="med" len="med"/>
+                    </a:lnB>
+                    <a:lnTlToBr>
+                      <a:noFill/>
+                    </a:lnTlToBr>
+                    <a:lnBlToTr>
+                      <a:noFill/>
+                    </a:lnBlToTr>
+                    <a:solidFill>
+                      <a:schemeClr val="bg2"/>
+                    </a:solidFill>
+                  </a:tcPr>
+                </a:tc>
+                <a:tc>
+                  <a:txBody>
+                    <a:bodyPr/>
+                    <a:lstStyle>
+                      <a:lvl1pPr>
+                        <a:spcBef>
+                          <a:spcPct val="20000"/>
+                        </a:spcBef>
+                        <a:defRPr sz="2000">
+                          <a:solidFill>
+                            <a:srgbClr val="0066FF"/>
+                          </a:solidFill>
+                          <a:latin typeface="Trebuchet MS" panose="020B0603020202020204" pitchFamily="34" charset="0"/>
+                          <a:cs typeface="Arial" panose="020B0604020202020204" pitchFamily="34" charset="0"/>
+                        </a:defRPr>
+                      </a:lvl1pPr>
+                      <a:lvl2pPr>
+                        <a:spcBef>
+                          <a:spcPct val="20000"/>
+                        </a:spcBef>
+                        <a:defRPr>
+                          <a:solidFill>
+                            <a:schemeClr val="tx1"/>
+                          </a:solidFill>
+                          <a:latin typeface="Trebuchet MS" panose="020B0603020202020204" pitchFamily="34" charset="0"/>
+                          <a:cs typeface="Arial" panose="020B0604020202020204" pitchFamily="34" charset="0"/>
+                        </a:defRPr>
+                      </a:lvl2pPr>
+                      <a:lvl3pPr>
+                        <a:spcBef>
+                          <a:spcPct val="20000"/>
+                        </a:spcBef>
+                        <a:defRPr sz="1600">
+                          <a:solidFill>
+                            <a:schemeClr val="tx1"/>
+                          </a:solidFill>
+                          <a:latin typeface="Trebuchet MS" panose="020B0603020202020204" pitchFamily="34" charset="0"/>
+                          <a:cs typeface="Arial" panose="020B0604020202020204" pitchFamily="34" charset="0"/>
+                        </a:defRPr>
+                      </a:lvl3pPr>
+                      <a:lvl4pPr>
+                        <a:spcBef>
+                          <a:spcPct val="20000"/>
+                        </a:spcBef>
+                        <a:defRPr sz="1400">
+                          <a:solidFill>
+                            <a:schemeClr val="tx1"/>
+                          </a:solidFill>
+                          <a:latin typeface="Trebuchet MS" panose="020B0603020202020204" pitchFamily="34" charset="0"/>
+                          <a:cs typeface="Arial" panose="020B0604020202020204" pitchFamily="34" charset="0"/>
+                        </a:defRPr>
+                      </a:lvl4pPr>
+                      <a:lvl5pPr>
+                        <a:spcBef>
+                          <a:spcPct val="20000"/>
+                        </a:spcBef>
+                        <a:defRPr sz="1400">
+                          <a:solidFill>
+                            <a:schemeClr val="tx1"/>
+                          </a:solidFill>
+                          <a:latin typeface="Trebuchet MS" panose="020B0603020202020204" pitchFamily="34" charset="0"/>
+                          <a:cs typeface="Arial" panose="020B0604020202020204" pitchFamily="34" charset="0"/>
+                        </a:defRPr>
+                      </a:lvl5pPr>
+                      <a:lvl6pPr fontAlgn="base">
+                        <a:spcBef>
+                          <a:spcPct val="20000"/>
+                        </a:spcBef>
+                        <a:spcAft>
+                          <a:spcPct val="0"/>
+                        </a:spcAft>
+                        <a:defRPr sz="1400">
+                          <a:solidFill>
+                            <a:schemeClr val="tx1"/>
+                          </a:solidFill>
+                          <a:latin typeface="Trebuchet MS" panose="020B0603020202020204" pitchFamily="34" charset="0"/>
+                          <a:cs typeface="Arial" panose="020B0604020202020204" pitchFamily="34" charset="0"/>
+                        </a:defRPr>
+                      </a:lvl6pPr>
+                      <a:lvl7pPr fontAlgn="base">
+                        <a:spcBef>
+                          <a:spcPct val="20000"/>
+                        </a:spcBef>
+                        <a:spcAft>
+                          <a:spcPct val="0"/>
+                        </a:spcAft>
+                        <a:defRPr sz="1400">
+                          <a:solidFill>
+                            <a:schemeClr val="tx1"/>
+                          </a:solidFill>
+                          <a:latin typeface="Trebuchet MS" panose="020B0603020202020204" pitchFamily="34" charset="0"/>
+                          <a:cs typeface="Arial" panose="020B0604020202020204" pitchFamily="34" charset="0"/>
+                        </a:defRPr>
+                      </a:lvl7pPr>
+                      <a:lvl8pPr fontAlgn="base">
+                        <a:spcBef>
+                          <a:spcPct val="20000"/>
+                        </a:spcBef>
+                        <a:spcAft>
+                          <a:spcPct val="0"/>
+                        </a:spcAft>
+                        <a:defRPr sz="1400">
+                          <a:solidFill>
+                            <a:schemeClr val="tx1"/>
+                          </a:solidFill>
+                          <a:latin typeface="Trebuchet MS" panose="020B0603020202020204" pitchFamily="34" charset="0"/>
+                          <a:cs typeface="Arial" panose="020B0604020202020204" pitchFamily="34" charset="0"/>
+                        </a:defRPr>
+                      </a:lvl8pPr>
+                      <a:lvl9pPr fontAlgn="base">
+                        <a:spcBef>
+                          <a:spcPct val="20000"/>
+                        </a:spcBef>
+                        <a:spcAft>
+                          <a:spcPct val="0"/>
+                        </a:spcAft>
+                        <a:defRPr sz="1400">
+                          <a:solidFill>
+                            <a:schemeClr val="tx1"/>
+                          </a:solidFill>
+                          <a:latin typeface="Trebuchet MS" panose="020B0603020202020204" pitchFamily="34" charset="0"/>
+                          <a:cs typeface="Arial" panose="020B0604020202020204" pitchFamily="34" charset="0"/>
+                        </a:defRPr>
+                      </a:lvl9pPr>
+                    </a:lstStyle>
+                    <a:p>
+                      <a:pPr marL="0" marR="0" lvl="0" indent="0" algn="ctr" defTabSz="914400" rtl="0" eaLnBrk="1" fontAlgn="base" latinLnBrk="0" hangingPunct="1">
+                        <a:lnSpc>
+                          <a:spcPct val="100000"/>
+                        </a:lnSpc>
+                        <a:spcBef>
+                          <a:spcPct val="20000"/>
+                        </a:spcBef>
+                        <a:spcAft>
+                          <a:spcPct val="0"/>
+                        </a:spcAft>
+                        <a:buClrTx/>
+                        <a:buSzTx/>
+                        <a:buFontTx/>
+                        <a:buNone/>
+                        <a:tabLst/>
+                      </a:pPr>
+                      <a:endParaRPr kumimoji="0" lang="en-US" altLang="en-US" sz="2000" b="0" i="0" u="none" strike="noStrike" cap="none" normalizeH="0" baseline="0" smtClean="0">
+                        <a:ln>
+                          <a:noFill/>
+                        </a:ln>
+                        <a:solidFill>
+                          <a:srgbClr val="0066FF"/>
+                        </a:solidFill>
+                        <a:effectLst/>
+                        <a:latin typeface="Trebuchet MS" panose="020B0603020202020204" pitchFamily="34" charset="0"/>
+                        <a:cs typeface="Arial" panose="020B0604020202020204" pitchFamily="34" charset="0"/>
+                      </a:endParaRPr>
+                    </a:p>
+                  </a:txBody>
+                  <a:tcPr anchor="ctr" horzOverflow="overflow">
+                    <a:lnL w="12700" cap="flat" cmpd="sng" algn="ctr">
+                      <a:solidFill>
+                        <a:schemeClr val="tx1"/>
+                      </a:solidFill>
+                      <a:prstDash val="solid"/>
+                      <a:round/>
+                      <a:headEnd type="none" w="med" len="med"/>
+                      <a:tailEnd type="none" w="med" len="med"/>
+                    </a:lnL>
+                    <a:lnR w="12700" cap="flat" cmpd="sng" algn="ctr">
+                      <a:solidFill>
+                        <a:schemeClr val="tx1"/>
+                      </a:solidFill>
+                      <a:prstDash val="solid"/>
+                      <a:round/>
+                      <a:headEnd type="none" w="med" len="med"/>
+                      <a:tailEnd type="none" w="med" len="med"/>
+                    </a:lnR>
+                    <a:lnT w="12700" cap="flat" cmpd="sng" algn="ctr">
+                      <a:solidFill>
+                        <a:schemeClr val="tx1"/>
+                      </a:solidFill>
+                      <a:prstDash val="solid"/>
+                      <a:round/>
+                      <a:headEnd type="none" w="med" len="med"/>
+                      <a:tailEnd type="none" w="med" len="med"/>
+                    </a:lnT>
+                    <a:lnB w="12700" cap="flat" cmpd="sng" algn="ctr">
+                      <a:solidFill>
+                        <a:schemeClr val="tx1"/>
+                      </a:solidFill>
+                      <a:prstDash val="solid"/>
+                      <a:round/>
+                      <a:headEnd type="none" w="med" len="med"/>
+                      <a:tailEnd type="none" w="med" len="med"/>
+                    </a:lnB>
+                    <a:lnTlToBr>
+                      <a:noFill/>
+                    </a:lnTlToBr>
+                    <a:lnBlToTr>
+                      <a:noFill/>
+                    </a:lnBlToTr>
+                    <a:noFill/>
+                  </a:tcPr>
+                </a:tc>
+                <a:tc>
+                  <a:txBody>
+                    <a:bodyPr/>
+                    <a:lstStyle>
+                      <a:lvl1pPr>
+                        <a:spcBef>
+                          <a:spcPct val="20000"/>
+                        </a:spcBef>
+                        <a:defRPr sz="2000">
+                          <a:solidFill>
+                            <a:srgbClr val="0066FF"/>
+                          </a:solidFill>
+                          <a:latin typeface="Trebuchet MS" panose="020B0603020202020204" pitchFamily="34" charset="0"/>
+                          <a:cs typeface="Arial" panose="020B0604020202020204" pitchFamily="34" charset="0"/>
+                        </a:defRPr>
+                      </a:lvl1pPr>
+                      <a:lvl2pPr>
+                        <a:spcBef>
+                          <a:spcPct val="20000"/>
+                        </a:spcBef>
+                        <a:defRPr>
+                          <a:solidFill>
+                            <a:schemeClr val="tx1"/>
+                          </a:solidFill>
+                          <a:latin typeface="Trebuchet MS" panose="020B0603020202020204" pitchFamily="34" charset="0"/>
+                          <a:cs typeface="Arial" panose="020B0604020202020204" pitchFamily="34" charset="0"/>
+                        </a:defRPr>
+                      </a:lvl2pPr>
+                      <a:lvl3pPr>
+                        <a:spcBef>
+                          <a:spcPct val="20000"/>
+                        </a:spcBef>
+                        <a:defRPr sz="1600">
+                          <a:solidFill>
+                            <a:schemeClr val="tx1"/>
+                          </a:solidFill>
+                          <a:latin typeface="Trebuchet MS" panose="020B0603020202020204" pitchFamily="34" charset="0"/>
+                          <a:cs typeface="Arial" panose="020B0604020202020204" pitchFamily="34" charset="0"/>
+                        </a:defRPr>
+                      </a:lvl3pPr>
+                      <a:lvl4pPr>
+                        <a:spcBef>
+                          <a:spcPct val="20000"/>
+                        </a:spcBef>
+                        <a:defRPr sz="1400">
+                          <a:solidFill>
+                            <a:schemeClr val="tx1"/>
+                          </a:solidFill>
+                          <a:latin typeface="Trebuchet MS" panose="020B0603020202020204" pitchFamily="34" charset="0"/>
+                          <a:cs typeface="Arial" panose="020B0604020202020204" pitchFamily="34" charset="0"/>
+                        </a:defRPr>
+                      </a:lvl4pPr>
+                      <a:lvl5pPr>
+                        <a:spcBef>
+                          <a:spcPct val="20000"/>
+                        </a:spcBef>
+                        <a:defRPr sz="1400">
+                          <a:solidFill>
+                            <a:schemeClr val="tx1"/>
+                          </a:solidFill>
+                          <a:latin typeface="Trebuchet MS" panose="020B0603020202020204" pitchFamily="34" charset="0"/>
+                          <a:cs typeface="Arial" panose="020B0604020202020204" pitchFamily="34" charset="0"/>
+                        </a:defRPr>
+                      </a:lvl5pPr>
+                      <a:lvl6pPr fontAlgn="base">
+                        <a:spcBef>
+                          <a:spcPct val="20000"/>
+                        </a:spcBef>
+                        <a:spcAft>
+                          <a:spcPct val="0"/>
+                        </a:spcAft>
+                        <a:defRPr sz="1400">
+                          <a:solidFill>
+                            <a:schemeClr val="tx1"/>
+                          </a:solidFill>
+                          <a:latin typeface="Trebuchet MS" panose="020B0603020202020204" pitchFamily="34" charset="0"/>
+                          <a:cs typeface="Arial" panose="020B0604020202020204" pitchFamily="34" charset="0"/>
+                        </a:defRPr>
+                      </a:lvl6pPr>
+                      <a:lvl7pPr fontAlgn="base">
+                        <a:spcBef>
+                          <a:spcPct val="20000"/>
+                        </a:spcBef>
+                        <a:spcAft>
+                          <a:spcPct val="0"/>
+                        </a:spcAft>
+                        <a:defRPr sz="1400">
+                          <a:solidFill>
+                            <a:schemeClr val="tx1"/>
+                          </a:solidFill>
+                          <a:latin typeface="Trebuchet MS" panose="020B0603020202020204" pitchFamily="34" charset="0"/>
+                          <a:cs typeface="Arial" panose="020B0604020202020204" pitchFamily="34" charset="0"/>
+                        </a:defRPr>
+                      </a:lvl7pPr>
+                      <a:lvl8pPr fontAlgn="base">
+                        <a:spcBef>
+                          <a:spcPct val="20000"/>
+                        </a:spcBef>
+                        <a:spcAft>
+                          <a:spcPct val="0"/>
+                        </a:spcAft>
+                        <a:defRPr sz="1400">
+                          <a:solidFill>
+                            <a:schemeClr val="tx1"/>
+                          </a:solidFill>
+                          <a:latin typeface="Trebuchet MS" panose="020B0603020202020204" pitchFamily="34" charset="0"/>
+                          <a:cs typeface="Arial" panose="020B0604020202020204" pitchFamily="34" charset="0"/>
+                        </a:defRPr>
+                      </a:lvl8pPr>
+                      <a:lvl9pPr fontAlgn="base">
+                        <a:spcBef>
+                          <a:spcPct val="20000"/>
+                        </a:spcBef>
+                        <a:spcAft>
+                          <a:spcPct val="0"/>
+                        </a:spcAft>
+                        <a:defRPr sz="1400">
+                          <a:solidFill>
+                            <a:schemeClr val="tx1"/>
+                          </a:solidFill>
+                          <a:latin typeface="Trebuchet MS" panose="020B0603020202020204" pitchFamily="34" charset="0"/>
+                          <a:cs typeface="Arial" panose="020B0604020202020204" pitchFamily="34" charset="0"/>
+                        </a:defRPr>
+                      </a:lvl9pPr>
+                    </a:lstStyle>
+                    <a:p>
+                      <a:pPr marL="0" marR="0" lvl="0" indent="0" algn="ctr" defTabSz="914400" rtl="0" eaLnBrk="1" fontAlgn="base" latinLnBrk="0" hangingPunct="1">
+                        <a:lnSpc>
+                          <a:spcPct val="100000"/>
+                        </a:lnSpc>
+                        <a:spcBef>
+                          <a:spcPct val="20000"/>
+                        </a:spcBef>
+                        <a:spcAft>
+                          <a:spcPct val="0"/>
+                        </a:spcAft>
+                        <a:buClrTx/>
+                        <a:buSzTx/>
+                        <a:buFontTx/>
+                        <a:buNone/>
+                        <a:tabLst/>
+                      </a:pPr>
+                      <a:r>
+                        <a:rPr kumimoji="0" lang="en-US" altLang="en-US" sz="2800" b="0" i="0" u="none" strike="noStrike" cap="none" normalizeH="0" baseline="0" smtClean="0">
+                          <a:ln>
+                            <a:noFill/>
+                          </a:ln>
+                          <a:solidFill>
+                            <a:srgbClr val="0066FF"/>
+                          </a:solidFill>
+                          <a:effectLst/>
+                          <a:latin typeface="Trebuchet MS" panose="020B0603020202020204" pitchFamily="34" charset="0"/>
+                          <a:cs typeface="Arial" panose="020B0604020202020204" pitchFamily="34" charset="0"/>
+                        </a:rPr>
+                        <a:t>-1</a:t>
+                      </a:r>
+                    </a:p>
+                  </a:txBody>
+                  <a:tcPr anchor="ctr" horzOverflow="overflow">
+                    <a:lnL w="12700" cap="flat" cmpd="sng" algn="ctr">
+                      <a:solidFill>
+                        <a:schemeClr val="tx1"/>
+                      </a:solidFill>
+                      <a:prstDash val="solid"/>
+                      <a:round/>
+                      <a:headEnd type="none" w="med" len="med"/>
+                      <a:tailEnd type="none" w="med" len="med"/>
+                    </a:lnL>
+                    <a:lnR w="28575" cap="flat" cmpd="sng" algn="ctr">
+                      <a:solidFill>
+                        <a:schemeClr val="tx1"/>
+                      </a:solidFill>
+                      <a:prstDash val="solid"/>
+                      <a:round/>
+                      <a:headEnd type="none" w="med" len="med"/>
+                      <a:tailEnd type="none" w="med" len="med"/>
+                    </a:lnR>
+                    <a:lnT w="12700" cap="flat" cmpd="sng" algn="ctr">
+                      <a:solidFill>
+                        <a:schemeClr val="tx1"/>
+                      </a:solidFill>
+                      <a:prstDash val="solid"/>
+                      <a:round/>
+                      <a:headEnd type="none" w="med" len="med"/>
+                      <a:tailEnd type="none" w="med" len="med"/>
+                    </a:lnT>
+                    <a:lnB w="12700" cap="flat" cmpd="sng" algn="ctr">
+                      <a:solidFill>
+                        <a:schemeClr val="tx1"/>
+                      </a:solidFill>
+                      <a:prstDash val="solid"/>
+                      <a:round/>
+                      <a:headEnd type="none" w="med" len="med"/>
+                      <a:tailEnd type="none" w="med" len="med"/>
+                    </a:lnB>
+                    <a:lnTlToBr>
+                      <a:noFill/>
+                    </a:lnTlToBr>
+                    <a:lnBlToTr>
+                      <a:noFill/>
+                    </a:lnBlToTr>
+                    <a:noFill/>
+                  </a:tcPr>
+                </a:tc>
+                <a:extLst>
+                  <a:ext uri="{0D108BD9-81ED-4DB2-BD59-A6C34878D82A}">
+                    <a16:rowId xmlns:a16="http://schemas.microsoft.com/office/drawing/2014/main" val="2206322543"/>
+                  </a:ext>
+                </a:extLst>
+              </a:tr>
+              <a:tr h="911225">
+                <a:tc>
+                  <a:txBody>
+                    <a:bodyPr/>
+                    <a:lstStyle>
+                      <a:lvl1pPr>
+                        <a:spcBef>
+                          <a:spcPct val="20000"/>
+                        </a:spcBef>
+                        <a:defRPr sz="2000">
+                          <a:solidFill>
+                            <a:srgbClr val="0066FF"/>
+                          </a:solidFill>
+                          <a:latin typeface="Trebuchet MS" panose="020B0603020202020204" pitchFamily="34" charset="0"/>
+                          <a:cs typeface="Arial" panose="020B0604020202020204" pitchFamily="34" charset="0"/>
+                        </a:defRPr>
+                      </a:lvl1pPr>
+                      <a:lvl2pPr>
+                        <a:spcBef>
+                          <a:spcPct val="20000"/>
+                        </a:spcBef>
+                        <a:defRPr>
+                          <a:solidFill>
+                            <a:schemeClr val="tx1"/>
+                          </a:solidFill>
+                          <a:latin typeface="Trebuchet MS" panose="020B0603020202020204" pitchFamily="34" charset="0"/>
+                          <a:cs typeface="Arial" panose="020B0604020202020204" pitchFamily="34" charset="0"/>
+                        </a:defRPr>
+                      </a:lvl2pPr>
+                      <a:lvl3pPr>
+                        <a:spcBef>
+                          <a:spcPct val="20000"/>
+                        </a:spcBef>
+                        <a:defRPr sz="1600">
+                          <a:solidFill>
+                            <a:schemeClr val="tx1"/>
+                          </a:solidFill>
+                          <a:latin typeface="Trebuchet MS" panose="020B0603020202020204" pitchFamily="34" charset="0"/>
+                          <a:cs typeface="Arial" panose="020B0604020202020204" pitchFamily="34" charset="0"/>
+                        </a:defRPr>
+                      </a:lvl3pPr>
+                      <a:lvl4pPr>
+                        <a:spcBef>
+                          <a:spcPct val="20000"/>
+                        </a:spcBef>
+                        <a:defRPr sz="1400">
+                          <a:solidFill>
+                            <a:schemeClr val="tx1"/>
+                          </a:solidFill>
+                          <a:latin typeface="Trebuchet MS" panose="020B0603020202020204" pitchFamily="34" charset="0"/>
+                          <a:cs typeface="Arial" panose="020B0604020202020204" pitchFamily="34" charset="0"/>
+                        </a:defRPr>
+                      </a:lvl4pPr>
+                      <a:lvl5pPr>
+                        <a:spcBef>
+                          <a:spcPct val="20000"/>
+                        </a:spcBef>
+                        <a:defRPr sz="1400">
+                          <a:solidFill>
+                            <a:schemeClr val="tx1"/>
+                          </a:solidFill>
+                          <a:latin typeface="Trebuchet MS" panose="020B0603020202020204" pitchFamily="34" charset="0"/>
+                          <a:cs typeface="Arial" panose="020B0604020202020204" pitchFamily="34" charset="0"/>
+                        </a:defRPr>
+                      </a:lvl5pPr>
+                      <a:lvl6pPr fontAlgn="base">
+                        <a:spcBef>
+                          <a:spcPct val="20000"/>
+                        </a:spcBef>
+                        <a:spcAft>
+                          <a:spcPct val="0"/>
+                        </a:spcAft>
+                        <a:defRPr sz="1400">
+                          <a:solidFill>
+                            <a:schemeClr val="tx1"/>
+                          </a:solidFill>
+                          <a:latin typeface="Trebuchet MS" panose="020B0603020202020204" pitchFamily="34" charset="0"/>
+                          <a:cs typeface="Arial" panose="020B0604020202020204" pitchFamily="34" charset="0"/>
+                        </a:defRPr>
+                      </a:lvl6pPr>
+                      <a:lvl7pPr fontAlgn="base">
+                        <a:spcBef>
+                          <a:spcPct val="20000"/>
+                        </a:spcBef>
+                        <a:spcAft>
+                          <a:spcPct val="0"/>
+                        </a:spcAft>
+                        <a:defRPr sz="1400">
+                          <a:solidFill>
+                            <a:schemeClr val="tx1"/>
+                          </a:solidFill>
+                          <a:latin typeface="Trebuchet MS" panose="020B0603020202020204" pitchFamily="34" charset="0"/>
+                          <a:cs typeface="Arial" panose="020B0604020202020204" pitchFamily="34" charset="0"/>
+                        </a:defRPr>
+                      </a:lvl7pPr>
+                      <a:lvl8pPr fontAlgn="base">
+                        <a:spcBef>
+                          <a:spcPct val="20000"/>
+                        </a:spcBef>
+                        <a:spcAft>
+                          <a:spcPct val="0"/>
+                        </a:spcAft>
+                        <a:defRPr sz="1400">
+                          <a:solidFill>
+                            <a:schemeClr val="tx1"/>
+                          </a:solidFill>
+                          <a:latin typeface="Trebuchet MS" panose="020B0603020202020204" pitchFamily="34" charset="0"/>
+                          <a:cs typeface="Arial" panose="020B0604020202020204" pitchFamily="34" charset="0"/>
+                        </a:defRPr>
+                      </a:lvl8pPr>
+                      <a:lvl9pPr fontAlgn="base">
+                        <a:spcBef>
+                          <a:spcPct val="20000"/>
+                        </a:spcBef>
+                        <a:spcAft>
+                          <a:spcPct val="0"/>
+                        </a:spcAft>
+                        <a:defRPr sz="1400">
+                          <a:solidFill>
+                            <a:schemeClr val="tx1"/>
+                          </a:solidFill>
+                          <a:latin typeface="Trebuchet MS" panose="020B0603020202020204" pitchFamily="34" charset="0"/>
+                          <a:cs typeface="Arial" panose="020B0604020202020204" pitchFamily="34" charset="0"/>
+                        </a:defRPr>
+                      </a:lvl9pPr>
+                    </a:lstStyle>
+                    <a:p>
+                      <a:pPr marL="0" marR="0" lvl="0" indent="0" algn="ctr" defTabSz="914400" rtl="0" eaLnBrk="1" fontAlgn="base" latinLnBrk="0" hangingPunct="1">
+                        <a:lnSpc>
+                          <a:spcPct val="100000"/>
+                        </a:lnSpc>
+                        <a:spcBef>
+                          <a:spcPct val="20000"/>
+                        </a:spcBef>
+                        <a:spcAft>
+                          <a:spcPct val="0"/>
+                        </a:spcAft>
+                        <a:buClrTx/>
+                        <a:buSzTx/>
+                        <a:buFontTx/>
+                        <a:buNone/>
+                        <a:tabLst/>
+                      </a:pPr>
+                      <a:endParaRPr kumimoji="0" lang="en-US" altLang="en-US" sz="1600" b="0" i="0" u="none" strike="noStrike" cap="none" normalizeH="0" baseline="0" smtClean="0">
+                        <a:ln>
+                          <a:noFill/>
+                        </a:ln>
+                        <a:solidFill>
+                          <a:srgbClr val="0066FF"/>
+                        </a:solidFill>
+                        <a:effectLst/>
+                        <a:latin typeface="Trebuchet MS" panose="020B0603020202020204" pitchFamily="34" charset="0"/>
+                        <a:cs typeface="Arial" panose="020B0604020202020204" pitchFamily="34" charset="0"/>
+                      </a:endParaRPr>
+                    </a:p>
+                  </a:txBody>
+                  <a:tcPr anchor="ctr" horzOverflow="overflow">
+                    <a:lnL w="28575" cap="flat" cmpd="sng" algn="ctr">
+                      <a:solidFill>
+                        <a:schemeClr val="tx1"/>
+                      </a:solidFill>
+                      <a:prstDash val="solid"/>
+                      <a:round/>
+                      <a:headEnd type="none" w="med" len="med"/>
+                      <a:tailEnd type="none" w="med" len="med"/>
+                    </a:lnL>
+                    <a:lnR w="12700" cap="flat" cmpd="sng" algn="ctr">
+                      <a:solidFill>
+                        <a:schemeClr val="tx1"/>
+                      </a:solidFill>
+                      <a:prstDash val="solid"/>
+                      <a:round/>
+                      <a:headEnd type="none" w="med" len="med"/>
+                      <a:tailEnd type="none" w="med" len="med"/>
+                    </a:lnR>
+                    <a:lnT w="12700" cap="flat" cmpd="sng" algn="ctr">
+                      <a:solidFill>
+                        <a:schemeClr val="tx1"/>
+                      </a:solidFill>
+                      <a:prstDash val="solid"/>
+                      <a:round/>
+                      <a:headEnd type="none" w="med" len="med"/>
+                      <a:tailEnd type="none" w="med" len="med"/>
+                    </a:lnT>
+                    <a:lnB w="28575" cap="flat" cmpd="sng" algn="ctr">
+                      <a:solidFill>
+                        <a:schemeClr val="tx1"/>
+                      </a:solidFill>
+                      <a:prstDash val="solid"/>
+                      <a:round/>
+                      <a:headEnd type="none" w="med" len="med"/>
+                      <a:tailEnd type="none" w="med" len="med"/>
+                    </a:lnB>
+                    <a:lnTlToBr>
+                      <a:noFill/>
+                    </a:lnTlToBr>
+                    <a:lnBlToTr>
+                      <a:noFill/>
+                    </a:lnBlToTr>
+                    <a:noFill/>
+                  </a:tcPr>
+                </a:tc>
+                <a:tc>
+                  <a:txBody>
+                    <a:bodyPr/>
+                    <a:lstStyle>
+                      <a:lvl1pPr>
+                        <a:spcBef>
+                          <a:spcPct val="20000"/>
+                        </a:spcBef>
+                        <a:defRPr sz="2000">
+                          <a:solidFill>
+                            <a:srgbClr val="0066FF"/>
+                          </a:solidFill>
+                          <a:latin typeface="Trebuchet MS" panose="020B0603020202020204" pitchFamily="34" charset="0"/>
+                          <a:cs typeface="Arial" panose="020B0604020202020204" pitchFamily="34" charset="0"/>
+                        </a:defRPr>
+                      </a:lvl1pPr>
+                      <a:lvl2pPr>
+                        <a:spcBef>
+                          <a:spcPct val="20000"/>
+                        </a:spcBef>
+                        <a:defRPr>
+                          <a:solidFill>
+                            <a:schemeClr val="tx1"/>
+                          </a:solidFill>
+                          <a:latin typeface="Trebuchet MS" panose="020B0603020202020204" pitchFamily="34" charset="0"/>
+                          <a:cs typeface="Arial" panose="020B0604020202020204" pitchFamily="34" charset="0"/>
+                        </a:defRPr>
+                      </a:lvl2pPr>
+                      <a:lvl3pPr>
+                        <a:spcBef>
+                          <a:spcPct val="20000"/>
+                        </a:spcBef>
+                        <a:defRPr sz="1600">
+                          <a:solidFill>
+                            <a:schemeClr val="tx1"/>
+                          </a:solidFill>
+                          <a:latin typeface="Trebuchet MS" panose="020B0603020202020204" pitchFamily="34" charset="0"/>
+                          <a:cs typeface="Arial" panose="020B0604020202020204" pitchFamily="34" charset="0"/>
+                        </a:defRPr>
+                      </a:lvl3pPr>
+                      <a:lvl4pPr>
+                        <a:spcBef>
+                          <a:spcPct val="20000"/>
+                        </a:spcBef>
+                        <a:defRPr sz="1400">
+                          <a:solidFill>
+                            <a:schemeClr val="tx1"/>
+                          </a:solidFill>
+                          <a:latin typeface="Trebuchet MS" panose="020B0603020202020204" pitchFamily="34" charset="0"/>
+                          <a:cs typeface="Arial" panose="020B0604020202020204" pitchFamily="34" charset="0"/>
+                        </a:defRPr>
+                      </a:lvl4pPr>
+                      <a:lvl5pPr>
+                        <a:spcBef>
+                          <a:spcPct val="20000"/>
+                        </a:spcBef>
+                        <a:defRPr sz="1400">
+                          <a:solidFill>
+                            <a:schemeClr val="tx1"/>
+                          </a:solidFill>
+                          <a:latin typeface="Trebuchet MS" panose="020B0603020202020204" pitchFamily="34" charset="0"/>
+                          <a:cs typeface="Arial" panose="020B0604020202020204" pitchFamily="34" charset="0"/>
+                        </a:defRPr>
+                      </a:lvl5pPr>
+                      <a:lvl6pPr fontAlgn="base">
+                        <a:spcBef>
+                          <a:spcPct val="20000"/>
+                        </a:spcBef>
+                        <a:spcAft>
+                          <a:spcPct val="0"/>
+                        </a:spcAft>
+                        <a:defRPr sz="1400">
+                          <a:solidFill>
+                            <a:schemeClr val="tx1"/>
+                          </a:solidFill>
+                          <a:latin typeface="Trebuchet MS" panose="020B0603020202020204" pitchFamily="34" charset="0"/>
+                          <a:cs typeface="Arial" panose="020B0604020202020204" pitchFamily="34" charset="0"/>
+                        </a:defRPr>
+                      </a:lvl6pPr>
+                      <a:lvl7pPr fontAlgn="base">
+                        <a:spcBef>
+                          <a:spcPct val="20000"/>
+                        </a:spcBef>
+                        <a:spcAft>
+                          <a:spcPct val="0"/>
+                        </a:spcAft>
+                        <a:defRPr sz="1400">
+                          <a:solidFill>
+                            <a:schemeClr val="tx1"/>
+                          </a:solidFill>
+                          <a:latin typeface="Trebuchet MS" panose="020B0603020202020204" pitchFamily="34" charset="0"/>
+                          <a:cs typeface="Arial" panose="020B0604020202020204" pitchFamily="34" charset="0"/>
+                        </a:defRPr>
+                      </a:lvl7pPr>
+                      <a:lvl8pPr fontAlgn="base">
+                        <a:spcBef>
+                          <a:spcPct val="20000"/>
+                        </a:spcBef>
+                        <a:spcAft>
+                          <a:spcPct val="0"/>
+                        </a:spcAft>
+                        <a:defRPr sz="1400">
+                          <a:solidFill>
+                            <a:schemeClr val="tx1"/>
+                          </a:solidFill>
+                          <a:latin typeface="Trebuchet MS" panose="020B0603020202020204" pitchFamily="34" charset="0"/>
+                          <a:cs typeface="Arial" panose="020B0604020202020204" pitchFamily="34" charset="0"/>
+                        </a:defRPr>
+                      </a:lvl8pPr>
+                      <a:lvl9pPr fontAlgn="base">
+                        <a:spcBef>
+                          <a:spcPct val="20000"/>
+                        </a:spcBef>
+                        <a:spcAft>
+                          <a:spcPct val="0"/>
+                        </a:spcAft>
+                        <a:defRPr sz="1400">
+                          <a:solidFill>
+                            <a:schemeClr val="tx1"/>
+                          </a:solidFill>
+                          <a:latin typeface="Trebuchet MS" panose="020B0603020202020204" pitchFamily="34" charset="0"/>
+                          <a:cs typeface="Arial" panose="020B0604020202020204" pitchFamily="34" charset="0"/>
+                        </a:defRPr>
+                      </a:lvl9pPr>
+                    </a:lstStyle>
+                    <a:p>
+                      <a:pPr marL="0" marR="0" lvl="0" indent="0" algn="ctr" defTabSz="914400" rtl="0" eaLnBrk="1" fontAlgn="base" latinLnBrk="0" hangingPunct="1">
+                        <a:lnSpc>
+                          <a:spcPct val="100000"/>
+                        </a:lnSpc>
+                        <a:spcBef>
+                          <a:spcPct val="20000"/>
+                        </a:spcBef>
+                        <a:spcAft>
+                          <a:spcPct val="0"/>
+                        </a:spcAft>
+                        <a:buClrTx/>
+                        <a:buSzTx/>
+                        <a:buFontTx/>
+                        <a:buNone/>
+                        <a:tabLst/>
+                      </a:pPr>
+                      <a:endParaRPr kumimoji="0" lang="en-US" altLang="en-US" sz="2000" b="0" i="0" u="none" strike="noStrike" cap="none" normalizeH="0" baseline="0" smtClean="0">
+                        <a:ln>
+                          <a:noFill/>
+                        </a:ln>
+                        <a:solidFill>
+                          <a:srgbClr val="0066FF"/>
+                        </a:solidFill>
+                        <a:effectLst/>
+                        <a:latin typeface="Trebuchet MS" panose="020B0603020202020204" pitchFamily="34" charset="0"/>
+                        <a:cs typeface="Arial" panose="020B0604020202020204" pitchFamily="34" charset="0"/>
+                      </a:endParaRPr>
+                    </a:p>
+                  </a:txBody>
+                  <a:tcPr anchor="ctr" horzOverflow="overflow">
+                    <a:lnL w="12700" cap="flat" cmpd="sng" algn="ctr">
+                      <a:solidFill>
+                        <a:schemeClr val="tx1"/>
+                      </a:solidFill>
+                      <a:prstDash val="solid"/>
+                      <a:round/>
+                      <a:headEnd type="none" w="med" len="med"/>
+                      <a:tailEnd type="none" w="med" len="med"/>
+                    </a:lnL>
+                    <a:lnR w="12700" cap="flat" cmpd="sng" algn="ctr">
+                      <a:solidFill>
+                        <a:schemeClr val="tx1"/>
+                      </a:solidFill>
+                      <a:prstDash val="solid"/>
+                      <a:round/>
+                      <a:headEnd type="none" w="med" len="med"/>
+                      <a:tailEnd type="none" w="med" len="med"/>
+                    </a:lnR>
+                    <a:lnT w="12700" cap="flat" cmpd="sng" algn="ctr">
+                      <a:solidFill>
+                        <a:schemeClr val="tx1"/>
+                      </a:solidFill>
+                      <a:prstDash val="solid"/>
+                      <a:round/>
+                      <a:headEnd type="none" w="med" len="med"/>
+                      <a:tailEnd type="none" w="med" len="med"/>
+                    </a:lnT>
+                    <a:lnB w="28575" cap="flat" cmpd="sng" algn="ctr">
+                      <a:solidFill>
+                        <a:schemeClr val="tx1"/>
+                      </a:solidFill>
+                      <a:prstDash val="solid"/>
+                      <a:round/>
+                      <a:headEnd type="none" w="med" len="med"/>
+                      <a:tailEnd type="none" w="med" len="med"/>
+                    </a:lnB>
+                    <a:lnTlToBr>
+                      <a:noFill/>
+                    </a:lnTlToBr>
+                    <a:lnBlToTr>
+                      <a:noFill/>
+                    </a:lnBlToTr>
+                    <a:noFill/>
+                  </a:tcPr>
+                </a:tc>
+                <a:tc>
+                  <a:txBody>
+                    <a:bodyPr/>
+                    <a:lstStyle>
+                      <a:lvl1pPr>
+                        <a:spcBef>
+                          <a:spcPct val="20000"/>
+                        </a:spcBef>
+                        <a:defRPr sz="2000">
+                          <a:solidFill>
+                            <a:srgbClr val="0066FF"/>
+                          </a:solidFill>
+                          <a:latin typeface="Trebuchet MS" panose="020B0603020202020204" pitchFamily="34" charset="0"/>
+                          <a:cs typeface="Arial" panose="020B0604020202020204" pitchFamily="34" charset="0"/>
+                        </a:defRPr>
+                      </a:lvl1pPr>
+                      <a:lvl2pPr>
+                        <a:spcBef>
+                          <a:spcPct val="20000"/>
+                        </a:spcBef>
+                        <a:defRPr>
+                          <a:solidFill>
+                            <a:schemeClr val="tx1"/>
+                          </a:solidFill>
+                          <a:latin typeface="Trebuchet MS" panose="020B0603020202020204" pitchFamily="34" charset="0"/>
+                          <a:cs typeface="Arial" panose="020B0604020202020204" pitchFamily="34" charset="0"/>
+                        </a:defRPr>
+                      </a:lvl2pPr>
+                      <a:lvl3pPr>
+                        <a:spcBef>
+                          <a:spcPct val="20000"/>
+                        </a:spcBef>
+                        <a:defRPr sz="1600">
+                          <a:solidFill>
+                            <a:schemeClr val="tx1"/>
+                          </a:solidFill>
+                          <a:latin typeface="Trebuchet MS" panose="020B0603020202020204" pitchFamily="34" charset="0"/>
+                          <a:cs typeface="Arial" panose="020B0604020202020204" pitchFamily="34" charset="0"/>
+                        </a:defRPr>
+                      </a:lvl3pPr>
+                      <a:lvl4pPr>
+                        <a:spcBef>
+                          <a:spcPct val="20000"/>
+                        </a:spcBef>
+                        <a:defRPr sz="1400">
+                          <a:solidFill>
+                            <a:schemeClr val="tx1"/>
+                          </a:solidFill>
+                          <a:latin typeface="Trebuchet MS" panose="020B0603020202020204" pitchFamily="34" charset="0"/>
+                          <a:cs typeface="Arial" panose="020B0604020202020204" pitchFamily="34" charset="0"/>
+                        </a:defRPr>
+                      </a:lvl4pPr>
+                      <a:lvl5pPr>
+                        <a:spcBef>
+                          <a:spcPct val="20000"/>
+                        </a:spcBef>
+                        <a:defRPr sz="1400">
+                          <a:solidFill>
+                            <a:schemeClr val="tx1"/>
+                          </a:solidFill>
+                          <a:latin typeface="Trebuchet MS" panose="020B0603020202020204" pitchFamily="34" charset="0"/>
+                          <a:cs typeface="Arial" panose="020B0604020202020204" pitchFamily="34" charset="0"/>
+                        </a:defRPr>
+                      </a:lvl5pPr>
+                      <a:lvl6pPr fontAlgn="base">
+                        <a:spcBef>
+                          <a:spcPct val="20000"/>
+                        </a:spcBef>
+                        <a:spcAft>
+                          <a:spcPct val="0"/>
+                        </a:spcAft>
+                        <a:defRPr sz="1400">
+                          <a:solidFill>
+                            <a:schemeClr val="tx1"/>
+                          </a:solidFill>
+                          <a:latin typeface="Trebuchet MS" panose="020B0603020202020204" pitchFamily="34" charset="0"/>
+                          <a:cs typeface="Arial" panose="020B0604020202020204" pitchFamily="34" charset="0"/>
+                        </a:defRPr>
+                      </a:lvl6pPr>
+                      <a:lvl7pPr fontAlgn="base">
+                        <a:spcBef>
+                          <a:spcPct val="20000"/>
+                        </a:spcBef>
+                        <a:spcAft>
+                          <a:spcPct val="0"/>
+                        </a:spcAft>
+                        <a:defRPr sz="1400">
+                          <a:solidFill>
+                            <a:schemeClr val="tx1"/>
+                          </a:solidFill>
+                          <a:latin typeface="Trebuchet MS" panose="020B0603020202020204" pitchFamily="34" charset="0"/>
+                          <a:cs typeface="Arial" panose="020B0604020202020204" pitchFamily="34" charset="0"/>
+                        </a:defRPr>
+                      </a:lvl7pPr>
+                      <a:lvl8pPr fontAlgn="base">
+                        <a:spcBef>
+                          <a:spcPct val="20000"/>
+                        </a:spcBef>
+                        <a:spcAft>
+                          <a:spcPct val="0"/>
+                        </a:spcAft>
+                        <a:defRPr sz="1400">
+                          <a:solidFill>
+                            <a:schemeClr val="tx1"/>
+                          </a:solidFill>
+                          <a:latin typeface="Trebuchet MS" panose="020B0603020202020204" pitchFamily="34" charset="0"/>
+                          <a:cs typeface="Arial" panose="020B0604020202020204" pitchFamily="34" charset="0"/>
+                        </a:defRPr>
+                      </a:lvl8pPr>
+                      <a:lvl9pPr fontAlgn="base">
+                        <a:spcBef>
+                          <a:spcPct val="20000"/>
+                        </a:spcBef>
+                        <a:spcAft>
+                          <a:spcPct val="0"/>
+                        </a:spcAft>
+                        <a:defRPr sz="1400">
+                          <a:solidFill>
+                            <a:schemeClr val="tx1"/>
+                          </a:solidFill>
+                          <a:latin typeface="Trebuchet MS" panose="020B0603020202020204" pitchFamily="34" charset="0"/>
+                          <a:cs typeface="Arial" panose="020B0604020202020204" pitchFamily="34" charset="0"/>
+                        </a:defRPr>
+                      </a:lvl9pPr>
+                    </a:lstStyle>
+                    <a:p>
+                      <a:pPr marL="0" marR="0" lvl="0" indent="0" algn="ctr" defTabSz="914400" rtl="0" eaLnBrk="1" fontAlgn="base" latinLnBrk="0" hangingPunct="1">
+                        <a:lnSpc>
+                          <a:spcPct val="100000"/>
+                        </a:lnSpc>
+                        <a:spcBef>
+                          <a:spcPct val="20000"/>
+                        </a:spcBef>
+                        <a:spcAft>
+                          <a:spcPct val="0"/>
+                        </a:spcAft>
+                        <a:buClrTx/>
+                        <a:buSzTx/>
+                        <a:buFontTx/>
+                        <a:buNone/>
+                        <a:tabLst/>
+                      </a:pPr>
+                      <a:endParaRPr kumimoji="0" lang="en-US" altLang="en-US" sz="2000" b="0" i="0" u="none" strike="noStrike" cap="none" normalizeH="0" baseline="0" smtClean="0">
+                        <a:ln>
+                          <a:noFill/>
+                        </a:ln>
+                        <a:solidFill>
+                          <a:srgbClr val="0066FF"/>
+                        </a:solidFill>
+                        <a:effectLst/>
+                        <a:latin typeface="Trebuchet MS" panose="020B0603020202020204" pitchFamily="34" charset="0"/>
+                        <a:cs typeface="Arial" panose="020B0604020202020204" pitchFamily="34" charset="0"/>
+                      </a:endParaRPr>
+                    </a:p>
+                  </a:txBody>
+                  <a:tcPr anchor="ctr" horzOverflow="overflow">
+                    <a:lnL w="12700" cap="flat" cmpd="sng" algn="ctr">
+                      <a:solidFill>
+                        <a:schemeClr val="tx1"/>
+                      </a:solidFill>
+                      <a:prstDash val="solid"/>
+                      <a:round/>
+                      <a:headEnd type="none" w="med" len="med"/>
+                      <a:tailEnd type="none" w="med" len="med"/>
+                    </a:lnL>
+                    <a:lnR w="12700" cap="flat" cmpd="sng" algn="ctr">
+                      <a:solidFill>
+                        <a:schemeClr val="tx1"/>
+                      </a:solidFill>
+                      <a:prstDash val="solid"/>
+                      <a:round/>
+                      <a:headEnd type="none" w="med" len="med"/>
+                      <a:tailEnd type="none" w="med" len="med"/>
+                    </a:lnR>
+                    <a:lnT w="12700" cap="flat" cmpd="sng" algn="ctr">
+                      <a:solidFill>
+                        <a:schemeClr val="tx1"/>
+                      </a:solidFill>
+                      <a:prstDash val="solid"/>
+                      <a:round/>
+                      <a:headEnd type="none" w="med" len="med"/>
+                      <a:tailEnd type="none" w="med" len="med"/>
+                    </a:lnT>
+                    <a:lnB w="28575" cap="flat" cmpd="sng" algn="ctr">
+                      <a:solidFill>
+                        <a:schemeClr val="tx1"/>
+                      </a:solidFill>
+                      <a:prstDash val="solid"/>
+                      <a:round/>
+                      <a:headEnd type="none" w="med" len="med"/>
+                      <a:tailEnd type="none" w="med" len="med"/>
+                    </a:lnB>
+                    <a:lnTlToBr>
+                      <a:noFill/>
+                    </a:lnTlToBr>
+                    <a:lnBlToTr>
+                      <a:noFill/>
+                    </a:lnBlToTr>
+                    <a:noFill/>
+                  </a:tcPr>
+                </a:tc>
+                <a:tc>
+                  <a:txBody>
+                    <a:bodyPr/>
+                    <a:lstStyle>
+                      <a:lvl1pPr>
+                        <a:spcBef>
+                          <a:spcPct val="20000"/>
+                        </a:spcBef>
+                        <a:defRPr sz="2000">
+                          <a:solidFill>
+                            <a:srgbClr val="0066FF"/>
+                          </a:solidFill>
+                          <a:latin typeface="Trebuchet MS" panose="020B0603020202020204" pitchFamily="34" charset="0"/>
+                          <a:cs typeface="Arial" panose="020B0604020202020204" pitchFamily="34" charset="0"/>
+                        </a:defRPr>
+                      </a:lvl1pPr>
+                      <a:lvl2pPr>
+                        <a:spcBef>
+                          <a:spcPct val="20000"/>
+                        </a:spcBef>
+                        <a:defRPr>
+                          <a:solidFill>
+                            <a:schemeClr val="tx1"/>
+                          </a:solidFill>
+                          <a:latin typeface="Trebuchet MS" panose="020B0603020202020204" pitchFamily="34" charset="0"/>
+                          <a:cs typeface="Arial" panose="020B0604020202020204" pitchFamily="34" charset="0"/>
+                        </a:defRPr>
+                      </a:lvl2pPr>
+                      <a:lvl3pPr>
+                        <a:spcBef>
+                          <a:spcPct val="20000"/>
+                        </a:spcBef>
+                        <a:defRPr sz="1600">
+                          <a:solidFill>
+                            <a:schemeClr val="tx1"/>
+                          </a:solidFill>
+                          <a:latin typeface="Trebuchet MS" panose="020B0603020202020204" pitchFamily="34" charset="0"/>
+                          <a:cs typeface="Arial" panose="020B0604020202020204" pitchFamily="34" charset="0"/>
+                        </a:defRPr>
+                      </a:lvl3pPr>
+                      <a:lvl4pPr>
+                        <a:spcBef>
+                          <a:spcPct val="20000"/>
+                        </a:spcBef>
+                        <a:defRPr sz="1400">
+                          <a:solidFill>
+                            <a:schemeClr val="tx1"/>
+                          </a:solidFill>
+                          <a:latin typeface="Trebuchet MS" panose="020B0603020202020204" pitchFamily="34" charset="0"/>
+                          <a:cs typeface="Arial" panose="020B0604020202020204" pitchFamily="34" charset="0"/>
+                        </a:defRPr>
+                      </a:lvl4pPr>
+                      <a:lvl5pPr>
+                        <a:spcBef>
+                          <a:spcPct val="20000"/>
+                        </a:spcBef>
+                        <a:defRPr sz="1400">
+                          <a:solidFill>
+                            <a:schemeClr val="tx1"/>
+                          </a:solidFill>
+                          <a:latin typeface="Trebuchet MS" panose="020B0603020202020204" pitchFamily="34" charset="0"/>
+                          <a:cs typeface="Arial" panose="020B0604020202020204" pitchFamily="34" charset="0"/>
+                        </a:defRPr>
+                      </a:lvl5pPr>
+                      <a:lvl6pPr fontAlgn="base">
+                        <a:spcBef>
+                          <a:spcPct val="20000"/>
+                        </a:spcBef>
+                        <a:spcAft>
+                          <a:spcPct val="0"/>
+                        </a:spcAft>
+                        <a:defRPr sz="1400">
+                          <a:solidFill>
+                            <a:schemeClr val="tx1"/>
+                          </a:solidFill>
+                          <a:latin typeface="Trebuchet MS" panose="020B0603020202020204" pitchFamily="34" charset="0"/>
+                          <a:cs typeface="Arial" panose="020B0604020202020204" pitchFamily="34" charset="0"/>
+                        </a:defRPr>
+                      </a:lvl6pPr>
+                      <a:lvl7pPr fontAlgn="base">
+                        <a:spcBef>
+                          <a:spcPct val="20000"/>
+                        </a:spcBef>
+                        <a:spcAft>
+                          <a:spcPct val="0"/>
+                        </a:spcAft>
+                        <a:defRPr sz="1400">
+                          <a:solidFill>
+                            <a:schemeClr val="tx1"/>
+                          </a:solidFill>
+                          <a:latin typeface="Trebuchet MS" panose="020B0603020202020204" pitchFamily="34" charset="0"/>
+                          <a:cs typeface="Arial" panose="020B0604020202020204" pitchFamily="34" charset="0"/>
+                        </a:defRPr>
+                      </a:lvl7pPr>
+                      <a:lvl8pPr fontAlgn="base">
+                        <a:spcBef>
+                          <a:spcPct val="20000"/>
+                        </a:spcBef>
+                        <a:spcAft>
+                          <a:spcPct val="0"/>
+                        </a:spcAft>
+                        <a:defRPr sz="1400">
+                          <a:solidFill>
+                            <a:schemeClr val="tx1"/>
+                          </a:solidFill>
+                          <a:latin typeface="Trebuchet MS" panose="020B0603020202020204" pitchFamily="34" charset="0"/>
+                          <a:cs typeface="Arial" panose="020B0604020202020204" pitchFamily="34" charset="0"/>
+                        </a:defRPr>
+                      </a:lvl8pPr>
+                      <a:lvl9pPr fontAlgn="base">
+                        <a:spcBef>
+                          <a:spcPct val="20000"/>
+                        </a:spcBef>
+                        <a:spcAft>
+                          <a:spcPct val="0"/>
+                        </a:spcAft>
+                        <a:defRPr sz="1400">
+                          <a:solidFill>
+                            <a:schemeClr val="tx1"/>
+                          </a:solidFill>
+                          <a:latin typeface="Trebuchet MS" panose="020B0603020202020204" pitchFamily="34" charset="0"/>
+                          <a:cs typeface="Arial" panose="020B0604020202020204" pitchFamily="34" charset="0"/>
+                        </a:defRPr>
+                      </a:lvl9pPr>
+                    </a:lstStyle>
+                    <a:p>
+                      <a:pPr marL="0" marR="0" lvl="0" indent="0" algn="ctr" defTabSz="914400" rtl="0" eaLnBrk="1" fontAlgn="base" latinLnBrk="0" hangingPunct="1">
+                        <a:lnSpc>
+                          <a:spcPct val="100000"/>
+                        </a:lnSpc>
+                        <a:spcBef>
+                          <a:spcPct val="20000"/>
+                        </a:spcBef>
+                        <a:spcAft>
+                          <a:spcPct val="0"/>
+                        </a:spcAft>
+                        <a:buClrTx/>
+                        <a:buSzTx/>
+                        <a:buFontTx/>
+                        <a:buNone/>
+                        <a:tabLst/>
+                      </a:pPr>
+                      <a:endParaRPr kumimoji="0" lang="en-US" altLang="en-US" sz="2000" b="0" i="0" u="none" strike="noStrike" cap="none" normalizeH="0" baseline="0" smtClean="0">
+                        <a:ln>
+                          <a:noFill/>
+                        </a:ln>
+                        <a:solidFill>
+                          <a:srgbClr val="0066FF"/>
+                        </a:solidFill>
+                        <a:effectLst/>
+                        <a:latin typeface="Trebuchet MS" panose="020B0603020202020204" pitchFamily="34" charset="0"/>
+                        <a:cs typeface="Arial" panose="020B0604020202020204" pitchFamily="34" charset="0"/>
+                      </a:endParaRPr>
+                    </a:p>
+                  </a:txBody>
+                  <a:tcPr anchor="ctr" horzOverflow="overflow">
+                    <a:lnL w="12700" cap="flat" cmpd="sng" algn="ctr">
+                      <a:solidFill>
+                        <a:schemeClr val="tx1"/>
+                      </a:solidFill>
+                      <a:prstDash val="solid"/>
+                      <a:round/>
+                      <a:headEnd type="none" w="med" len="med"/>
+                      <a:tailEnd type="none" w="med" len="med"/>
+                    </a:lnL>
+                    <a:lnR w="28575" cap="flat" cmpd="sng" algn="ctr">
+                      <a:solidFill>
+                        <a:schemeClr val="tx1"/>
+                      </a:solidFill>
+                      <a:prstDash val="solid"/>
+                      <a:round/>
+                      <a:headEnd type="none" w="med" len="med"/>
+                      <a:tailEnd type="none" w="med" len="med"/>
+                    </a:lnR>
+                    <a:lnT w="12700" cap="flat" cmpd="sng" algn="ctr">
+                      <a:solidFill>
+                        <a:schemeClr val="tx1"/>
+                      </a:solidFill>
+                      <a:prstDash val="solid"/>
+                      <a:round/>
+                      <a:headEnd type="none" w="med" len="med"/>
+                      <a:tailEnd type="none" w="med" len="med"/>
+                    </a:lnT>
+                    <a:lnB w="28575" cap="flat" cmpd="sng" algn="ctr">
+                      <a:solidFill>
+                        <a:schemeClr val="tx1"/>
+                      </a:solidFill>
+                      <a:prstDash val="solid"/>
+                      <a:round/>
+                      <a:headEnd type="none" w="med" len="med"/>
+                      <a:tailEnd type="none" w="med" len="med"/>
+                    </a:lnB>
+                    <a:lnTlToBr>
+                      <a:noFill/>
+                    </a:lnTlToBr>
+                    <a:lnBlToTr>
+                      <a:noFill/>
+                    </a:lnBlToTr>
+                    <a:noFill/>
+                  </a:tcPr>
+                </a:tc>
+                <a:extLst>
+                  <a:ext uri="{0D108BD9-81ED-4DB2-BD59-A6C34878D82A}">
+                    <a16:rowId xmlns:a16="http://schemas.microsoft.com/office/drawing/2014/main" val="1403518143"/>
+                  </a:ext>
+                </a:extLst>
+              </a:tr>
+            </a:tbl>
+          </a:graphicData>
+        </a:graphic>
+      </p:graphicFrame>
+      <p:sp>
+        <p:nvSpPr>
+          <p:cNvPr id="5" name="Line 26"/>
+          <p:cNvSpPr>
+            <a:spLocks noChangeShapeType="1"/>
+          </p:cNvSpPr>
+          <p:nvPr/>
+        </p:nvSpPr>
+        <p:spPr bwMode="auto">
+          <a:xfrm flipV="1">
+            <a:off x="703263" y="1843088"/>
+            <a:ext cx="576262" cy="0"/>
+          </a:xfrm>
+          <a:prstGeom prst="line">
+            <a:avLst/>
+          </a:prstGeom>
+          <a:noFill/>
+          <a:ln w="127000">
+            <a:solidFill>
+              <a:schemeClr val="tx1"/>
+            </a:solidFill>
+            <a:round/>
+            <a:headEnd/>
+            <a:tailEnd type="triangle" w="med" len="sm"/>
+          </a:ln>
+          <a:effectLst/>
+          <a:extLst>
+            <a:ext uri="{909E8E84-426E-40DD-AFC4-6F175D3DCCD1}">
+              <a14:hiddenFill xmlns:a14="http://schemas.microsoft.com/office/drawing/2010/main">
+                <a:noFill/>
+              </a14:hiddenFill>
+            </a:ext>
+            <a:ext uri="{AF507438-7753-43E0-B8FC-AC1667EBCBE1}">
+              <a14:hiddenEffects xmlns:a14="http://schemas.microsoft.com/office/drawing/2010/main">
+                <a:effectLst>
+                  <a:outerShdw dist="35921" dir="2700000" algn="ctr" rotWithShape="0">
+                    <a:schemeClr val="bg2"/>
+                  </a:outerShdw>
+                </a:effectLst>
+              </a14:hiddenEffects>
+            </a:ext>
+          </a:extLst>
+        </p:spPr>
+        <p:txBody>
+          <a:bodyPr/>
+          <a:lstStyle/>
+          <a:p>
+            <a:endParaRPr lang="en-US"/>
+          </a:p>
+        </p:txBody>
+      </p:sp>
+      <p:sp>
+        <p:nvSpPr>
+          <p:cNvPr id="6" name="Line 27"/>
+          <p:cNvSpPr>
+            <a:spLocks noChangeShapeType="1"/>
+          </p:cNvSpPr>
+          <p:nvPr/>
+        </p:nvSpPr>
+        <p:spPr bwMode="auto">
+          <a:xfrm flipV="1">
+            <a:off x="971550" y="3382963"/>
+            <a:ext cx="0" cy="506412"/>
+          </a:xfrm>
+          <a:prstGeom prst="line">
+            <a:avLst/>
+          </a:prstGeom>
+          <a:noFill/>
+          <a:ln w="127000">
+            <a:solidFill>
+              <a:schemeClr val="tx1"/>
+            </a:solidFill>
+            <a:round/>
+            <a:headEnd/>
+            <a:tailEnd type="triangle" w="med" len="sm"/>
+          </a:ln>
+          <a:effectLst/>
+          <a:extLst>
+            <a:ext uri="{909E8E84-426E-40DD-AFC4-6F175D3DCCD1}">
+              <a14:hiddenFill xmlns:a14="http://schemas.microsoft.com/office/drawing/2010/main">
+                <a:noFill/>
+              </a14:hiddenFill>
+            </a:ext>
+            <a:ext uri="{AF507438-7753-43E0-B8FC-AC1667EBCBE1}">
+              <a14:hiddenEffects xmlns:a14="http://schemas.microsoft.com/office/drawing/2010/main">
+                <a:effectLst>
+                  <a:outerShdw dist="35921" dir="2700000" algn="ctr" rotWithShape="0">
+                    <a:schemeClr val="bg2"/>
+                  </a:outerShdw>
+                </a:effectLst>
+              </a14:hiddenEffects>
+            </a:ext>
+          </a:extLst>
+        </p:spPr>
+        <p:txBody>
+          <a:bodyPr/>
+          <a:lstStyle/>
+          <a:p>
+            <a:endParaRPr lang="en-US"/>
+          </a:p>
+        </p:txBody>
+      </p:sp>
+      <p:sp>
+        <p:nvSpPr>
+          <p:cNvPr id="7" name="Line 28"/>
+          <p:cNvSpPr>
+            <a:spLocks noChangeShapeType="1"/>
+          </p:cNvSpPr>
+          <p:nvPr/>
+        </p:nvSpPr>
+        <p:spPr bwMode="auto">
+          <a:xfrm flipV="1">
+            <a:off x="1744663" y="1836738"/>
+            <a:ext cx="576262" cy="0"/>
+          </a:xfrm>
+          <a:prstGeom prst="line">
+            <a:avLst/>
+          </a:prstGeom>
+          <a:noFill/>
+          <a:ln w="127000">
+            <a:solidFill>
+              <a:schemeClr val="tx1"/>
+            </a:solidFill>
+            <a:round/>
+            <a:headEnd/>
+            <a:tailEnd type="triangle" w="med" len="sm"/>
+          </a:ln>
+          <a:effectLst/>
+          <a:extLst>
+            <a:ext uri="{909E8E84-426E-40DD-AFC4-6F175D3DCCD1}">
+              <a14:hiddenFill xmlns:a14="http://schemas.microsoft.com/office/drawing/2010/main">
+                <a:noFill/>
+              </a14:hiddenFill>
+            </a:ext>
+            <a:ext uri="{AF507438-7753-43E0-B8FC-AC1667EBCBE1}">
+              <a14:hiddenEffects xmlns:a14="http://schemas.microsoft.com/office/drawing/2010/main">
+                <a:effectLst>
+                  <a:outerShdw dist="35921" dir="2700000" algn="ctr" rotWithShape="0">
+                    <a:schemeClr val="bg2"/>
+                  </a:outerShdw>
+                </a:effectLst>
+              </a14:hiddenEffects>
+            </a:ext>
+          </a:extLst>
+        </p:spPr>
+        <p:txBody>
+          <a:bodyPr/>
+          <a:lstStyle/>
+          <a:p>
+            <a:endParaRPr lang="en-US"/>
+          </a:p>
+        </p:txBody>
+      </p:sp>
+      <p:sp>
+        <p:nvSpPr>
+          <p:cNvPr id="8" name="Line 32"/>
+          <p:cNvSpPr>
+            <a:spLocks noChangeShapeType="1"/>
+          </p:cNvSpPr>
+          <p:nvPr/>
+        </p:nvSpPr>
+        <p:spPr bwMode="auto">
+          <a:xfrm flipV="1">
+            <a:off x="2771775" y="1836738"/>
+            <a:ext cx="576263" cy="0"/>
+          </a:xfrm>
+          <a:prstGeom prst="line">
+            <a:avLst/>
+          </a:prstGeom>
+          <a:noFill/>
+          <a:ln w="127000">
+            <a:solidFill>
+              <a:schemeClr val="tx1"/>
+            </a:solidFill>
+            <a:round/>
+            <a:headEnd/>
+            <a:tailEnd type="triangle" w="med" len="sm"/>
+          </a:ln>
+          <a:effectLst/>
+          <a:extLst>
+            <a:ext uri="{909E8E84-426E-40DD-AFC4-6F175D3DCCD1}">
+              <a14:hiddenFill xmlns:a14="http://schemas.microsoft.com/office/drawing/2010/main">
+                <a:noFill/>
+              </a14:hiddenFill>
+            </a:ext>
+            <a:ext uri="{AF507438-7753-43E0-B8FC-AC1667EBCBE1}">
+              <a14:hiddenEffects xmlns:a14="http://schemas.microsoft.com/office/drawing/2010/main">
+                <a:effectLst>
+                  <a:outerShdw dist="35921" dir="2700000" algn="ctr" rotWithShape="0">
+                    <a:schemeClr val="bg2"/>
+                  </a:outerShdw>
+                </a:effectLst>
+              </a14:hiddenEffects>
+            </a:ext>
+          </a:extLst>
+        </p:spPr>
+        <p:txBody>
+          <a:bodyPr/>
+          <a:lstStyle/>
+          <a:p>
+            <a:endParaRPr lang="en-US"/>
+          </a:p>
+        </p:txBody>
+      </p:sp>
+      <p:sp>
+        <p:nvSpPr>
+          <p:cNvPr id="9" name="Line 33"/>
+          <p:cNvSpPr>
+            <a:spLocks noChangeShapeType="1"/>
+          </p:cNvSpPr>
+          <p:nvPr/>
+        </p:nvSpPr>
+        <p:spPr bwMode="auto">
+          <a:xfrm flipV="1">
+            <a:off x="971550" y="2447925"/>
+            <a:ext cx="0" cy="506413"/>
+          </a:xfrm>
+          <a:prstGeom prst="line">
+            <a:avLst/>
+          </a:prstGeom>
+          <a:noFill/>
+          <a:ln w="127000">
+            <a:solidFill>
+              <a:schemeClr val="tx1"/>
+            </a:solidFill>
+            <a:round/>
+            <a:headEnd/>
+            <a:tailEnd type="triangle" w="med" len="sm"/>
+          </a:ln>
+          <a:effectLst/>
+          <a:extLst>
+            <a:ext uri="{909E8E84-426E-40DD-AFC4-6F175D3DCCD1}">
+              <a14:hiddenFill xmlns:a14="http://schemas.microsoft.com/office/drawing/2010/main">
+                <a:noFill/>
+              </a14:hiddenFill>
+            </a:ext>
+            <a:ext uri="{AF507438-7753-43E0-B8FC-AC1667EBCBE1}">
+              <a14:hiddenEffects xmlns:a14="http://schemas.microsoft.com/office/drawing/2010/main">
+                <a:effectLst>
+                  <a:outerShdw dist="35921" dir="2700000" algn="ctr" rotWithShape="0">
+                    <a:schemeClr val="bg2"/>
+                  </a:outerShdw>
+                </a:effectLst>
+              </a14:hiddenEffects>
+            </a:ext>
+          </a:extLst>
+        </p:spPr>
+        <p:txBody>
+          <a:bodyPr/>
+          <a:lstStyle/>
+          <a:p>
+            <a:endParaRPr lang="en-US"/>
+          </a:p>
+        </p:txBody>
+      </p:sp>
+      <p:sp>
+        <p:nvSpPr>
+          <p:cNvPr id="10" name="Rectangle 35"/>
+          <p:cNvSpPr txBox="1">
+            <a:spLocks noChangeArrowheads="1"/>
+          </p:cNvSpPr>
+          <p:nvPr/>
+        </p:nvSpPr>
+        <p:spPr>
+          <a:xfrm>
+            <a:off x="457200" y="1219200"/>
+            <a:ext cx="8229600" cy="5638800"/>
+          </a:xfrm>
+          <a:prstGeom prst="rect">
+            <a:avLst/>
+          </a:prstGeom>
+          <a:noFill/>
+          <a:ln/>
+        </p:spPr>
+        <p:txBody>
+          <a:bodyPr vert="horz" lIns="91440" tIns="45720" rIns="91440" bIns="45720" rtlCol="0">
+            <a:normAutofit lnSpcReduction="10000"/>
+          </a:bodyPr>
+          <a:lstStyle>
+            <a:lvl1pPr marL="228600" indent="-228600" algn="l" defTabSz="914400" rtl="0" eaLnBrk="1" latinLnBrk="0" hangingPunct="1">
+              <a:lnSpc>
+                <a:spcPct val="90000"/>
+              </a:lnSpc>
+              <a:spcBef>
+                <a:spcPts val="1000"/>
+              </a:spcBef>
+              <a:buFont typeface="Arial" panose="020B0604020202020204" pitchFamily="34" charset="0"/>
+              <a:buChar char="•"/>
+              <a:defRPr sz="2800" kern="1200">
+                <a:solidFill>
+                  <a:schemeClr val="tx1"/>
+                </a:solidFill>
+                <a:latin typeface="+mn-lt"/>
+                <a:ea typeface="+mn-ea"/>
+                <a:cs typeface="+mn-cs"/>
+              </a:defRPr>
+            </a:lvl1pPr>
+            <a:lvl2pPr marL="685800" indent="-228600" algn="l" defTabSz="914400" rtl="0" eaLnBrk="1" latinLnBrk="0" hangingPunct="1">
+              <a:lnSpc>
+                <a:spcPct val="90000"/>
+              </a:lnSpc>
+              <a:spcBef>
+                <a:spcPts val="500"/>
+              </a:spcBef>
+              <a:buFont typeface="Arial" panose="020B0604020202020204" pitchFamily="34" charset="0"/>
+              <a:buChar char="•"/>
+              <a:defRPr sz="2400" kern="1200">
+                <a:solidFill>
+                  <a:schemeClr val="tx1"/>
+                </a:solidFill>
+                <a:latin typeface="+mn-lt"/>
+                <a:ea typeface="+mn-ea"/>
+                <a:cs typeface="+mn-cs"/>
+              </a:defRPr>
+            </a:lvl2pPr>
+            <a:lvl3pPr marL="1143000" indent="-228600" algn="l" defTabSz="914400" rtl="0" eaLnBrk="1" latinLnBrk="0" hangingPunct="1">
+              <a:lnSpc>
+                <a:spcPct val="90000"/>
+              </a:lnSpc>
+              <a:spcBef>
+                <a:spcPts val="500"/>
+              </a:spcBef>
+              <a:buFont typeface="Arial" panose="020B0604020202020204" pitchFamily="34" charset="0"/>
+              <a:buChar char="•"/>
+              <a:defRPr sz="2000" kern="1200">
+                <a:solidFill>
+                  <a:schemeClr val="tx1"/>
+                </a:solidFill>
+                <a:latin typeface="+mn-lt"/>
+                <a:ea typeface="+mn-ea"/>
+                <a:cs typeface="+mn-cs"/>
+              </a:defRPr>
+            </a:lvl3pPr>
+            <a:lvl4pPr marL="1600200" indent="-228600" algn="l" defTabSz="914400" rtl="0" eaLnBrk="1" latinLnBrk="0" hangingPunct="1">
+              <a:lnSpc>
+                <a:spcPct val="90000"/>
+              </a:lnSpc>
+              <a:spcBef>
+                <a:spcPts val="500"/>
+              </a:spcBef>
+              <a:buFont typeface="Arial" panose="020B0604020202020204" pitchFamily="34" charset="0"/>
+              <a:buChar char="•"/>
+              <a:defRPr sz="1800" kern="1200">
+                <a:solidFill>
+                  <a:schemeClr val="tx1"/>
+                </a:solidFill>
+                <a:latin typeface="+mn-lt"/>
+                <a:ea typeface="+mn-ea"/>
+                <a:cs typeface="+mn-cs"/>
+              </a:defRPr>
+            </a:lvl4pPr>
+            <a:lvl5pPr marL="2057400" indent="-228600" algn="l" defTabSz="914400" rtl="0" eaLnBrk="1" latinLnBrk="0" hangingPunct="1">
+              <a:lnSpc>
+                <a:spcPct val="90000"/>
+              </a:lnSpc>
+              <a:spcBef>
+                <a:spcPts val="500"/>
+              </a:spcBef>
+              <a:buFont typeface="Arial" panose="020B0604020202020204" pitchFamily="34" charset="0"/>
+              <a:buChar char="•"/>
+              <a:defRPr sz="1800" kern="1200">
+                <a:solidFill>
+                  <a:schemeClr val="tx1"/>
+                </a:solidFill>
+                <a:latin typeface="+mn-lt"/>
+                <a:ea typeface="+mn-ea"/>
+                <a:cs typeface="+mn-cs"/>
+              </a:defRPr>
+            </a:lvl5pPr>
+            <a:lvl6pPr marL="2514600" indent="-228600" algn="l" defTabSz="914400" rtl="0" eaLnBrk="1" latinLnBrk="0" hangingPunct="1">
+              <a:lnSpc>
+                <a:spcPct val="90000"/>
+              </a:lnSpc>
+              <a:spcBef>
+                <a:spcPts val="500"/>
+              </a:spcBef>
+              <a:buFont typeface="Arial" panose="020B0604020202020204" pitchFamily="34" charset="0"/>
+              <a:buChar char="•"/>
+              <a:defRPr sz="1800" kern="1200">
+                <a:solidFill>
+                  <a:schemeClr val="tx1"/>
+                </a:solidFill>
+                <a:latin typeface="+mn-lt"/>
+                <a:ea typeface="+mn-ea"/>
+                <a:cs typeface="+mn-cs"/>
+              </a:defRPr>
+            </a:lvl6pPr>
+            <a:lvl7pPr marL="2971800" indent="-228600" algn="l" defTabSz="914400" rtl="0" eaLnBrk="1" latinLnBrk="0" hangingPunct="1">
+              <a:lnSpc>
+                <a:spcPct val="90000"/>
+              </a:lnSpc>
+              <a:spcBef>
+                <a:spcPts val="500"/>
+              </a:spcBef>
+              <a:buFont typeface="Arial" panose="020B0604020202020204" pitchFamily="34" charset="0"/>
+              <a:buChar char="•"/>
+              <a:defRPr sz="1800" kern="1200">
+                <a:solidFill>
+                  <a:schemeClr val="tx1"/>
+                </a:solidFill>
+                <a:latin typeface="+mn-lt"/>
+                <a:ea typeface="+mn-ea"/>
+                <a:cs typeface="+mn-cs"/>
+              </a:defRPr>
+            </a:lvl7pPr>
+            <a:lvl8pPr marL="3429000" indent="-228600" algn="l" defTabSz="914400" rtl="0" eaLnBrk="1" latinLnBrk="0" hangingPunct="1">
+              <a:lnSpc>
+                <a:spcPct val="90000"/>
+              </a:lnSpc>
+              <a:spcBef>
+                <a:spcPts val="500"/>
+              </a:spcBef>
+              <a:buFont typeface="Arial" panose="020B0604020202020204" pitchFamily="34" charset="0"/>
+              <a:buChar char="•"/>
+              <a:defRPr sz="1800" kern="1200">
+                <a:solidFill>
+                  <a:schemeClr val="tx1"/>
+                </a:solidFill>
+                <a:latin typeface="+mn-lt"/>
+                <a:ea typeface="+mn-ea"/>
+                <a:cs typeface="+mn-cs"/>
+              </a:defRPr>
+            </a:lvl8pPr>
+            <a:lvl9pPr marL="3886200" indent="-228600" algn="l" defTabSz="914400" rtl="0" eaLnBrk="1" latinLnBrk="0" hangingPunct="1">
+              <a:lnSpc>
+                <a:spcPct val="90000"/>
+              </a:lnSpc>
+              <a:spcBef>
+                <a:spcPts val="500"/>
+              </a:spcBef>
+              <a:buFont typeface="Arial" panose="020B0604020202020204" pitchFamily="34" charset="0"/>
+              <a:buChar char="•"/>
+              <a:defRPr sz="1800" kern="1200">
+                <a:solidFill>
+                  <a:schemeClr val="tx1"/>
+                </a:solidFill>
+                <a:latin typeface="+mn-lt"/>
+                <a:ea typeface="+mn-ea"/>
+                <a:cs typeface="+mn-cs"/>
+              </a:defRPr>
+            </a:lvl9pPr>
+          </a:lstStyle>
+          <a:p>
+            <a:endParaRPr lang="en-US" altLang="en-US" smtClean="0"/>
+          </a:p>
+          <a:p>
+            <a:endParaRPr lang="en-US" altLang="en-US" smtClean="0"/>
+          </a:p>
+          <a:p>
+            <a:endParaRPr lang="en-US" altLang="en-US" smtClean="0"/>
+          </a:p>
+          <a:p>
+            <a:endParaRPr lang="en-US" altLang="en-US" smtClean="0"/>
+          </a:p>
+          <a:p>
+            <a:endParaRPr lang="en-US" altLang="en-US" smtClean="0"/>
+          </a:p>
+          <a:p>
+            <a:endParaRPr lang="en-US" altLang="en-US" smtClean="0"/>
+          </a:p>
+          <a:p>
+            <a:endParaRPr lang="en-US" altLang="en-US" smtClean="0"/>
+          </a:p>
+          <a:p>
+            <a:r>
+              <a:rPr lang="en-US" altLang="en-US" smtClean="0"/>
+              <a:t>only if actions deterministic</a:t>
+            </a:r>
+          </a:p>
+          <a:p>
+            <a:pPr lvl="1"/>
+            <a:r>
+              <a:rPr lang="en-US" altLang="en-US" smtClean="0"/>
+              <a:t>not in this case (actions are stochastic)</a:t>
+            </a:r>
+          </a:p>
+          <a:p>
+            <a:pPr lvl="1"/>
+            <a:endParaRPr lang="en-US" altLang="en-US" smtClean="0"/>
+          </a:p>
+          <a:p>
+            <a:r>
+              <a:rPr lang="en-US" altLang="en-US" smtClean="0"/>
+              <a:t>solution/policy</a:t>
+            </a:r>
+          </a:p>
+          <a:p>
+            <a:pPr lvl="1"/>
+            <a:r>
+              <a:rPr lang="en-US" altLang="en-US" smtClean="0"/>
+              <a:t>mapping from each state to an action</a:t>
+            </a:r>
+            <a:endParaRPr lang="en-US" altLang="en-US"/>
+          </a:p>
+        </p:txBody>
+      </p:sp>
+    </p:spTree>
+    <p:extLst>
+      <p:ext uri="{BB962C8B-B14F-4D97-AF65-F5344CB8AC3E}">
+        <p14:creationId xmlns:p14="http://schemas.microsoft.com/office/powerpoint/2010/main" val="3346312581"/>
+      </p:ext>
+    </p:extLst>
+  </p:cSld>
+  <p:clrMapOvr>
+    <a:masterClrMapping/>
+  </p:clrMapOvr>
+</p:sld>
+</file>
+
+<file path=ppt/slides/slide11.xml><?xml version="1.0" encoding="utf-8"?>
+<p:sld xmlns:a="http://schemas.openxmlformats.org/drawingml/2006/main" xmlns:r="http://schemas.openxmlformats.org/officeDocument/2006/relationships" xmlns:p="http://schemas.openxmlformats.org/presentationml/2006/main">
+  <p:cSld>
+    <p:spTree>
+      <p:nvGrpSpPr>
+        <p:cNvPr id="1" name=""/>
+        <p:cNvGrpSpPr/>
+        <p:nvPr/>
+      </p:nvGrpSpPr>
+      <p:grpSpPr>
+        <a:xfrm>
+          <a:off x="0" y="0"/>
+          <a:ext cx="0" cy="0"/>
+          <a:chOff x="0" y="0"/>
+          <a:chExt cx="0" cy="0"/>
+        </a:xfrm>
+      </p:grpSpPr>
+      <p:sp>
+        <p:nvSpPr>
+          <p:cNvPr id="2" name="Title 1"/>
+          <p:cNvSpPr>
+            <a:spLocks noGrp="1"/>
+          </p:cNvSpPr>
+          <p:nvPr>
+            <p:ph type="title"/>
+          </p:nvPr>
+        </p:nvSpPr>
+        <p:spPr>
+          <a:xfrm>
             <a:off x="838200" y="1704"/>
             <a:ext cx="10515600" cy="1325563"/>
           </a:xfrm>
@@ -8044,7 +11180,7 @@
 </p:sld>
 </file>
 
-<file path=ppt/slides/slide11.xml><?xml version="1.0" encoding="utf-8"?>
+<file path=ppt/slides/slide12.xml><?xml version="1.0" encoding="utf-8"?>
 <p:sld xmlns:a="http://schemas.openxmlformats.org/drawingml/2006/main" xmlns:r="http://schemas.openxmlformats.org/officeDocument/2006/relationships" xmlns:p="http://schemas.openxmlformats.org/presentationml/2006/main">
   <p:cSld>
     <p:spTree>
@@ -11052,7 +14188,7 @@
 </p:sld>
 </file>
 
-<file path=ppt/slides/slide12.xml><?xml version="1.0" encoding="utf-8"?>
+<file path=ppt/slides/slide13.xml><?xml version="1.0" encoding="utf-8"?>
 <p:sld xmlns:a="http://schemas.openxmlformats.org/drawingml/2006/main" xmlns:r="http://schemas.openxmlformats.org/officeDocument/2006/relationships" xmlns:p="http://schemas.openxmlformats.org/presentationml/2006/main">
   <p:cSld>
     <p:spTree>
@@ -14060,7 +17196,7 @@
 </p:sld>
 </file>
 
-<file path=ppt/slides/slide13.xml><?xml version="1.0" encoding="utf-8"?>
+<file path=ppt/slides/slide14.xml><?xml version="1.0" encoding="utf-8"?>
 <p:sld xmlns:a="http://schemas.openxmlformats.org/drawingml/2006/main" xmlns:r="http://schemas.openxmlformats.org/officeDocument/2006/relationships" xmlns:p="http://schemas.openxmlformats.org/presentationml/2006/main">
   <p:cSld>
     <p:spTree>
@@ -17068,7 +20204,7 @@
 </p:sld>
 </file>
 
-<file path=ppt/slides/slide14.xml><?xml version="1.0" encoding="utf-8"?>
+<file path=ppt/slides/slide15.xml><?xml version="1.0" encoding="utf-8"?>
 <p:sld xmlns:a="http://schemas.openxmlformats.org/drawingml/2006/main" xmlns:r="http://schemas.openxmlformats.org/officeDocument/2006/relationships" xmlns:p="http://schemas.openxmlformats.org/presentationml/2006/main">
   <p:cSld>
     <p:spTree>
@@ -20076,7 +23212,7 @@
 </p:sld>
 </file>
 
-<file path=ppt/slides/slide15.xml><?xml version="1.0" encoding="utf-8"?>
+<file path=ppt/slides/slide16.xml><?xml version="1.0" encoding="utf-8"?>
 <p:sld xmlns:a="http://schemas.openxmlformats.org/drawingml/2006/main" xmlns:r="http://schemas.openxmlformats.org/officeDocument/2006/relationships" xmlns:p="http://schemas.openxmlformats.org/presentationml/2006/main">
   <p:cSld>
     <p:spTree>
@@ -23084,7 +26220,7 @@
 </p:sld>
 </file>
 
-<file path=ppt/slides/slide16.xml><?xml version="1.0" encoding="utf-8"?>
+<file path=ppt/slides/slide17.xml><?xml version="1.0" encoding="utf-8"?>
 <p:sld xmlns:a="http://schemas.openxmlformats.org/drawingml/2006/main" xmlns:r="http://schemas.openxmlformats.org/officeDocument/2006/relationships" xmlns:p="http://schemas.openxmlformats.org/presentationml/2006/main">
   <p:cSld>
     <p:spTree>
@@ -23576,7 +26712,7 @@
 </p:sld>
 </file>
 
-<file path=ppt/slides/slide17.xml><?xml version="1.0" encoding="utf-8"?>
+<file path=ppt/slides/slide18.xml><?xml version="1.0" encoding="utf-8"?>
 <p:sld xmlns:a="http://schemas.openxmlformats.org/drawingml/2006/main" xmlns:r="http://schemas.openxmlformats.org/officeDocument/2006/relationships" xmlns:p="http://schemas.openxmlformats.org/presentationml/2006/main">
   <p:cSld>
     <p:spTree>
@@ -23629,7 +26765,7 @@
         <p:spPr/>
         <p:txBody>
           <a:bodyPr>
-            <a:normAutofit fontScale="92500" lnSpcReduction="20000"/>
+            <a:normAutofit fontScale="92500"/>
           </a:bodyPr>
           <a:lstStyle/>
           <a:p>
@@ -23637,7 +26773,13 @@
               <a:rPr lang="en-US" dirty="0">
                 <a:hlinkClick r:id="rId3"/>
               </a:rPr>
-              <a:t>https://www.google.co.jp/url?sa=t&amp;rct=j&amp;q=&amp;esrc=s&amp;source=web&amp;cd=1&amp;cad=rja&amp;uact=8&amp;ved=0ahUKEwjAlr_8vazXAhWDW5QKHYlGDRUQFggoMAA&amp;url=https%3A%2F%2Fgogameguru.com%2Fi%2F2016%2F03%2Fdeepmind-mastering-go.pdf&amp;usg=AOvVaw3jSoX9HrVZnSk9KAWbZGj8</a:t>
+              <a:t>https://</a:t>
+            </a:r>
+            <a:r>
+              <a:rPr lang="en-US" dirty="0" smtClean="0">
+                <a:hlinkClick r:id="rId3"/>
+              </a:rPr>
+              <a:t>gogameguru.com/i/2016/03/deepmind-mastering-go.pdf</a:t>
             </a:r>
           </a:p>
           <a:p>
@@ -23664,19 +26806,13 @@
           </a:p>
           <a:p>
             <a:r>
-              <a:rPr lang="en-US">
+              <a:rPr lang="en-US" dirty="0">
                 <a:hlinkClick r:id="rId3"/>
               </a:rPr>
-              <a:t>https</a:t>
+              <a:t>https://</a:t>
             </a:r>
             <a:r>
-              <a:rPr lang="en-US">
-                <a:hlinkClick r:id="rId3"/>
-              </a:rPr>
-              <a:t>://</a:t>
-            </a:r>
-            <a:r>
-              <a:rPr lang="en-US" smtClean="0">
+              <a:rPr lang="en-US" dirty="0" smtClean="0">
                 <a:hlinkClick r:id="rId3"/>
               </a:rPr>
               <a:t>medium.com/emergent-future/simple-reinforcement-learning-with-tensorflow-part-0-q-learning-with-tables-and-neural-networks-d195264329d0</a:t>
@@ -23684,7 +26820,7 @@
           </a:p>
           <a:p>
             <a:r>
-              <a:rPr lang="en-US" smtClean="0">
+              <a:rPr lang="en-US" dirty="0" smtClean="0">
                 <a:hlinkClick r:id="rId3"/>
               </a:rPr>
               <a:t>https</a:t>
@@ -24954,6 +28090,82 @@
           <a:lstStyle/>
           <a:p>
             <a:r>
+              <a:rPr lang="en-US" altLang="zh-CN" dirty="0" smtClean="0"/>
+              <a:t>Policy </a:t>
+            </a:r>
+            <a:r>
+              <a:rPr lang="en-US" altLang="zh-CN" dirty="0"/>
+              <a:t>gradient</a:t>
+            </a:r>
+            <a:endParaRPr lang="en-US" dirty="0"/>
+          </a:p>
+        </p:txBody>
+      </p:sp>
+      <p:sp>
+        <p:nvSpPr>
+          <p:cNvPr id="3" name="Content Placeholder 2"/>
+          <p:cNvSpPr>
+            <a:spLocks noGrp="1"/>
+          </p:cNvSpPr>
+          <p:nvPr>
+            <p:ph idx="1"/>
+          </p:nvPr>
+        </p:nvSpPr>
+        <p:spPr/>
+        <p:txBody>
+          <a:bodyPr/>
+          <a:lstStyle/>
+          <a:p>
+            <a:endParaRPr lang="en-US" dirty="0"/>
+          </a:p>
+        </p:txBody>
+      </p:sp>
+    </p:spTree>
+    <p:extLst>
+      <p:ext uri="{BB962C8B-B14F-4D97-AF65-F5344CB8AC3E}">
+        <p14:creationId xmlns:p14="http://schemas.microsoft.com/office/powerpoint/2010/main" val="2958572167"/>
+      </p:ext>
+    </p:extLst>
+  </p:cSld>
+  <p:clrMapOvr>
+    <a:masterClrMapping/>
+  </p:clrMapOvr>
+</p:sld>
+</file>
+
+<file path=ppt/slides/slide7.xml><?xml version="1.0" encoding="utf-8"?>
+<p:sld xmlns:a="http://schemas.openxmlformats.org/drawingml/2006/main" xmlns:r="http://schemas.openxmlformats.org/officeDocument/2006/relationships" xmlns:p="http://schemas.openxmlformats.org/presentationml/2006/main">
+  <p:cSld>
+    <p:spTree>
+      <p:nvGrpSpPr>
+        <p:cNvPr id="1" name=""/>
+        <p:cNvGrpSpPr/>
+        <p:nvPr/>
+      </p:nvGrpSpPr>
+      <p:grpSpPr>
+        <a:xfrm>
+          <a:off x="0" y="0"/>
+          <a:ext cx="0" cy="0"/>
+          <a:chOff x="0" y="0"/>
+          <a:chExt cx="0" cy="0"/>
+        </a:xfrm>
+      </p:grpSpPr>
+      <p:sp>
+        <p:nvSpPr>
+          <p:cNvPr id="2" name="Title 1"/>
+          <p:cNvSpPr>
+            <a:spLocks noGrp="1"/>
+          </p:cNvSpPr>
+          <p:nvPr>
+            <p:ph type="title"/>
+          </p:nvPr>
+        </p:nvSpPr>
+        <p:spPr/>
+        <p:txBody>
+          <a:bodyPr/>
+          <a:lstStyle/>
+          <a:p>
+            <a:r>
               <a:rPr lang="en-US" dirty="0" smtClean="0"/>
               <a:t>                  </a:t>
             </a:r>
@@ -25080,6 +28292,14 @@
             <a:r>
               <a:rPr lang="zh-CN" altLang="en-US" dirty="0" smtClean="0"/>
               <a:t>百二十万盘自对弈，</a:t>
+            </a:r>
+            <a:r>
+              <a:rPr lang="en-US" altLang="zh-CN" dirty="0" smtClean="0"/>
+              <a:t>policy gradient</a:t>
+            </a:r>
+            <a:r>
+              <a:rPr lang="zh-CN" altLang="en-US" dirty="0" smtClean="0"/>
+              <a:t>，</a:t>
             </a:r>
             <a:r>
               <a:rPr lang="en-US" altLang="zh-CN" dirty="0" smtClean="0"/>
@@ -25271,7 +28491,7 @@
 </p:sld>
 </file>
 
-<file path=ppt/slides/slide7.xml><?xml version="1.0" encoding="utf-8"?>
+<file path=ppt/slides/slide8.xml><?xml version="1.0" encoding="utf-8"?>
 <p:sld xmlns:a="http://schemas.openxmlformats.org/drawingml/2006/main" xmlns:r="http://schemas.openxmlformats.org/officeDocument/2006/relationships" xmlns:p="http://schemas.openxmlformats.org/presentationml/2006/main">
   <p:cSld>
     <p:spTree>
@@ -28328,7 +31548,7 @@
 </p:sld>
 </file>
 
-<file path=ppt/slides/slide8.xml><?xml version="1.0" encoding="utf-8"?>
+<file path=ppt/slides/slide9.xml><?xml version="1.0" encoding="utf-8"?>
 <p:sld xmlns:a="http://schemas.openxmlformats.org/drawingml/2006/main" xmlns:r="http://schemas.openxmlformats.org/officeDocument/2006/relationships" xmlns:p="http://schemas.openxmlformats.org/presentationml/2006/main">
   <p:cSld>
     <p:spTree>
@@ -31402,3057 +34622,6 @@
 </p:sld>
 </file>
 
-<file path=ppt/slides/slide9.xml><?xml version="1.0" encoding="utf-8"?>
-<p:sld xmlns:a="http://schemas.openxmlformats.org/drawingml/2006/main" xmlns:r="http://schemas.openxmlformats.org/officeDocument/2006/relationships" xmlns:p="http://schemas.openxmlformats.org/presentationml/2006/main">
-  <p:cSld>
-    <p:spTree>
-      <p:nvGrpSpPr>
-        <p:cNvPr id="1" name=""/>
-        <p:cNvGrpSpPr/>
-        <p:nvPr/>
-      </p:nvGrpSpPr>
-      <p:grpSpPr>
-        <a:xfrm>
-          <a:off x="0" y="0"/>
-          <a:ext cx="0" cy="0"/>
-          <a:chOff x="0" y="0"/>
-          <a:chExt cx="0" cy="0"/>
-        </a:xfrm>
-      </p:grpSpPr>
-      <p:sp>
-        <p:nvSpPr>
-          <p:cNvPr id="2" name="Title 1"/>
-          <p:cNvSpPr>
-            <a:spLocks noGrp="1"/>
-          </p:cNvSpPr>
-          <p:nvPr>
-            <p:ph type="title"/>
-          </p:nvPr>
-        </p:nvSpPr>
-        <p:spPr>
-          <a:xfrm>
-            <a:off x="838200" y="1701"/>
-            <a:ext cx="10515600" cy="1325563"/>
-          </a:xfrm>
-        </p:spPr>
-        <p:txBody>
-          <a:bodyPr/>
-          <a:lstStyle/>
-          <a:p>
-            <a:r>
-              <a:rPr lang="en-US" altLang="en-US" dirty="0"/>
-              <a:t>Is this a solution?</a:t>
-            </a:r>
-            <a:endParaRPr lang="en-US" dirty="0"/>
-          </a:p>
-        </p:txBody>
-      </p:sp>
-      <p:graphicFrame>
-        <p:nvGraphicFramePr>
-          <p:cNvPr id="4" name="Group 3"/>
-          <p:cNvGraphicFramePr>
-            <a:graphicFrameLocks noGrp="1"/>
-          </p:cNvGraphicFramePr>
-          <p:nvPr>
-            <p:extLst>
-              <p:ext uri="{D42A27DB-BD31-4B8C-83A1-F6EECF244321}">
-                <p14:modId xmlns:p14="http://schemas.microsoft.com/office/powerpoint/2010/main" val="2776078456"/>
-              </p:ext>
-            </p:extLst>
-          </p:nvPr>
-        </p:nvGraphicFramePr>
-        <p:xfrm>
-          <a:off x="468313" y="1371600"/>
-          <a:ext cx="4103687" cy="2735263"/>
-        </p:xfrm>
-        <a:graphic>
-          <a:graphicData uri="http://schemas.openxmlformats.org/drawingml/2006/table">
-            <a:tbl>
-              <a:tblPr/>
-              <a:tblGrid>
-                <a:gridCol w="1025525">
-                  <a:extLst>
-                    <a:ext uri="{9D8B030D-6E8A-4147-A177-3AD203B41FA5}">
-                      <a16:colId xmlns:a16="http://schemas.microsoft.com/office/drawing/2014/main" val="4288361595"/>
-                    </a:ext>
-                  </a:extLst>
-                </a:gridCol>
-                <a:gridCol w="1027112">
-                  <a:extLst>
-                    <a:ext uri="{9D8B030D-6E8A-4147-A177-3AD203B41FA5}">
-                      <a16:colId xmlns:a16="http://schemas.microsoft.com/office/drawing/2014/main" val="3237780998"/>
-                    </a:ext>
-                  </a:extLst>
-                </a:gridCol>
-                <a:gridCol w="1025525">
-                  <a:extLst>
-                    <a:ext uri="{9D8B030D-6E8A-4147-A177-3AD203B41FA5}">
-                      <a16:colId xmlns:a16="http://schemas.microsoft.com/office/drawing/2014/main" val="1551237575"/>
-                    </a:ext>
-                  </a:extLst>
-                </a:gridCol>
-                <a:gridCol w="1025525">
-                  <a:extLst>
-                    <a:ext uri="{9D8B030D-6E8A-4147-A177-3AD203B41FA5}">
-                      <a16:colId xmlns:a16="http://schemas.microsoft.com/office/drawing/2014/main" val="4003549262"/>
-                    </a:ext>
-                  </a:extLst>
-                </a:gridCol>
-              </a:tblGrid>
-              <a:tr h="911225">
-                <a:tc>
-                  <a:txBody>
-                    <a:bodyPr/>
-                    <a:lstStyle>
-                      <a:lvl1pPr>
-                        <a:spcBef>
-                          <a:spcPct val="20000"/>
-                        </a:spcBef>
-                        <a:defRPr sz="2000">
-                          <a:solidFill>
-                            <a:srgbClr val="0066FF"/>
-                          </a:solidFill>
-                          <a:latin typeface="Trebuchet MS" panose="020B0603020202020204" pitchFamily="34" charset="0"/>
-                          <a:cs typeface="Arial" panose="020B0604020202020204" pitchFamily="34" charset="0"/>
-                        </a:defRPr>
-                      </a:lvl1pPr>
-                      <a:lvl2pPr>
-                        <a:spcBef>
-                          <a:spcPct val="20000"/>
-                        </a:spcBef>
-                        <a:defRPr>
-                          <a:solidFill>
-                            <a:schemeClr val="tx1"/>
-                          </a:solidFill>
-                          <a:latin typeface="Trebuchet MS" panose="020B0603020202020204" pitchFamily="34" charset="0"/>
-                          <a:cs typeface="Arial" panose="020B0604020202020204" pitchFamily="34" charset="0"/>
-                        </a:defRPr>
-                      </a:lvl2pPr>
-                      <a:lvl3pPr>
-                        <a:spcBef>
-                          <a:spcPct val="20000"/>
-                        </a:spcBef>
-                        <a:defRPr sz="1600">
-                          <a:solidFill>
-                            <a:schemeClr val="tx1"/>
-                          </a:solidFill>
-                          <a:latin typeface="Trebuchet MS" panose="020B0603020202020204" pitchFamily="34" charset="0"/>
-                          <a:cs typeface="Arial" panose="020B0604020202020204" pitchFamily="34" charset="0"/>
-                        </a:defRPr>
-                      </a:lvl3pPr>
-                      <a:lvl4pPr>
-                        <a:spcBef>
-                          <a:spcPct val="20000"/>
-                        </a:spcBef>
-                        <a:defRPr sz="1400">
-                          <a:solidFill>
-                            <a:schemeClr val="tx1"/>
-                          </a:solidFill>
-                          <a:latin typeface="Trebuchet MS" panose="020B0603020202020204" pitchFamily="34" charset="0"/>
-                          <a:cs typeface="Arial" panose="020B0604020202020204" pitchFamily="34" charset="0"/>
-                        </a:defRPr>
-                      </a:lvl4pPr>
-                      <a:lvl5pPr>
-                        <a:spcBef>
-                          <a:spcPct val="20000"/>
-                        </a:spcBef>
-                        <a:defRPr sz="1400">
-                          <a:solidFill>
-                            <a:schemeClr val="tx1"/>
-                          </a:solidFill>
-                          <a:latin typeface="Trebuchet MS" panose="020B0603020202020204" pitchFamily="34" charset="0"/>
-                          <a:cs typeface="Arial" panose="020B0604020202020204" pitchFamily="34" charset="0"/>
-                        </a:defRPr>
-                      </a:lvl5pPr>
-                      <a:lvl6pPr fontAlgn="base">
-                        <a:spcBef>
-                          <a:spcPct val="20000"/>
-                        </a:spcBef>
-                        <a:spcAft>
-                          <a:spcPct val="0"/>
-                        </a:spcAft>
-                        <a:defRPr sz="1400">
-                          <a:solidFill>
-                            <a:schemeClr val="tx1"/>
-                          </a:solidFill>
-                          <a:latin typeface="Trebuchet MS" panose="020B0603020202020204" pitchFamily="34" charset="0"/>
-                          <a:cs typeface="Arial" panose="020B0604020202020204" pitchFamily="34" charset="0"/>
-                        </a:defRPr>
-                      </a:lvl6pPr>
-                      <a:lvl7pPr fontAlgn="base">
-                        <a:spcBef>
-                          <a:spcPct val="20000"/>
-                        </a:spcBef>
-                        <a:spcAft>
-                          <a:spcPct val="0"/>
-                        </a:spcAft>
-                        <a:defRPr sz="1400">
-                          <a:solidFill>
-                            <a:schemeClr val="tx1"/>
-                          </a:solidFill>
-                          <a:latin typeface="Trebuchet MS" panose="020B0603020202020204" pitchFamily="34" charset="0"/>
-                          <a:cs typeface="Arial" panose="020B0604020202020204" pitchFamily="34" charset="0"/>
-                        </a:defRPr>
-                      </a:lvl7pPr>
-                      <a:lvl8pPr fontAlgn="base">
-                        <a:spcBef>
-                          <a:spcPct val="20000"/>
-                        </a:spcBef>
-                        <a:spcAft>
-                          <a:spcPct val="0"/>
-                        </a:spcAft>
-                        <a:defRPr sz="1400">
-                          <a:solidFill>
-                            <a:schemeClr val="tx1"/>
-                          </a:solidFill>
-                          <a:latin typeface="Trebuchet MS" panose="020B0603020202020204" pitchFamily="34" charset="0"/>
-                          <a:cs typeface="Arial" panose="020B0604020202020204" pitchFamily="34" charset="0"/>
-                        </a:defRPr>
-                      </a:lvl8pPr>
-                      <a:lvl9pPr fontAlgn="base">
-                        <a:spcBef>
-                          <a:spcPct val="20000"/>
-                        </a:spcBef>
-                        <a:spcAft>
-                          <a:spcPct val="0"/>
-                        </a:spcAft>
-                        <a:defRPr sz="1400">
-                          <a:solidFill>
-                            <a:schemeClr val="tx1"/>
-                          </a:solidFill>
-                          <a:latin typeface="Trebuchet MS" panose="020B0603020202020204" pitchFamily="34" charset="0"/>
-                          <a:cs typeface="Arial" panose="020B0604020202020204" pitchFamily="34" charset="0"/>
-                        </a:defRPr>
-                      </a:lvl9pPr>
-                    </a:lstStyle>
-                    <a:p>
-                      <a:pPr marL="0" marR="0" lvl="0" indent="0" algn="ctr" defTabSz="914400" rtl="0" eaLnBrk="1" fontAlgn="base" latinLnBrk="0" hangingPunct="1">
-                        <a:lnSpc>
-                          <a:spcPct val="100000"/>
-                        </a:lnSpc>
-                        <a:spcBef>
-                          <a:spcPct val="20000"/>
-                        </a:spcBef>
-                        <a:spcAft>
-                          <a:spcPct val="0"/>
-                        </a:spcAft>
-                        <a:buClrTx/>
-                        <a:buSzTx/>
-                        <a:buFontTx/>
-                        <a:buNone/>
-                        <a:tabLst/>
-                      </a:pPr>
-                      <a:endParaRPr kumimoji="0" lang="en-US" altLang="en-US" sz="2000" b="0" i="0" u="none" strike="noStrike" cap="none" normalizeH="0" baseline="0" smtClean="0">
-                        <a:ln>
-                          <a:noFill/>
-                        </a:ln>
-                        <a:solidFill>
-                          <a:srgbClr val="0066FF"/>
-                        </a:solidFill>
-                        <a:effectLst/>
-                        <a:latin typeface="Trebuchet MS" panose="020B0603020202020204" pitchFamily="34" charset="0"/>
-                        <a:cs typeface="Arial" panose="020B0604020202020204" pitchFamily="34" charset="0"/>
-                      </a:endParaRPr>
-                    </a:p>
-                  </a:txBody>
-                  <a:tcPr anchor="ctr" horzOverflow="overflow">
-                    <a:lnL w="28575" cap="flat" cmpd="sng" algn="ctr">
-                      <a:solidFill>
-                        <a:schemeClr val="tx1"/>
-                      </a:solidFill>
-                      <a:prstDash val="solid"/>
-                      <a:round/>
-                      <a:headEnd type="none" w="med" len="med"/>
-                      <a:tailEnd type="none" w="med" len="med"/>
-                    </a:lnL>
-                    <a:lnR w="12700" cap="flat" cmpd="sng" algn="ctr">
-                      <a:solidFill>
-                        <a:schemeClr val="tx1"/>
-                      </a:solidFill>
-                      <a:prstDash val="solid"/>
-                      <a:round/>
-                      <a:headEnd type="none" w="med" len="med"/>
-                      <a:tailEnd type="none" w="med" len="med"/>
-                    </a:lnR>
-                    <a:lnT w="28575" cap="flat" cmpd="sng" algn="ctr">
-                      <a:solidFill>
-                        <a:schemeClr val="tx1"/>
-                      </a:solidFill>
-                      <a:prstDash val="solid"/>
-                      <a:round/>
-                      <a:headEnd type="none" w="med" len="med"/>
-                      <a:tailEnd type="none" w="med" len="med"/>
-                    </a:lnT>
-                    <a:lnB w="12700" cap="flat" cmpd="sng" algn="ctr">
-                      <a:solidFill>
-                        <a:schemeClr val="tx1"/>
-                      </a:solidFill>
-                      <a:prstDash val="solid"/>
-                      <a:round/>
-                      <a:headEnd type="none" w="med" len="med"/>
-                      <a:tailEnd type="none" w="med" len="med"/>
-                    </a:lnB>
-                    <a:lnTlToBr>
-                      <a:noFill/>
-                    </a:lnTlToBr>
-                    <a:lnBlToTr>
-                      <a:noFill/>
-                    </a:lnBlToTr>
-                    <a:noFill/>
-                  </a:tcPr>
-                </a:tc>
-                <a:tc>
-                  <a:txBody>
-                    <a:bodyPr/>
-                    <a:lstStyle>
-                      <a:lvl1pPr>
-                        <a:spcBef>
-                          <a:spcPct val="20000"/>
-                        </a:spcBef>
-                        <a:defRPr sz="2000">
-                          <a:solidFill>
-                            <a:srgbClr val="0066FF"/>
-                          </a:solidFill>
-                          <a:latin typeface="Trebuchet MS" panose="020B0603020202020204" pitchFamily="34" charset="0"/>
-                          <a:cs typeface="Arial" panose="020B0604020202020204" pitchFamily="34" charset="0"/>
-                        </a:defRPr>
-                      </a:lvl1pPr>
-                      <a:lvl2pPr>
-                        <a:spcBef>
-                          <a:spcPct val="20000"/>
-                        </a:spcBef>
-                        <a:defRPr>
-                          <a:solidFill>
-                            <a:schemeClr val="tx1"/>
-                          </a:solidFill>
-                          <a:latin typeface="Trebuchet MS" panose="020B0603020202020204" pitchFamily="34" charset="0"/>
-                          <a:cs typeface="Arial" panose="020B0604020202020204" pitchFamily="34" charset="0"/>
-                        </a:defRPr>
-                      </a:lvl2pPr>
-                      <a:lvl3pPr>
-                        <a:spcBef>
-                          <a:spcPct val="20000"/>
-                        </a:spcBef>
-                        <a:defRPr sz="1600">
-                          <a:solidFill>
-                            <a:schemeClr val="tx1"/>
-                          </a:solidFill>
-                          <a:latin typeface="Trebuchet MS" panose="020B0603020202020204" pitchFamily="34" charset="0"/>
-                          <a:cs typeface="Arial" panose="020B0604020202020204" pitchFamily="34" charset="0"/>
-                        </a:defRPr>
-                      </a:lvl3pPr>
-                      <a:lvl4pPr>
-                        <a:spcBef>
-                          <a:spcPct val="20000"/>
-                        </a:spcBef>
-                        <a:defRPr sz="1400">
-                          <a:solidFill>
-                            <a:schemeClr val="tx1"/>
-                          </a:solidFill>
-                          <a:latin typeface="Trebuchet MS" panose="020B0603020202020204" pitchFamily="34" charset="0"/>
-                          <a:cs typeface="Arial" panose="020B0604020202020204" pitchFamily="34" charset="0"/>
-                        </a:defRPr>
-                      </a:lvl4pPr>
-                      <a:lvl5pPr>
-                        <a:spcBef>
-                          <a:spcPct val="20000"/>
-                        </a:spcBef>
-                        <a:defRPr sz="1400">
-                          <a:solidFill>
-                            <a:schemeClr val="tx1"/>
-                          </a:solidFill>
-                          <a:latin typeface="Trebuchet MS" panose="020B0603020202020204" pitchFamily="34" charset="0"/>
-                          <a:cs typeface="Arial" panose="020B0604020202020204" pitchFamily="34" charset="0"/>
-                        </a:defRPr>
-                      </a:lvl5pPr>
-                      <a:lvl6pPr fontAlgn="base">
-                        <a:spcBef>
-                          <a:spcPct val="20000"/>
-                        </a:spcBef>
-                        <a:spcAft>
-                          <a:spcPct val="0"/>
-                        </a:spcAft>
-                        <a:defRPr sz="1400">
-                          <a:solidFill>
-                            <a:schemeClr val="tx1"/>
-                          </a:solidFill>
-                          <a:latin typeface="Trebuchet MS" panose="020B0603020202020204" pitchFamily="34" charset="0"/>
-                          <a:cs typeface="Arial" panose="020B0604020202020204" pitchFamily="34" charset="0"/>
-                        </a:defRPr>
-                      </a:lvl6pPr>
-                      <a:lvl7pPr fontAlgn="base">
-                        <a:spcBef>
-                          <a:spcPct val="20000"/>
-                        </a:spcBef>
-                        <a:spcAft>
-                          <a:spcPct val="0"/>
-                        </a:spcAft>
-                        <a:defRPr sz="1400">
-                          <a:solidFill>
-                            <a:schemeClr val="tx1"/>
-                          </a:solidFill>
-                          <a:latin typeface="Trebuchet MS" panose="020B0603020202020204" pitchFamily="34" charset="0"/>
-                          <a:cs typeface="Arial" panose="020B0604020202020204" pitchFamily="34" charset="0"/>
-                        </a:defRPr>
-                      </a:lvl7pPr>
-                      <a:lvl8pPr fontAlgn="base">
-                        <a:spcBef>
-                          <a:spcPct val="20000"/>
-                        </a:spcBef>
-                        <a:spcAft>
-                          <a:spcPct val="0"/>
-                        </a:spcAft>
-                        <a:defRPr sz="1400">
-                          <a:solidFill>
-                            <a:schemeClr val="tx1"/>
-                          </a:solidFill>
-                          <a:latin typeface="Trebuchet MS" panose="020B0603020202020204" pitchFamily="34" charset="0"/>
-                          <a:cs typeface="Arial" panose="020B0604020202020204" pitchFamily="34" charset="0"/>
-                        </a:defRPr>
-                      </a:lvl8pPr>
-                      <a:lvl9pPr fontAlgn="base">
-                        <a:spcBef>
-                          <a:spcPct val="20000"/>
-                        </a:spcBef>
-                        <a:spcAft>
-                          <a:spcPct val="0"/>
-                        </a:spcAft>
-                        <a:defRPr sz="1400">
-                          <a:solidFill>
-                            <a:schemeClr val="tx1"/>
-                          </a:solidFill>
-                          <a:latin typeface="Trebuchet MS" panose="020B0603020202020204" pitchFamily="34" charset="0"/>
-                          <a:cs typeface="Arial" panose="020B0604020202020204" pitchFamily="34" charset="0"/>
-                        </a:defRPr>
-                      </a:lvl9pPr>
-                    </a:lstStyle>
-                    <a:p>
-                      <a:pPr marL="0" marR="0" lvl="0" indent="0" algn="ctr" defTabSz="914400" rtl="0" eaLnBrk="1" fontAlgn="base" latinLnBrk="0" hangingPunct="1">
-                        <a:lnSpc>
-                          <a:spcPct val="100000"/>
-                        </a:lnSpc>
-                        <a:spcBef>
-                          <a:spcPct val="20000"/>
-                        </a:spcBef>
-                        <a:spcAft>
-                          <a:spcPct val="0"/>
-                        </a:spcAft>
-                        <a:buClrTx/>
-                        <a:buSzTx/>
-                        <a:buFontTx/>
-                        <a:buNone/>
-                        <a:tabLst/>
-                      </a:pPr>
-                      <a:endParaRPr kumimoji="0" lang="en-US" altLang="en-US" sz="2000" b="0" i="0" u="none" strike="noStrike" cap="none" normalizeH="0" baseline="0" smtClean="0">
-                        <a:ln>
-                          <a:noFill/>
-                        </a:ln>
-                        <a:solidFill>
-                          <a:srgbClr val="0066FF"/>
-                        </a:solidFill>
-                        <a:effectLst/>
-                        <a:latin typeface="Trebuchet MS" panose="020B0603020202020204" pitchFamily="34" charset="0"/>
-                        <a:cs typeface="Arial" panose="020B0604020202020204" pitchFamily="34" charset="0"/>
-                      </a:endParaRPr>
-                    </a:p>
-                  </a:txBody>
-                  <a:tcPr anchor="ctr" horzOverflow="overflow">
-                    <a:lnL w="12700" cap="flat" cmpd="sng" algn="ctr">
-                      <a:solidFill>
-                        <a:schemeClr val="tx1"/>
-                      </a:solidFill>
-                      <a:prstDash val="solid"/>
-                      <a:round/>
-                      <a:headEnd type="none" w="med" len="med"/>
-                      <a:tailEnd type="none" w="med" len="med"/>
-                    </a:lnL>
-                    <a:lnR w="12700" cap="flat" cmpd="sng" algn="ctr">
-                      <a:solidFill>
-                        <a:schemeClr val="tx1"/>
-                      </a:solidFill>
-                      <a:prstDash val="solid"/>
-                      <a:round/>
-                      <a:headEnd type="none" w="med" len="med"/>
-                      <a:tailEnd type="none" w="med" len="med"/>
-                    </a:lnR>
-                    <a:lnT w="28575" cap="flat" cmpd="sng" algn="ctr">
-                      <a:solidFill>
-                        <a:schemeClr val="tx1"/>
-                      </a:solidFill>
-                      <a:prstDash val="solid"/>
-                      <a:round/>
-                      <a:headEnd type="none" w="med" len="med"/>
-                      <a:tailEnd type="none" w="med" len="med"/>
-                    </a:lnT>
-                    <a:lnB w="12700" cap="flat" cmpd="sng" algn="ctr">
-                      <a:solidFill>
-                        <a:schemeClr val="tx1"/>
-                      </a:solidFill>
-                      <a:prstDash val="solid"/>
-                      <a:round/>
-                      <a:headEnd type="none" w="med" len="med"/>
-                      <a:tailEnd type="none" w="med" len="med"/>
-                    </a:lnB>
-                    <a:lnTlToBr>
-                      <a:noFill/>
-                    </a:lnTlToBr>
-                    <a:lnBlToTr>
-                      <a:noFill/>
-                    </a:lnBlToTr>
-                    <a:noFill/>
-                  </a:tcPr>
-                </a:tc>
-                <a:tc>
-                  <a:txBody>
-                    <a:bodyPr/>
-                    <a:lstStyle>
-                      <a:lvl1pPr>
-                        <a:spcBef>
-                          <a:spcPct val="20000"/>
-                        </a:spcBef>
-                        <a:defRPr sz="2000">
-                          <a:solidFill>
-                            <a:srgbClr val="0066FF"/>
-                          </a:solidFill>
-                          <a:latin typeface="Trebuchet MS" panose="020B0603020202020204" pitchFamily="34" charset="0"/>
-                          <a:cs typeface="Arial" panose="020B0604020202020204" pitchFamily="34" charset="0"/>
-                        </a:defRPr>
-                      </a:lvl1pPr>
-                      <a:lvl2pPr>
-                        <a:spcBef>
-                          <a:spcPct val="20000"/>
-                        </a:spcBef>
-                        <a:defRPr>
-                          <a:solidFill>
-                            <a:schemeClr val="tx1"/>
-                          </a:solidFill>
-                          <a:latin typeface="Trebuchet MS" panose="020B0603020202020204" pitchFamily="34" charset="0"/>
-                          <a:cs typeface="Arial" panose="020B0604020202020204" pitchFamily="34" charset="0"/>
-                        </a:defRPr>
-                      </a:lvl2pPr>
-                      <a:lvl3pPr>
-                        <a:spcBef>
-                          <a:spcPct val="20000"/>
-                        </a:spcBef>
-                        <a:defRPr sz="1600">
-                          <a:solidFill>
-                            <a:schemeClr val="tx1"/>
-                          </a:solidFill>
-                          <a:latin typeface="Trebuchet MS" panose="020B0603020202020204" pitchFamily="34" charset="0"/>
-                          <a:cs typeface="Arial" panose="020B0604020202020204" pitchFamily="34" charset="0"/>
-                        </a:defRPr>
-                      </a:lvl3pPr>
-                      <a:lvl4pPr>
-                        <a:spcBef>
-                          <a:spcPct val="20000"/>
-                        </a:spcBef>
-                        <a:defRPr sz="1400">
-                          <a:solidFill>
-                            <a:schemeClr val="tx1"/>
-                          </a:solidFill>
-                          <a:latin typeface="Trebuchet MS" panose="020B0603020202020204" pitchFamily="34" charset="0"/>
-                          <a:cs typeface="Arial" panose="020B0604020202020204" pitchFamily="34" charset="0"/>
-                        </a:defRPr>
-                      </a:lvl4pPr>
-                      <a:lvl5pPr>
-                        <a:spcBef>
-                          <a:spcPct val="20000"/>
-                        </a:spcBef>
-                        <a:defRPr sz="1400">
-                          <a:solidFill>
-                            <a:schemeClr val="tx1"/>
-                          </a:solidFill>
-                          <a:latin typeface="Trebuchet MS" panose="020B0603020202020204" pitchFamily="34" charset="0"/>
-                          <a:cs typeface="Arial" panose="020B0604020202020204" pitchFamily="34" charset="0"/>
-                        </a:defRPr>
-                      </a:lvl5pPr>
-                      <a:lvl6pPr fontAlgn="base">
-                        <a:spcBef>
-                          <a:spcPct val="20000"/>
-                        </a:spcBef>
-                        <a:spcAft>
-                          <a:spcPct val="0"/>
-                        </a:spcAft>
-                        <a:defRPr sz="1400">
-                          <a:solidFill>
-                            <a:schemeClr val="tx1"/>
-                          </a:solidFill>
-                          <a:latin typeface="Trebuchet MS" panose="020B0603020202020204" pitchFamily="34" charset="0"/>
-                          <a:cs typeface="Arial" panose="020B0604020202020204" pitchFamily="34" charset="0"/>
-                        </a:defRPr>
-                      </a:lvl6pPr>
-                      <a:lvl7pPr fontAlgn="base">
-                        <a:spcBef>
-                          <a:spcPct val="20000"/>
-                        </a:spcBef>
-                        <a:spcAft>
-                          <a:spcPct val="0"/>
-                        </a:spcAft>
-                        <a:defRPr sz="1400">
-                          <a:solidFill>
-                            <a:schemeClr val="tx1"/>
-                          </a:solidFill>
-                          <a:latin typeface="Trebuchet MS" panose="020B0603020202020204" pitchFamily="34" charset="0"/>
-                          <a:cs typeface="Arial" panose="020B0604020202020204" pitchFamily="34" charset="0"/>
-                        </a:defRPr>
-                      </a:lvl7pPr>
-                      <a:lvl8pPr fontAlgn="base">
-                        <a:spcBef>
-                          <a:spcPct val="20000"/>
-                        </a:spcBef>
-                        <a:spcAft>
-                          <a:spcPct val="0"/>
-                        </a:spcAft>
-                        <a:defRPr sz="1400">
-                          <a:solidFill>
-                            <a:schemeClr val="tx1"/>
-                          </a:solidFill>
-                          <a:latin typeface="Trebuchet MS" panose="020B0603020202020204" pitchFamily="34" charset="0"/>
-                          <a:cs typeface="Arial" panose="020B0604020202020204" pitchFamily="34" charset="0"/>
-                        </a:defRPr>
-                      </a:lvl8pPr>
-                      <a:lvl9pPr fontAlgn="base">
-                        <a:spcBef>
-                          <a:spcPct val="20000"/>
-                        </a:spcBef>
-                        <a:spcAft>
-                          <a:spcPct val="0"/>
-                        </a:spcAft>
-                        <a:defRPr sz="1400">
-                          <a:solidFill>
-                            <a:schemeClr val="tx1"/>
-                          </a:solidFill>
-                          <a:latin typeface="Trebuchet MS" panose="020B0603020202020204" pitchFamily="34" charset="0"/>
-                          <a:cs typeface="Arial" panose="020B0604020202020204" pitchFamily="34" charset="0"/>
-                        </a:defRPr>
-                      </a:lvl9pPr>
-                    </a:lstStyle>
-                    <a:p>
-                      <a:pPr marL="0" marR="0" lvl="0" indent="0" algn="ctr" defTabSz="914400" rtl="0" eaLnBrk="1" fontAlgn="base" latinLnBrk="0" hangingPunct="1">
-                        <a:lnSpc>
-                          <a:spcPct val="100000"/>
-                        </a:lnSpc>
-                        <a:spcBef>
-                          <a:spcPct val="20000"/>
-                        </a:spcBef>
-                        <a:spcAft>
-                          <a:spcPct val="0"/>
-                        </a:spcAft>
-                        <a:buClrTx/>
-                        <a:buSzTx/>
-                        <a:buFontTx/>
-                        <a:buNone/>
-                        <a:tabLst/>
-                      </a:pPr>
-                      <a:endParaRPr kumimoji="0" lang="en-US" altLang="en-US" sz="2000" b="0" i="0" u="none" strike="noStrike" cap="none" normalizeH="0" baseline="0" smtClean="0">
-                        <a:ln>
-                          <a:noFill/>
-                        </a:ln>
-                        <a:solidFill>
-                          <a:srgbClr val="0066FF"/>
-                        </a:solidFill>
-                        <a:effectLst/>
-                        <a:latin typeface="Trebuchet MS" panose="020B0603020202020204" pitchFamily="34" charset="0"/>
-                        <a:cs typeface="Arial" panose="020B0604020202020204" pitchFamily="34" charset="0"/>
-                      </a:endParaRPr>
-                    </a:p>
-                  </a:txBody>
-                  <a:tcPr anchor="ctr" horzOverflow="overflow">
-                    <a:lnL w="12700" cap="flat" cmpd="sng" algn="ctr">
-                      <a:solidFill>
-                        <a:schemeClr val="tx1"/>
-                      </a:solidFill>
-                      <a:prstDash val="solid"/>
-                      <a:round/>
-                      <a:headEnd type="none" w="med" len="med"/>
-                      <a:tailEnd type="none" w="med" len="med"/>
-                    </a:lnL>
-                    <a:lnR w="12700" cap="flat" cmpd="sng" algn="ctr">
-                      <a:solidFill>
-                        <a:schemeClr val="tx1"/>
-                      </a:solidFill>
-                      <a:prstDash val="solid"/>
-                      <a:round/>
-                      <a:headEnd type="none" w="med" len="med"/>
-                      <a:tailEnd type="none" w="med" len="med"/>
-                    </a:lnR>
-                    <a:lnT w="28575" cap="flat" cmpd="sng" algn="ctr">
-                      <a:solidFill>
-                        <a:schemeClr val="tx1"/>
-                      </a:solidFill>
-                      <a:prstDash val="solid"/>
-                      <a:round/>
-                      <a:headEnd type="none" w="med" len="med"/>
-                      <a:tailEnd type="none" w="med" len="med"/>
-                    </a:lnT>
-                    <a:lnB w="12700" cap="flat" cmpd="sng" algn="ctr">
-                      <a:solidFill>
-                        <a:schemeClr val="tx1"/>
-                      </a:solidFill>
-                      <a:prstDash val="solid"/>
-                      <a:round/>
-                      <a:headEnd type="none" w="med" len="med"/>
-                      <a:tailEnd type="none" w="med" len="med"/>
-                    </a:lnB>
-                    <a:lnTlToBr>
-                      <a:noFill/>
-                    </a:lnTlToBr>
-                    <a:lnBlToTr>
-                      <a:noFill/>
-                    </a:lnBlToTr>
-                    <a:noFill/>
-                  </a:tcPr>
-                </a:tc>
-                <a:tc>
-                  <a:txBody>
-                    <a:bodyPr/>
-                    <a:lstStyle>
-                      <a:lvl1pPr>
-                        <a:spcBef>
-                          <a:spcPct val="20000"/>
-                        </a:spcBef>
-                        <a:defRPr sz="2000">
-                          <a:solidFill>
-                            <a:srgbClr val="0066FF"/>
-                          </a:solidFill>
-                          <a:latin typeface="Trebuchet MS" panose="020B0603020202020204" pitchFamily="34" charset="0"/>
-                          <a:cs typeface="Arial" panose="020B0604020202020204" pitchFamily="34" charset="0"/>
-                        </a:defRPr>
-                      </a:lvl1pPr>
-                      <a:lvl2pPr>
-                        <a:spcBef>
-                          <a:spcPct val="20000"/>
-                        </a:spcBef>
-                        <a:defRPr>
-                          <a:solidFill>
-                            <a:schemeClr val="tx1"/>
-                          </a:solidFill>
-                          <a:latin typeface="Trebuchet MS" panose="020B0603020202020204" pitchFamily="34" charset="0"/>
-                          <a:cs typeface="Arial" panose="020B0604020202020204" pitchFamily="34" charset="0"/>
-                        </a:defRPr>
-                      </a:lvl2pPr>
-                      <a:lvl3pPr>
-                        <a:spcBef>
-                          <a:spcPct val="20000"/>
-                        </a:spcBef>
-                        <a:defRPr sz="1600">
-                          <a:solidFill>
-                            <a:schemeClr val="tx1"/>
-                          </a:solidFill>
-                          <a:latin typeface="Trebuchet MS" panose="020B0603020202020204" pitchFamily="34" charset="0"/>
-                          <a:cs typeface="Arial" panose="020B0604020202020204" pitchFamily="34" charset="0"/>
-                        </a:defRPr>
-                      </a:lvl3pPr>
-                      <a:lvl4pPr>
-                        <a:spcBef>
-                          <a:spcPct val="20000"/>
-                        </a:spcBef>
-                        <a:defRPr sz="1400">
-                          <a:solidFill>
-                            <a:schemeClr val="tx1"/>
-                          </a:solidFill>
-                          <a:latin typeface="Trebuchet MS" panose="020B0603020202020204" pitchFamily="34" charset="0"/>
-                          <a:cs typeface="Arial" panose="020B0604020202020204" pitchFamily="34" charset="0"/>
-                        </a:defRPr>
-                      </a:lvl4pPr>
-                      <a:lvl5pPr>
-                        <a:spcBef>
-                          <a:spcPct val="20000"/>
-                        </a:spcBef>
-                        <a:defRPr sz="1400">
-                          <a:solidFill>
-                            <a:schemeClr val="tx1"/>
-                          </a:solidFill>
-                          <a:latin typeface="Trebuchet MS" panose="020B0603020202020204" pitchFamily="34" charset="0"/>
-                          <a:cs typeface="Arial" panose="020B0604020202020204" pitchFamily="34" charset="0"/>
-                        </a:defRPr>
-                      </a:lvl5pPr>
-                      <a:lvl6pPr fontAlgn="base">
-                        <a:spcBef>
-                          <a:spcPct val="20000"/>
-                        </a:spcBef>
-                        <a:spcAft>
-                          <a:spcPct val="0"/>
-                        </a:spcAft>
-                        <a:defRPr sz="1400">
-                          <a:solidFill>
-                            <a:schemeClr val="tx1"/>
-                          </a:solidFill>
-                          <a:latin typeface="Trebuchet MS" panose="020B0603020202020204" pitchFamily="34" charset="0"/>
-                          <a:cs typeface="Arial" panose="020B0604020202020204" pitchFamily="34" charset="0"/>
-                        </a:defRPr>
-                      </a:lvl6pPr>
-                      <a:lvl7pPr fontAlgn="base">
-                        <a:spcBef>
-                          <a:spcPct val="20000"/>
-                        </a:spcBef>
-                        <a:spcAft>
-                          <a:spcPct val="0"/>
-                        </a:spcAft>
-                        <a:defRPr sz="1400">
-                          <a:solidFill>
-                            <a:schemeClr val="tx1"/>
-                          </a:solidFill>
-                          <a:latin typeface="Trebuchet MS" panose="020B0603020202020204" pitchFamily="34" charset="0"/>
-                          <a:cs typeface="Arial" panose="020B0604020202020204" pitchFamily="34" charset="0"/>
-                        </a:defRPr>
-                      </a:lvl7pPr>
-                      <a:lvl8pPr fontAlgn="base">
-                        <a:spcBef>
-                          <a:spcPct val="20000"/>
-                        </a:spcBef>
-                        <a:spcAft>
-                          <a:spcPct val="0"/>
-                        </a:spcAft>
-                        <a:defRPr sz="1400">
-                          <a:solidFill>
-                            <a:schemeClr val="tx1"/>
-                          </a:solidFill>
-                          <a:latin typeface="Trebuchet MS" panose="020B0603020202020204" pitchFamily="34" charset="0"/>
-                          <a:cs typeface="Arial" panose="020B0604020202020204" pitchFamily="34" charset="0"/>
-                        </a:defRPr>
-                      </a:lvl8pPr>
-                      <a:lvl9pPr fontAlgn="base">
-                        <a:spcBef>
-                          <a:spcPct val="20000"/>
-                        </a:spcBef>
-                        <a:spcAft>
-                          <a:spcPct val="0"/>
-                        </a:spcAft>
-                        <a:defRPr sz="1400">
-                          <a:solidFill>
-                            <a:schemeClr val="tx1"/>
-                          </a:solidFill>
-                          <a:latin typeface="Trebuchet MS" panose="020B0603020202020204" pitchFamily="34" charset="0"/>
-                          <a:cs typeface="Arial" panose="020B0604020202020204" pitchFamily="34" charset="0"/>
-                        </a:defRPr>
-                      </a:lvl9pPr>
-                    </a:lstStyle>
-                    <a:p>
-                      <a:pPr marL="0" marR="0" lvl="0" indent="0" algn="ctr" defTabSz="914400" rtl="0" eaLnBrk="1" fontAlgn="base" latinLnBrk="0" hangingPunct="1">
-                        <a:lnSpc>
-                          <a:spcPct val="100000"/>
-                        </a:lnSpc>
-                        <a:spcBef>
-                          <a:spcPct val="20000"/>
-                        </a:spcBef>
-                        <a:spcAft>
-                          <a:spcPct val="0"/>
-                        </a:spcAft>
-                        <a:buClrTx/>
-                        <a:buSzTx/>
-                        <a:buFontTx/>
-                        <a:buNone/>
-                        <a:tabLst/>
-                      </a:pPr>
-                      <a:r>
-                        <a:rPr kumimoji="0" lang="en-US" altLang="en-US" sz="2800" b="0" i="0" u="none" strike="noStrike" cap="none" normalizeH="0" baseline="0" smtClean="0">
-                          <a:ln>
-                            <a:noFill/>
-                          </a:ln>
-                          <a:solidFill>
-                            <a:srgbClr val="0066FF"/>
-                          </a:solidFill>
-                          <a:effectLst/>
-                          <a:latin typeface="Trebuchet MS" panose="020B0603020202020204" pitchFamily="34" charset="0"/>
-                          <a:cs typeface="Arial" panose="020B0604020202020204" pitchFamily="34" charset="0"/>
-                        </a:rPr>
-                        <a:t>+1</a:t>
-                      </a:r>
-                    </a:p>
-                  </a:txBody>
-                  <a:tcPr anchor="ctr" horzOverflow="overflow">
-                    <a:lnL w="12700" cap="flat" cmpd="sng" algn="ctr">
-                      <a:solidFill>
-                        <a:schemeClr val="tx1"/>
-                      </a:solidFill>
-                      <a:prstDash val="solid"/>
-                      <a:round/>
-                      <a:headEnd type="none" w="med" len="med"/>
-                      <a:tailEnd type="none" w="med" len="med"/>
-                    </a:lnL>
-                    <a:lnR w="28575" cap="flat" cmpd="sng" algn="ctr">
-                      <a:solidFill>
-                        <a:schemeClr val="tx1"/>
-                      </a:solidFill>
-                      <a:prstDash val="solid"/>
-                      <a:round/>
-                      <a:headEnd type="none" w="med" len="med"/>
-                      <a:tailEnd type="none" w="med" len="med"/>
-                    </a:lnR>
-                    <a:lnT w="28575" cap="flat" cmpd="sng" algn="ctr">
-                      <a:solidFill>
-                        <a:schemeClr val="tx1"/>
-                      </a:solidFill>
-                      <a:prstDash val="solid"/>
-                      <a:round/>
-                      <a:headEnd type="none" w="med" len="med"/>
-                      <a:tailEnd type="none" w="med" len="med"/>
-                    </a:lnT>
-                    <a:lnB w="12700" cap="flat" cmpd="sng" algn="ctr">
-                      <a:solidFill>
-                        <a:schemeClr val="tx1"/>
-                      </a:solidFill>
-                      <a:prstDash val="solid"/>
-                      <a:round/>
-                      <a:headEnd type="none" w="med" len="med"/>
-                      <a:tailEnd type="none" w="med" len="med"/>
-                    </a:lnB>
-                    <a:lnTlToBr>
-                      <a:noFill/>
-                    </a:lnTlToBr>
-                    <a:lnBlToTr>
-                      <a:noFill/>
-                    </a:lnBlToTr>
-                    <a:noFill/>
-                  </a:tcPr>
-                </a:tc>
-                <a:extLst>
-                  <a:ext uri="{0D108BD9-81ED-4DB2-BD59-A6C34878D82A}">
-                    <a16:rowId xmlns:a16="http://schemas.microsoft.com/office/drawing/2014/main" val="2119399319"/>
-                  </a:ext>
-                </a:extLst>
-              </a:tr>
-              <a:tr h="912813">
-                <a:tc>
-                  <a:txBody>
-                    <a:bodyPr/>
-                    <a:lstStyle>
-                      <a:lvl1pPr>
-                        <a:spcBef>
-                          <a:spcPct val="20000"/>
-                        </a:spcBef>
-                        <a:defRPr sz="2000">
-                          <a:solidFill>
-                            <a:srgbClr val="0066FF"/>
-                          </a:solidFill>
-                          <a:latin typeface="Trebuchet MS" panose="020B0603020202020204" pitchFamily="34" charset="0"/>
-                          <a:cs typeface="Arial" panose="020B0604020202020204" pitchFamily="34" charset="0"/>
-                        </a:defRPr>
-                      </a:lvl1pPr>
-                      <a:lvl2pPr>
-                        <a:spcBef>
-                          <a:spcPct val="20000"/>
-                        </a:spcBef>
-                        <a:defRPr>
-                          <a:solidFill>
-                            <a:schemeClr val="tx1"/>
-                          </a:solidFill>
-                          <a:latin typeface="Trebuchet MS" panose="020B0603020202020204" pitchFamily="34" charset="0"/>
-                          <a:cs typeface="Arial" panose="020B0604020202020204" pitchFamily="34" charset="0"/>
-                        </a:defRPr>
-                      </a:lvl2pPr>
-                      <a:lvl3pPr>
-                        <a:spcBef>
-                          <a:spcPct val="20000"/>
-                        </a:spcBef>
-                        <a:defRPr sz="1600">
-                          <a:solidFill>
-                            <a:schemeClr val="tx1"/>
-                          </a:solidFill>
-                          <a:latin typeface="Trebuchet MS" panose="020B0603020202020204" pitchFamily="34" charset="0"/>
-                          <a:cs typeface="Arial" panose="020B0604020202020204" pitchFamily="34" charset="0"/>
-                        </a:defRPr>
-                      </a:lvl3pPr>
-                      <a:lvl4pPr>
-                        <a:spcBef>
-                          <a:spcPct val="20000"/>
-                        </a:spcBef>
-                        <a:defRPr sz="1400">
-                          <a:solidFill>
-                            <a:schemeClr val="tx1"/>
-                          </a:solidFill>
-                          <a:latin typeface="Trebuchet MS" panose="020B0603020202020204" pitchFamily="34" charset="0"/>
-                          <a:cs typeface="Arial" panose="020B0604020202020204" pitchFamily="34" charset="0"/>
-                        </a:defRPr>
-                      </a:lvl4pPr>
-                      <a:lvl5pPr>
-                        <a:spcBef>
-                          <a:spcPct val="20000"/>
-                        </a:spcBef>
-                        <a:defRPr sz="1400">
-                          <a:solidFill>
-                            <a:schemeClr val="tx1"/>
-                          </a:solidFill>
-                          <a:latin typeface="Trebuchet MS" panose="020B0603020202020204" pitchFamily="34" charset="0"/>
-                          <a:cs typeface="Arial" panose="020B0604020202020204" pitchFamily="34" charset="0"/>
-                        </a:defRPr>
-                      </a:lvl5pPr>
-                      <a:lvl6pPr fontAlgn="base">
-                        <a:spcBef>
-                          <a:spcPct val="20000"/>
-                        </a:spcBef>
-                        <a:spcAft>
-                          <a:spcPct val="0"/>
-                        </a:spcAft>
-                        <a:defRPr sz="1400">
-                          <a:solidFill>
-                            <a:schemeClr val="tx1"/>
-                          </a:solidFill>
-                          <a:latin typeface="Trebuchet MS" panose="020B0603020202020204" pitchFamily="34" charset="0"/>
-                          <a:cs typeface="Arial" panose="020B0604020202020204" pitchFamily="34" charset="0"/>
-                        </a:defRPr>
-                      </a:lvl6pPr>
-                      <a:lvl7pPr fontAlgn="base">
-                        <a:spcBef>
-                          <a:spcPct val="20000"/>
-                        </a:spcBef>
-                        <a:spcAft>
-                          <a:spcPct val="0"/>
-                        </a:spcAft>
-                        <a:defRPr sz="1400">
-                          <a:solidFill>
-                            <a:schemeClr val="tx1"/>
-                          </a:solidFill>
-                          <a:latin typeface="Trebuchet MS" panose="020B0603020202020204" pitchFamily="34" charset="0"/>
-                          <a:cs typeface="Arial" panose="020B0604020202020204" pitchFamily="34" charset="0"/>
-                        </a:defRPr>
-                      </a:lvl7pPr>
-                      <a:lvl8pPr fontAlgn="base">
-                        <a:spcBef>
-                          <a:spcPct val="20000"/>
-                        </a:spcBef>
-                        <a:spcAft>
-                          <a:spcPct val="0"/>
-                        </a:spcAft>
-                        <a:defRPr sz="1400">
-                          <a:solidFill>
-                            <a:schemeClr val="tx1"/>
-                          </a:solidFill>
-                          <a:latin typeface="Trebuchet MS" panose="020B0603020202020204" pitchFamily="34" charset="0"/>
-                          <a:cs typeface="Arial" panose="020B0604020202020204" pitchFamily="34" charset="0"/>
-                        </a:defRPr>
-                      </a:lvl8pPr>
-                      <a:lvl9pPr fontAlgn="base">
-                        <a:spcBef>
-                          <a:spcPct val="20000"/>
-                        </a:spcBef>
-                        <a:spcAft>
-                          <a:spcPct val="0"/>
-                        </a:spcAft>
-                        <a:defRPr sz="1400">
-                          <a:solidFill>
-                            <a:schemeClr val="tx1"/>
-                          </a:solidFill>
-                          <a:latin typeface="Trebuchet MS" panose="020B0603020202020204" pitchFamily="34" charset="0"/>
-                          <a:cs typeface="Arial" panose="020B0604020202020204" pitchFamily="34" charset="0"/>
-                        </a:defRPr>
-                      </a:lvl9pPr>
-                    </a:lstStyle>
-                    <a:p>
-                      <a:pPr marL="0" marR="0" lvl="0" indent="0" algn="ctr" defTabSz="914400" rtl="0" eaLnBrk="1" fontAlgn="base" latinLnBrk="0" hangingPunct="1">
-                        <a:lnSpc>
-                          <a:spcPct val="100000"/>
-                        </a:lnSpc>
-                        <a:spcBef>
-                          <a:spcPct val="20000"/>
-                        </a:spcBef>
-                        <a:spcAft>
-                          <a:spcPct val="0"/>
-                        </a:spcAft>
-                        <a:buClrTx/>
-                        <a:buSzTx/>
-                        <a:buFontTx/>
-                        <a:buNone/>
-                        <a:tabLst/>
-                      </a:pPr>
-                      <a:endParaRPr kumimoji="0" lang="en-US" altLang="en-US" sz="2000" b="0" i="0" u="none" strike="noStrike" cap="none" normalizeH="0" baseline="0" smtClean="0">
-                        <a:ln>
-                          <a:noFill/>
-                        </a:ln>
-                        <a:solidFill>
-                          <a:srgbClr val="0066FF"/>
-                        </a:solidFill>
-                        <a:effectLst/>
-                        <a:latin typeface="Trebuchet MS" panose="020B0603020202020204" pitchFamily="34" charset="0"/>
-                        <a:cs typeface="Arial" panose="020B0604020202020204" pitchFamily="34" charset="0"/>
-                      </a:endParaRPr>
-                    </a:p>
-                  </a:txBody>
-                  <a:tcPr anchor="ctr" horzOverflow="overflow">
-                    <a:lnL w="28575" cap="flat" cmpd="sng" algn="ctr">
-                      <a:solidFill>
-                        <a:schemeClr val="tx1"/>
-                      </a:solidFill>
-                      <a:prstDash val="solid"/>
-                      <a:round/>
-                      <a:headEnd type="none" w="med" len="med"/>
-                      <a:tailEnd type="none" w="med" len="med"/>
-                    </a:lnL>
-                    <a:lnR w="12700" cap="flat" cmpd="sng" algn="ctr">
-                      <a:solidFill>
-                        <a:schemeClr val="tx1"/>
-                      </a:solidFill>
-                      <a:prstDash val="solid"/>
-                      <a:round/>
-                      <a:headEnd type="none" w="med" len="med"/>
-                      <a:tailEnd type="none" w="med" len="med"/>
-                    </a:lnR>
-                    <a:lnT w="12700" cap="flat" cmpd="sng" algn="ctr">
-                      <a:solidFill>
-                        <a:schemeClr val="tx1"/>
-                      </a:solidFill>
-                      <a:prstDash val="solid"/>
-                      <a:round/>
-                      <a:headEnd type="none" w="med" len="med"/>
-                      <a:tailEnd type="none" w="med" len="med"/>
-                    </a:lnT>
-                    <a:lnB w="12700" cap="flat" cmpd="sng" algn="ctr">
-                      <a:solidFill>
-                        <a:schemeClr val="tx1"/>
-                      </a:solidFill>
-                      <a:prstDash val="solid"/>
-                      <a:round/>
-                      <a:headEnd type="none" w="med" len="med"/>
-                      <a:tailEnd type="none" w="med" len="med"/>
-                    </a:lnB>
-                    <a:lnTlToBr>
-                      <a:noFill/>
-                    </a:lnTlToBr>
-                    <a:lnBlToTr>
-                      <a:noFill/>
-                    </a:lnBlToTr>
-                    <a:noFill/>
-                  </a:tcPr>
-                </a:tc>
-                <a:tc>
-                  <a:txBody>
-                    <a:bodyPr/>
-                    <a:lstStyle>
-                      <a:lvl1pPr>
-                        <a:spcBef>
-                          <a:spcPct val="20000"/>
-                        </a:spcBef>
-                        <a:defRPr sz="2000">
-                          <a:solidFill>
-                            <a:srgbClr val="0066FF"/>
-                          </a:solidFill>
-                          <a:latin typeface="Trebuchet MS" panose="020B0603020202020204" pitchFamily="34" charset="0"/>
-                          <a:cs typeface="Arial" panose="020B0604020202020204" pitchFamily="34" charset="0"/>
-                        </a:defRPr>
-                      </a:lvl1pPr>
-                      <a:lvl2pPr>
-                        <a:spcBef>
-                          <a:spcPct val="20000"/>
-                        </a:spcBef>
-                        <a:defRPr>
-                          <a:solidFill>
-                            <a:schemeClr val="tx1"/>
-                          </a:solidFill>
-                          <a:latin typeface="Trebuchet MS" panose="020B0603020202020204" pitchFamily="34" charset="0"/>
-                          <a:cs typeface="Arial" panose="020B0604020202020204" pitchFamily="34" charset="0"/>
-                        </a:defRPr>
-                      </a:lvl2pPr>
-                      <a:lvl3pPr>
-                        <a:spcBef>
-                          <a:spcPct val="20000"/>
-                        </a:spcBef>
-                        <a:defRPr sz="1600">
-                          <a:solidFill>
-                            <a:schemeClr val="tx1"/>
-                          </a:solidFill>
-                          <a:latin typeface="Trebuchet MS" panose="020B0603020202020204" pitchFamily="34" charset="0"/>
-                          <a:cs typeface="Arial" panose="020B0604020202020204" pitchFamily="34" charset="0"/>
-                        </a:defRPr>
-                      </a:lvl3pPr>
-                      <a:lvl4pPr>
-                        <a:spcBef>
-                          <a:spcPct val="20000"/>
-                        </a:spcBef>
-                        <a:defRPr sz="1400">
-                          <a:solidFill>
-                            <a:schemeClr val="tx1"/>
-                          </a:solidFill>
-                          <a:latin typeface="Trebuchet MS" panose="020B0603020202020204" pitchFamily="34" charset="0"/>
-                          <a:cs typeface="Arial" panose="020B0604020202020204" pitchFamily="34" charset="0"/>
-                        </a:defRPr>
-                      </a:lvl4pPr>
-                      <a:lvl5pPr>
-                        <a:spcBef>
-                          <a:spcPct val="20000"/>
-                        </a:spcBef>
-                        <a:defRPr sz="1400">
-                          <a:solidFill>
-                            <a:schemeClr val="tx1"/>
-                          </a:solidFill>
-                          <a:latin typeface="Trebuchet MS" panose="020B0603020202020204" pitchFamily="34" charset="0"/>
-                          <a:cs typeface="Arial" panose="020B0604020202020204" pitchFamily="34" charset="0"/>
-                        </a:defRPr>
-                      </a:lvl5pPr>
-                      <a:lvl6pPr fontAlgn="base">
-                        <a:spcBef>
-                          <a:spcPct val="20000"/>
-                        </a:spcBef>
-                        <a:spcAft>
-                          <a:spcPct val="0"/>
-                        </a:spcAft>
-                        <a:defRPr sz="1400">
-                          <a:solidFill>
-                            <a:schemeClr val="tx1"/>
-                          </a:solidFill>
-                          <a:latin typeface="Trebuchet MS" panose="020B0603020202020204" pitchFamily="34" charset="0"/>
-                          <a:cs typeface="Arial" panose="020B0604020202020204" pitchFamily="34" charset="0"/>
-                        </a:defRPr>
-                      </a:lvl6pPr>
-                      <a:lvl7pPr fontAlgn="base">
-                        <a:spcBef>
-                          <a:spcPct val="20000"/>
-                        </a:spcBef>
-                        <a:spcAft>
-                          <a:spcPct val="0"/>
-                        </a:spcAft>
-                        <a:defRPr sz="1400">
-                          <a:solidFill>
-                            <a:schemeClr val="tx1"/>
-                          </a:solidFill>
-                          <a:latin typeface="Trebuchet MS" panose="020B0603020202020204" pitchFamily="34" charset="0"/>
-                          <a:cs typeface="Arial" panose="020B0604020202020204" pitchFamily="34" charset="0"/>
-                        </a:defRPr>
-                      </a:lvl7pPr>
-                      <a:lvl8pPr fontAlgn="base">
-                        <a:spcBef>
-                          <a:spcPct val="20000"/>
-                        </a:spcBef>
-                        <a:spcAft>
-                          <a:spcPct val="0"/>
-                        </a:spcAft>
-                        <a:defRPr sz="1400">
-                          <a:solidFill>
-                            <a:schemeClr val="tx1"/>
-                          </a:solidFill>
-                          <a:latin typeface="Trebuchet MS" panose="020B0603020202020204" pitchFamily="34" charset="0"/>
-                          <a:cs typeface="Arial" panose="020B0604020202020204" pitchFamily="34" charset="0"/>
-                        </a:defRPr>
-                      </a:lvl8pPr>
-                      <a:lvl9pPr fontAlgn="base">
-                        <a:spcBef>
-                          <a:spcPct val="20000"/>
-                        </a:spcBef>
-                        <a:spcAft>
-                          <a:spcPct val="0"/>
-                        </a:spcAft>
-                        <a:defRPr sz="1400">
-                          <a:solidFill>
-                            <a:schemeClr val="tx1"/>
-                          </a:solidFill>
-                          <a:latin typeface="Trebuchet MS" panose="020B0603020202020204" pitchFamily="34" charset="0"/>
-                          <a:cs typeface="Arial" panose="020B0604020202020204" pitchFamily="34" charset="0"/>
-                        </a:defRPr>
-                      </a:lvl9pPr>
-                    </a:lstStyle>
-                    <a:p>
-                      <a:pPr marL="0" marR="0" lvl="0" indent="0" algn="ctr" defTabSz="914400" rtl="0" eaLnBrk="1" fontAlgn="base" latinLnBrk="0" hangingPunct="1">
-                        <a:lnSpc>
-                          <a:spcPct val="100000"/>
-                        </a:lnSpc>
-                        <a:spcBef>
-                          <a:spcPct val="20000"/>
-                        </a:spcBef>
-                        <a:spcAft>
-                          <a:spcPct val="0"/>
-                        </a:spcAft>
-                        <a:buClrTx/>
-                        <a:buSzTx/>
-                        <a:buFontTx/>
-                        <a:buNone/>
-                        <a:tabLst/>
-                      </a:pPr>
-                      <a:endParaRPr kumimoji="0" lang="en-US" altLang="en-US" sz="2000" b="0" i="0" u="none" strike="noStrike" cap="none" normalizeH="0" baseline="0" smtClean="0">
-                        <a:ln>
-                          <a:noFill/>
-                        </a:ln>
-                        <a:solidFill>
-                          <a:srgbClr val="0066FF"/>
-                        </a:solidFill>
-                        <a:effectLst/>
-                        <a:latin typeface="Trebuchet MS" panose="020B0603020202020204" pitchFamily="34" charset="0"/>
-                        <a:cs typeface="Arial" panose="020B0604020202020204" pitchFamily="34" charset="0"/>
-                      </a:endParaRPr>
-                    </a:p>
-                  </a:txBody>
-                  <a:tcPr anchor="ctr" horzOverflow="overflow">
-                    <a:lnL w="12700" cap="flat" cmpd="sng" algn="ctr">
-                      <a:solidFill>
-                        <a:schemeClr val="tx1"/>
-                      </a:solidFill>
-                      <a:prstDash val="solid"/>
-                      <a:round/>
-                      <a:headEnd type="none" w="med" len="med"/>
-                      <a:tailEnd type="none" w="med" len="med"/>
-                    </a:lnL>
-                    <a:lnR w="12700" cap="flat" cmpd="sng" algn="ctr">
-                      <a:solidFill>
-                        <a:schemeClr val="tx1"/>
-                      </a:solidFill>
-                      <a:prstDash val="solid"/>
-                      <a:round/>
-                      <a:headEnd type="none" w="med" len="med"/>
-                      <a:tailEnd type="none" w="med" len="med"/>
-                    </a:lnR>
-                    <a:lnT w="12700" cap="flat" cmpd="sng" algn="ctr">
-                      <a:solidFill>
-                        <a:schemeClr val="tx1"/>
-                      </a:solidFill>
-                      <a:prstDash val="solid"/>
-                      <a:round/>
-                      <a:headEnd type="none" w="med" len="med"/>
-                      <a:tailEnd type="none" w="med" len="med"/>
-                    </a:lnT>
-                    <a:lnB w="12700" cap="flat" cmpd="sng" algn="ctr">
-                      <a:solidFill>
-                        <a:schemeClr val="tx1"/>
-                      </a:solidFill>
-                      <a:prstDash val="solid"/>
-                      <a:round/>
-                      <a:headEnd type="none" w="med" len="med"/>
-                      <a:tailEnd type="none" w="med" len="med"/>
-                    </a:lnB>
-                    <a:lnTlToBr>
-                      <a:noFill/>
-                    </a:lnTlToBr>
-                    <a:lnBlToTr>
-                      <a:noFill/>
-                    </a:lnBlToTr>
-                    <a:solidFill>
-                      <a:schemeClr val="bg2"/>
-                    </a:solidFill>
-                  </a:tcPr>
-                </a:tc>
-                <a:tc>
-                  <a:txBody>
-                    <a:bodyPr/>
-                    <a:lstStyle>
-                      <a:lvl1pPr>
-                        <a:spcBef>
-                          <a:spcPct val="20000"/>
-                        </a:spcBef>
-                        <a:defRPr sz="2000">
-                          <a:solidFill>
-                            <a:srgbClr val="0066FF"/>
-                          </a:solidFill>
-                          <a:latin typeface="Trebuchet MS" panose="020B0603020202020204" pitchFamily="34" charset="0"/>
-                          <a:cs typeface="Arial" panose="020B0604020202020204" pitchFamily="34" charset="0"/>
-                        </a:defRPr>
-                      </a:lvl1pPr>
-                      <a:lvl2pPr>
-                        <a:spcBef>
-                          <a:spcPct val="20000"/>
-                        </a:spcBef>
-                        <a:defRPr>
-                          <a:solidFill>
-                            <a:schemeClr val="tx1"/>
-                          </a:solidFill>
-                          <a:latin typeface="Trebuchet MS" panose="020B0603020202020204" pitchFamily="34" charset="0"/>
-                          <a:cs typeface="Arial" panose="020B0604020202020204" pitchFamily="34" charset="0"/>
-                        </a:defRPr>
-                      </a:lvl2pPr>
-                      <a:lvl3pPr>
-                        <a:spcBef>
-                          <a:spcPct val="20000"/>
-                        </a:spcBef>
-                        <a:defRPr sz="1600">
-                          <a:solidFill>
-                            <a:schemeClr val="tx1"/>
-                          </a:solidFill>
-                          <a:latin typeface="Trebuchet MS" panose="020B0603020202020204" pitchFamily="34" charset="0"/>
-                          <a:cs typeface="Arial" panose="020B0604020202020204" pitchFamily="34" charset="0"/>
-                        </a:defRPr>
-                      </a:lvl3pPr>
-                      <a:lvl4pPr>
-                        <a:spcBef>
-                          <a:spcPct val="20000"/>
-                        </a:spcBef>
-                        <a:defRPr sz="1400">
-                          <a:solidFill>
-                            <a:schemeClr val="tx1"/>
-                          </a:solidFill>
-                          <a:latin typeface="Trebuchet MS" panose="020B0603020202020204" pitchFamily="34" charset="0"/>
-                          <a:cs typeface="Arial" panose="020B0604020202020204" pitchFamily="34" charset="0"/>
-                        </a:defRPr>
-                      </a:lvl4pPr>
-                      <a:lvl5pPr>
-                        <a:spcBef>
-                          <a:spcPct val="20000"/>
-                        </a:spcBef>
-                        <a:defRPr sz="1400">
-                          <a:solidFill>
-                            <a:schemeClr val="tx1"/>
-                          </a:solidFill>
-                          <a:latin typeface="Trebuchet MS" panose="020B0603020202020204" pitchFamily="34" charset="0"/>
-                          <a:cs typeface="Arial" panose="020B0604020202020204" pitchFamily="34" charset="0"/>
-                        </a:defRPr>
-                      </a:lvl5pPr>
-                      <a:lvl6pPr fontAlgn="base">
-                        <a:spcBef>
-                          <a:spcPct val="20000"/>
-                        </a:spcBef>
-                        <a:spcAft>
-                          <a:spcPct val="0"/>
-                        </a:spcAft>
-                        <a:defRPr sz="1400">
-                          <a:solidFill>
-                            <a:schemeClr val="tx1"/>
-                          </a:solidFill>
-                          <a:latin typeface="Trebuchet MS" panose="020B0603020202020204" pitchFamily="34" charset="0"/>
-                          <a:cs typeface="Arial" panose="020B0604020202020204" pitchFamily="34" charset="0"/>
-                        </a:defRPr>
-                      </a:lvl6pPr>
-                      <a:lvl7pPr fontAlgn="base">
-                        <a:spcBef>
-                          <a:spcPct val="20000"/>
-                        </a:spcBef>
-                        <a:spcAft>
-                          <a:spcPct val="0"/>
-                        </a:spcAft>
-                        <a:defRPr sz="1400">
-                          <a:solidFill>
-                            <a:schemeClr val="tx1"/>
-                          </a:solidFill>
-                          <a:latin typeface="Trebuchet MS" panose="020B0603020202020204" pitchFamily="34" charset="0"/>
-                          <a:cs typeface="Arial" panose="020B0604020202020204" pitchFamily="34" charset="0"/>
-                        </a:defRPr>
-                      </a:lvl7pPr>
-                      <a:lvl8pPr fontAlgn="base">
-                        <a:spcBef>
-                          <a:spcPct val="20000"/>
-                        </a:spcBef>
-                        <a:spcAft>
-                          <a:spcPct val="0"/>
-                        </a:spcAft>
-                        <a:defRPr sz="1400">
-                          <a:solidFill>
-                            <a:schemeClr val="tx1"/>
-                          </a:solidFill>
-                          <a:latin typeface="Trebuchet MS" panose="020B0603020202020204" pitchFamily="34" charset="0"/>
-                          <a:cs typeface="Arial" panose="020B0604020202020204" pitchFamily="34" charset="0"/>
-                        </a:defRPr>
-                      </a:lvl8pPr>
-                      <a:lvl9pPr fontAlgn="base">
-                        <a:spcBef>
-                          <a:spcPct val="20000"/>
-                        </a:spcBef>
-                        <a:spcAft>
-                          <a:spcPct val="0"/>
-                        </a:spcAft>
-                        <a:defRPr sz="1400">
-                          <a:solidFill>
-                            <a:schemeClr val="tx1"/>
-                          </a:solidFill>
-                          <a:latin typeface="Trebuchet MS" panose="020B0603020202020204" pitchFamily="34" charset="0"/>
-                          <a:cs typeface="Arial" panose="020B0604020202020204" pitchFamily="34" charset="0"/>
-                        </a:defRPr>
-                      </a:lvl9pPr>
-                    </a:lstStyle>
-                    <a:p>
-                      <a:pPr marL="0" marR="0" lvl="0" indent="0" algn="ctr" defTabSz="914400" rtl="0" eaLnBrk="1" fontAlgn="base" latinLnBrk="0" hangingPunct="1">
-                        <a:lnSpc>
-                          <a:spcPct val="100000"/>
-                        </a:lnSpc>
-                        <a:spcBef>
-                          <a:spcPct val="20000"/>
-                        </a:spcBef>
-                        <a:spcAft>
-                          <a:spcPct val="0"/>
-                        </a:spcAft>
-                        <a:buClrTx/>
-                        <a:buSzTx/>
-                        <a:buFontTx/>
-                        <a:buNone/>
-                        <a:tabLst/>
-                      </a:pPr>
-                      <a:endParaRPr kumimoji="0" lang="en-US" altLang="en-US" sz="2000" b="0" i="0" u="none" strike="noStrike" cap="none" normalizeH="0" baseline="0" smtClean="0">
-                        <a:ln>
-                          <a:noFill/>
-                        </a:ln>
-                        <a:solidFill>
-                          <a:srgbClr val="0066FF"/>
-                        </a:solidFill>
-                        <a:effectLst/>
-                        <a:latin typeface="Trebuchet MS" panose="020B0603020202020204" pitchFamily="34" charset="0"/>
-                        <a:cs typeface="Arial" panose="020B0604020202020204" pitchFamily="34" charset="0"/>
-                      </a:endParaRPr>
-                    </a:p>
-                  </a:txBody>
-                  <a:tcPr anchor="ctr" horzOverflow="overflow">
-                    <a:lnL w="12700" cap="flat" cmpd="sng" algn="ctr">
-                      <a:solidFill>
-                        <a:schemeClr val="tx1"/>
-                      </a:solidFill>
-                      <a:prstDash val="solid"/>
-                      <a:round/>
-                      <a:headEnd type="none" w="med" len="med"/>
-                      <a:tailEnd type="none" w="med" len="med"/>
-                    </a:lnL>
-                    <a:lnR w="12700" cap="flat" cmpd="sng" algn="ctr">
-                      <a:solidFill>
-                        <a:schemeClr val="tx1"/>
-                      </a:solidFill>
-                      <a:prstDash val="solid"/>
-                      <a:round/>
-                      <a:headEnd type="none" w="med" len="med"/>
-                      <a:tailEnd type="none" w="med" len="med"/>
-                    </a:lnR>
-                    <a:lnT w="12700" cap="flat" cmpd="sng" algn="ctr">
-                      <a:solidFill>
-                        <a:schemeClr val="tx1"/>
-                      </a:solidFill>
-                      <a:prstDash val="solid"/>
-                      <a:round/>
-                      <a:headEnd type="none" w="med" len="med"/>
-                      <a:tailEnd type="none" w="med" len="med"/>
-                    </a:lnT>
-                    <a:lnB w="12700" cap="flat" cmpd="sng" algn="ctr">
-                      <a:solidFill>
-                        <a:schemeClr val="tx1"/>
-                      </a:solidFill>
-                      <a:prstDash val="solid"/>
-                      <a:round/>
-                      <a:headEnd type="none" w="med" len="med"/>
-                      <a:tailEnd type="none" w="med" len="med"/>
-                    </a:lnB>
-                    <a:lnTlToBr>
-                      <a:noFill/>
-                    </a:lnTlToBr>
-                    <a:lnBlToTr>
-                      <a:noFill/>
-                    </a:lnBlToTr>
-                    <a:noFill/>
-                  </a:tcPr>
-                </a:tc>
-                <a:tc>
-                  <a:txBody>
-                    <a:bodyPr/>
-                    <a:lstStyle>
-                      <a:lvl1pPr>
-                        <a:spcBef>
-                          <a:spcPct val="20000"/>
-                        </a:spcBef>
-                        <a:defRPr sz="2000">
-                          <a:solidFill>
-                            <a:srgbClr val="0066FF"/>
-                          </a:solidFill>
-                          <a:latin typeface="Trebuchet MS" panose="020B0603020202020204" pitchFamily="34" charset="0"/>
-                          <a:cs typeface="Arial" panose="020B0604020202020204" pitchFamily="34" charset="0"/>
-                        </a:defRPr>
-                      </a:lvl1pPr>
-                      <a:lvl2pPr>
-                        <a:spcBef>
-                          <a:spcPct val="20000"/>
-                        </a:spcBef>
-                        <a:defRPr>
-                          <a:solidFill>
-                            <a:schemeClr val="tx1"/>
-                          </a:solidFill>
-                          <a:latin typeface="Trebuchet MS" panose="020B0603020202020204" pitchFamily="34" charset="0"/>
-                          <a:cs typeface="Arial" panose="020B0604020202020204" pitchFamily="34" charset="0"/>
-                        </a:defRPr>
-                      </a:lvl2pPr>
-                      <a:lvl3pPr>
-                        <a:spcBef>
-                          <a:spcPct val="20000"/>
-                        </a:spcBef>
-                        <a:defRPr sz="1600">
-                          <a:solidFill>
-                            <a:schemeClr val="tx1"/>
-                          </a:solidFill>
-                          <a:latin typeface="Trebuchet MS" panose="020B0603020202020204" pitchFamily="34" charset="0"/>
-                          <a:cs typeface="Arial" panose="020B0604020202020204" pitchFamily="34" charset="0"/>
-                        </a:defRPr>
-                      </a:lvl3pPr>
-                      <a:lvl4pPr>
-                        <a:spcBef>
-                          <a:spcPct val="20000"/>
-                        </a:spcBef>
-                        <a:defRPr sz="1400">
-                          <a:solidFill>
-                            <a:schemeClr val="tx1"/>
-                          </a:solidFill>
-                          <a:latin typeface="Trebuchet MS" panose="020B0603020202020204" pitchFamily="34" charset="0"/>
-                          <a:cs typeface="Arial" panose="020B0604020202020204" pitchFamily="34" charset="0"/>
-                        </a:defRPr>
-                      </a:lvl4pPr>
-                      <a:lvl5pPr>
-                        <a:spcBef>
-                          <a:spcPct val="20000"/>
-                        </a:spcBef>
-                        <a:defRPr sz="1400">
-                          <a:solidFill>
-                            <a:schemeClr val="tx1"/>
-                          </a:solidFill>
-                          <a:latin typeface="Trebuchet MS" panose="020B0603020202020204" pitchFamily="34" charset="0"/>
-                          <a:cs typeface="Arial" panose="020B0604020202020204" pitchFamily="34" charset="0"/>
-                        </a:defRPr>
-                      </a:lvl5pPr>
-                      <a:lvl6pPr fontAlgn="base">
-                        <a:spcBef>
-                          <a:spcPct val="20000"/>
-                        </a:spcBef>
-                        <a:spcAft>
-                          <a:spcPct val="0"/>
-                        </a:spcAft>
-                        <a:defRPr sz="1400">
-                          <a:solidFill>
-                            <a:schemeClr val="tx1"/>
-                          </a:solidFill>
-                          <a:latin typeface="Trebuchet MS" panose="020B0603020202020204" pitchFamily="34" charset="0"/>
-                          <a:cs typeface="Arial" panose="020B0604020202020204" pitchFamily="34" charset="0"/>
-                        </a:defRPr>
-                      </a:lvl6pPr>
-                      <a:lvl7pPr fontAlgn="base">
-                        <a:spcBef>
-                          <a:spcPct val="20000"/>
-                        </a:spcBef>
-                        <a:spcAft>
-                          <a:spcPct val="0"/>
-                        </a:spcAft>
-                        <a:defRPr sz="1400">
-                          <a:solidFill>
-                            <a:schemeClr val="tx1"/>
-                          </a:solidFill>
-                          <a:latin typeface="Trebuchet MS" panose="020B0603020202020204" pitchFamily="34" charset="0"/>
-                          <a:cs typeface="Arial" panose="020B0604020202020204" pitchFamily="34" charset="0"/>
-                        </a:defRPr>
-                      </a:lvl7pPr>
-                      <a:lvl8pPr fontAlgn="base">
-                        <a:spcBef>
-                          <a:spcPct val="20000"/>
-                        </a:spcBef>
-                        <a:spcAft>
-                          <a:spcPct val="0"/>
-                        </a:spcAft>
-                        <a:defRPr sz="1400">
-                          <a:solidFill>
-                            <a:schemeClr val="tx1"/>
-                          </a:solidFill>
-                          <a:latin typeface="Trebuchet MS" panose="020B0603020202020204" pitchFamily="34" charset="0"/>
-                          <a:cs typeface="Arial" panose="020B0604020202020204" pitchFamily="34" charset="0"/>
-                        </a:defRPr>
-                      </a:lvl8pPr>
-                      <a:lvl9pPr fontAlgn="base">
-                        <a:spcBef>
-                          <a:spcPct val="20000"/>
-                        </a:spcBef>
-                        <a:spcAft>
-                          <a:spcPct val="0"/>
-                        </a:spcAft>
-                        <a:defRPr sz="1400">
-                          <a:solidFill>
-                            <a:schemeClr val="tx1"/>
-                          </a:solidFill>
-                          <a:latin typeface="Trebuchet MS" panose="020B0603020202020204" pitchFamily="34" charset="0"/>
-                          <a:cs typeface="Arial" panose="020B0604020202020204" pitchFamily="34" charset="0"/>
-                        </a:defRPr>
-                      </a:lvl9pPr>
-                    </a:lstStyle>
-                    <a:p>
-                      <a:pPr marL="0" marR="0" lvl="0" indent="0" algn="ctr" defTabSz="914400" rtl="0" eaLnBrk="1" fontAlgn="base" latinLnBrk="0" hangingPunct="1">
-                        <a:lnSpc>
-                          <a:spcPct val="100000"/>
-                        </a:lnSpc>
-                        <a:spcBef>
-                          <a:spcPct val="20000"/>
-                        </a:spcBef>
-                        <a:spcAft>
-                          <a:spcPct val="0"/>
-                        </a:spcAft>
-                        <a:buClrTx/>
-                        <a:buSzTx/>
-                        <a:buFontTx/>
-                        <a:buNone/>
-                        <a:tabLst/>
-                      </a:pPr>
-                      <a:r>
-                        <a:rPr kumimoji="0" lang="en-US" altLang="en-US" sz="2800" b="0" i="0" u="none" strike="noStrike" cap="none" normalizeH="0" baseline="0" smtClean="0">
-                          <a:ln>
-                            <a:noFill/>
-                          </a:ln>
-                          <a:solidFill>
-                            <a:srgbClr val="0066FF"/>
-                          </a:solidFill>
-                          <a:effectLst/>
-                          <a:latin typeface="Trebuchet MS" panose="020B0603020202020204" pitchFamily="34" charset="0"/>
-                          <a:cs typeface="Arial" panose="020B0604020202020204" pitchFamily="34" charset="0"/>
-                        </a:rPr>
-                        <a:t>-1</a:t>
-                      </a:r>
-                    </a:p>
-                  </a:txBody>
-                  <a:tcPr anchor="ctr" horzOverflow="overflow">
-                    <a:lnL w="12700" cap="flat" cmpd="sng" algn="ctr">
-                      <a:solidFill>
-                        <a:schemeClr val="tx1"/>
-                      </a:solidFill>
-                      <a:prstDash val="solid"/>
-                      <a:round/>
-                      <a:headEnd type="none" w="med" len="med"/>
-                      <a:tailEnd type="none" w="med" len="med"/>
-                    </a:lnL>
-                    <a:lnR w="28575" cap="flat" cmpd="sng" algn="ctr">
-                      <a:solidFill>
-                        <a:schemeClr val="tx1"/>
-                      </a:solidFill>
-                      <a:prstDash val="solid"/>
-                      <a:round/>
-                      <a:headEnd type="none" w="med" len="med"/>
-                      <a:tailEnd type="none" w="med" len="med"/>
-                    </a:lnR>
-                    <a:lnT w="12700" cap="flat" cmpd="sng" algn="ctr">
-                      <a:solidFill>
-                        <a:schemeClr val="tx1"/>
-                      </a:solidFill>
-                      <a:prstDash val="solid"/>
-                      <a:round/>
-                      <a:headEnd type="none" w="med" len="med"/>
-                      <a:tailEnd type="none" w="med" len="med"/>
-                    </a:lnT>
-                    <a:lnB w="12700" cap="flat" cmpd="sng" algn="ctr">
-                      <a:solidFill>
-                        <a:schemeClr val="tx1"/>
-                      </a:solidFill>
-                      <a:prstDash val="solid"/>
-                      <a:round/>
-                      <a:headEnd type="none" w="med" len="med"/>
-                      <a:tailEnd type="none" w="med" len="med"/>
-                    </a:lnB>
-                    <a:lnTlToBr>
-                      <a:noFill/>
-                    </a:lnTlToBr>
-                    <a:lnBlToTr>
-                      <a:noFill/>
-                    </a:lnBlToTr>
-                    <a:noFill/>
-                  </a:tcPr>
-                </a:tc>
-                <a:extLst>
-                  <a:ext uri="{0D108BD9-81ED-4DB2-BD59-A6C34878D82A}">
-                    <a16:rowId xmlns:a16="http://schemas.microsoft.com/office/drawing/2014/main" val="2206322543"/>
-                  </a:ext>
-                </a:extLst>
-              </a:tr>
-              <a:tr h="911225">
-                <a:tc>
-                  <a:txBody>
-                    <a:bodyPr/>
-                    <a:lstStyle>
-                      <a:lvl1pPr>
-                        <a:spcBef>
-                          <a:spcPct val="20000"/>
-                        </a:spcBef>
-                        <a:defRPr sz="2000">
-                          <a:solidFill>
-                            <a:srgbClr val="0066FF"/>
-                          </a:solidFill>
-                          <a:latin typeface="Trebuchet MS" panose="020B0603020202020204" pitchFamily="34" charset="0"/>
-                          <a:cs typeface="Arial" panose="020B0604020202020204" pitchFamily="34" charset="0"/>
-                        </a:defRPr>
-                      </a:lvl1pPr>
-                      <a:lvl2pPr>
-                        <a:spcBef>
-                          <a:spcPct val="20000"/>
-                        </a:spcBef>
-                        <a:defRPr>
-                          <a:solidFill>
-                            <a:schemeClr val="tx1"/>
-                          </a:solidFill>
-                          <a:latin typeface="Trebuchet MS" panose="020B0603020202020204" pitchFamily="34" charset="0"/>
-                          <a:cs typeface="Arial" panose="020B0604020202020204" pitchFamily="34" charset="0"/>
-                        </a:defRPr>
-                      </a:lvl2pPr>
-                      <a:lvl3pPr>
-                        <a:spcBef>
-                          <a:spcPct val="20000"/>
-                        </a:spcBef>
-                        <a:defRPr sz="1600">
-                          <a:solidFill>
-                            <a:schemeClr val="tx1"/>
-                          </a:solidFill>
-                          <a:latin typeface="Trebuchet MS" panose="020B0603020202020204" pitchFamily="34" charset="0"/>
-                          <a:cs typeface="Arial" panose="020B0604020202020204" pitchFamily="34" charset="0"/>
-                        </a:defRPr>
-                      </a:lvl3pPr>
-                      <a:lvl4pPr>
-                        <a:spcBef>
-                          <a:spcPct val="20000"/>
-                        </a:spcBef>
-                        <a:defRPr sz="1400">
-                          <a:solidFill>
-                            <a:schemeClr val="tx1"/>
-                          </a:solidFill>
-                          <a:latin typeface="Trebuchet MS" panose="020B0603020202020204" pitchFamily="34" charset="0"/>
-                          <a:cs typeface="Arial" panose="020B0604020202020204" pitchFamily="34" charset="0"/>
-                        </a:defRPr>
-                      </a:lvl4pPr>
-                      <a:lvl5pPr>
-                        <a:spcBef>
-                          <a:spcPct val="20000"/>
-                        </a:spcBef>
-                        <a:defRPr sz="1400">
-                          <a:solidFill>
-                            <a:schemeClr val="tx1"/>
-                          </a:solidFill>
-                          <a:latin typeface="Trebuchet MS" panose="020B0603020202020204" pitchFamily="34" charset="0"/>
-                          <a:cs typeface="Arial" panose="020B0604020202020204" pitchFamily="34" charset="0"/>
-                        </a:defRPr>
-                      </a:lvl5pPr>
-                      <a:lvl6pPr fontAlgn="base">
-                        <a:spcBef>
-                          <a:spcPct val="20000"/>
-                        </a:spcBef>
-                        <a:spcAft>
-                          <a:spcPct val="0"/>
-                        </a:spcAft>
-                        <a:defRPr sz="1400">
-                          <a:solidFill>
-                            <a:schemeClr val="tx1"/>
-                          </a:solidFill>
-                          <a:latin typeface="Trebuchet MS" panose="020B0603020202020204" pitchFamily="34" charset="0"/>
-                          <a:cs typeface="Arial" panose="020B0604020202020204" pitchFamily="34" charset="0"/>
-                        </a:defRPr>
-                      </a:lvl6pPr>
-                      <a:lvl7pPr fontAlgn="base">
-                        <a:spcBef>
-                          <a:spcPct val="20000"/>
-                        </a:spcBef>
-                        <a:spcAft>
-                          <a:spcPct val="0"/>
-                        </a:spcAft>
-                        <a:defRPr sz="1400">
-                          <a:solidFill>
-                            <a:schemeClr val="tx1"/>
-                          </a:solidFill>
-                          <a:latin typeface="Trebuchet MS" panose="020B0603020202020204" pitchFamily="34" charset="0"/>
-                          <a:cs typeface="Arial" panose="020B0604020202020204" pitchFamily="34" charset="0"/>
-                        </a:defRPr>
-                      </a:lvl7pPr>
-                      <a:lvl8pPr fontAlgn="base">
-                        <a:spcBef>
-                          <a:spcPct val="20000"/>
-                        </a:spcBef>
-                        <a:spcAft>
-                          <a:spcPct val="0"/>
-                        </a:spcAft>
-                        <a:defRPr sz="1400">
-                          <a:solidFill>
-                            <a:schemeClr val="tx1"/>
-                          </a:solidFill>
-                          <a:latin typeface="Trebuchet MS" panose="020B0603020202020204" pitchFamily="34" charset="0"/>
-                          <a:cs typeface="Arial" panose="020B0604020202020204" pitchFamily="34" charset="0"/>
-                        </a:defRPr>
-                      </a:lvl8pPr>
-                      <a:lvl9pPr fontAlgn="base">
-                        <a:spcBef>
-                          <a:spcPct val="20000"/>
-                        </a:spcBef>
-                        <a:spcAft>
-                          <a:spcPct val="0"/>
-                        </a:spcAft>
-                        <a:defRPr sz="1400">
-                          <a:solidFill>
-                            <a:schemeClr val="tx1"/>
-                          </a:solidFill>
-                          <a:latin typeface="Trebuchet MS" panose="020B0603020202020204" pitchFamily="34" charset="0"/>
-                          <a:cs typeface="Arial" panose="020B0604020202020204" pitchFamily="34" charset="0"/>
-                        </a:defRPr>
-                      </a:lvl9pPr>
-                    </a:lstStyle>
-                    <a:p>
-                      <a:pPr marL="0" marR="0" lvl="0" indent="0" algn="ctr" defTabSz="914400" rtl="0" eaLnBrk="1" fontAlgn="base" latinLnBrk="0" hangingPunct="1">
-                        <a:lnSpc>
-                          <a:spcPct val="100000"/>
-                        </a:lnSpc>
-                        <a:spcBef>
-                          <a:spcPct val="20000"/>
-                        </a:spcBef>
-                        <a:spcAft>
-                          <a:spcPct val="0"/>
-                        </a:spcAft>
-                        <a:buClrTx/>
-                        <a:buSzTx/>
-                        <a:buFontTx/>
-                        <a:buNone/>
-                        <a:tabLst/>
-                      </a:pPr>
-                      <a:endParaRPr kumimoji="0" lang="en-US" altLang="en-US" sz="1600" b="0" i="0" u="none" strike="noStrike" cap="none" normalizeH="0" baseline="0" smtClean="0">
-                        <a:ln>
-                          <a:noFill/>
-                        </a:ln>
-                        <a:solidFill>
-                          <a:srgbClr val="0066FF"/>
-                        </a:solidFill>
-                        <a:effectLst/>
-                        <a:latin typeface="Trebuchet MS" panose="020B0603020202020204" pitchFamily="34" charset="0"/>
-                        <a:cs typeface="Arial" panose="020B0604020202020204" pitchFamily="34" charset="0"/>
-                      </a:endParaRPr>
-                    </a:p>
-                  </a:txBody>
-                  <a:tcPr anchor="ctr" horzOverflow="overflow">
-                    <a:lnL w="28575" cap="flat" cmpd="sng" algn="ctr">
-                      <a:solidFill>
-                        <a:schemeClr val="tx1"/>
-                      </a:solidFill>
-                      <a:prstDash val="solid"/>
-                      <a:round/>
-                      <a:headEnd type="none" w="med" len="med"/>
-                      <a:tailEnd type="none" w="med" len="med"/>
-                    </a:lnL>
-                    <a:lnR w="12700" cap="flat" cmpd="sng" algn="ctr">
-                      <a:solidFill>
-                        <a:schemeClr val="tx1"/>
-                      </a:solidFill>
-                      <a:prstDash val="solid"/>
-                      <a:round/>
-                      <a:headEnd type="none" w="med" len="med"/>
-                      <a:tailEnd type="none" w="med" len="med"/>
-                    </a:lnR>
-                    <a:lnT w="12700" cap="flat" cmpd="sng" algn="ctr">
-                      <a:solidFill>
-                        <a:schemeClr val="tx1"/>
-                      </a:solidFill>
-                      <a:prstDash val="solid"/>
-                      <a:round/>
-                      <a:headEnd type="none" w="med" len="med"/>
-                      <a:tailEnd type="none" w="med" len="med"/>
-                    </a:lnT>
-                    <a:lnB w="28575" cap="flat" cmpd="sng" algn="ctr">
-                      <a:solidFill>
-                        <a:schemeClr val="tx1"/>
-                      </a:solidFill>
-                      <a:prstDash val="solid"/>
-                      <a:round/>
-                      <a:headEnd type="none" w="med" len="med"/>
-                      <a:tailEnd type="none" w="med" len="med"/>
-                    </a:lnB>
-                    <a:lnTlToBr>
-                      <a:noFill/>
-                    </a:lnTlToBr>
-                    <a:lnBlToTr>
-                      <a:noFill/>
-                    </a:lnBlToTr>
-                    <a:noFill/>
-                  </a:tcPr>
-                </a:tc>
-                <a:tc>
-                  <a:txBody>
-                    <a:bodyPr/>
-                    <a:lstStyle>
-                      <a:lvl1pPr>
-                        <a:spcBef>
-                          <a:spcPct val="20000"/>
-                        </a:spcBef>
-                        <a:defRPr sz="2000">
-                          <a:solidFill>
-                            <a:srgbClr val="0066FF"/>
-                          </a:solidFill>
-                          <a:latin typeface="Trebuchet MS" panose="020B0603020202020204" pitchFamily="34" charset="0"/>
-                          <a:cs typeface="Arial" panose="020B0604020202020204" pitchFamily="34" charset="0"/>
-                        </a:defRPr>
-                      </a:lvl1pPr>
-                      <a:lvl2pPr>
-                        <a:spcBef>
-                          <a:spcPct val="20000"/>
-                        </a:spcBef>
-                        <a:defRPr>
-                          <a:solidFill>
-                            <a:schemeClr val="tx1"/>
-                          </a:solidFill>
-                          <a:latin typeface="Trebuchet MS" panose="020B0603020202020204" pitchFamily="34" charset="0"/>
-                          <a:cs typeface="Arial" panose="020B0604020202020204" pitchFamily="34" charset="0"/>
-                        </a:defRPr>
-                      </a:lvl2pPr>
-                      <a:lvl3pPr>
-                        <a:spcBef>
-                          <a:spcPct val="20000"/>
-                        </a:spcBef>
-                        <a:defRPr sz="1600">
-                          <a:solidFill>
-                            <a:schemeClr val="tx1"/>
-                          </a:solidFill>
-                          <a:latin typeface="Trebuchet MS" panose="020B0603020202020204" pitchFamily="34" charset="0"/>
-                          <a:cs typeface="Arial" panose="020B0604020202020204" pitchFamily="34" charset="0"/>
-                        </a:defRPr>
-                      </a:lvl3pPr>
-                      <a:lvl4pPr>
-                        <a:spcBef>
-                          <a:spcPct val="20000"/>
-                        </a:spcBef>
-                        <a:defRPr sz="1400">
-                          <a:solidFill>
-                            <a:schemeClr val="tx1"/>
-                          </a:solidFill>
-                          <a:latin typeface="Trebuchet MS" panose="020B0603020202020204" pitchFamily="34" charset="0"/>
-                          <a:cs typeface="Arial" panose="020B0604020202020204" pitchFamily="34" charset="0"/>
-                        </a:defRPr>
-                      </a:lvl4pPr>
-                      <a:lvl5pPr>
-                        <a:spcBef>
-                          <a:spcPct val="20000"/>
-                        </a:spcBef>
-                        <a:defRPr sz="1400">
-                          <a:solidFill>
-                            <a:schemeClr val="tx1"/>
-                          </a:solidFill>
-                          <a:latin typeface="Trebuchet MS" panose="020B0603020202020204" pitchFamily="34" charset="0"/>
-                          <a:cs typeface="Arial" panose="020B0604020202020204" pitchFamily="34" charset="0"/>
-                        </a:defRPr>
-                      </a:lvl5pPr>
-                      <a:lvl6pPr fontAlgn="base">
-                        <a:spcBef>
-                          <a:spcPct val="20000"/>
-                        </a:spcBef>
-                        <a:spcAft>
-                          <a:spcPct val="0"/>
-                        </a:spcAft>
-                        <a:defRPr sz="1400">
-                          <a:solidFill>
-                            <a:schemeClr val="tx1"/>
-                          </a:solidFill>
-                          <a:latin typeface="Trebuchet MS" panose="020B0603020202020204" pitchFamily="34" charset="0"/>
-                          <a:cs typeface="Arial" panose="020B0604020202020204" pitchFamily="34" charset="0"/>
-                        </a:defRPr>
-                      </a:lvl6pPr>
-                      <a:lvl7pPr fontAlgn="base">
-                        <a:spcBef>
-                          <a:spcPct val="20000"/>
-                        </a:spcBef>
-                        <a:spcAft>
-                          <a:spcPct val="0"/>
-                        </a:spcAft>
-                        <a:defRPr sz="1400">
-                          <a:solidFill>
-                            <a:schemeClr val="tx1"/>
-                          </a:solidFill>
-                          <a:latin typeface="Trebuchet MS" panose="020B0603020202020204" pitchFamily="34" charset="0"/>
-                          <a:cs typeface="Arial" panose="020B0604020202020204" pitchFamily="34" charset="0"/>
-                        </a:defRPr>
-                      </a:lvl7pPr>
-                      <a:lvl8pPr fontAlgn="base">
-                        <a:spcBef>
-                          <a:spcPct val="20000"/>
-                        </a:spcBef>
-                        <a:spcAft>
-                          <a:spcPct val="0"/>
-                        </a:spcAft>
-                        <a:defRPr sz="1400">
-                          <a:solidFill>
-                            <a:schemeClr val="tx1"/>
-                          </a:solidFill>
-                          <a:latin typeface="Trebuchet MS" panose="020B0603020202020204" pitchFamily="34" charset="0"/>
-                          <a:cs typeface="Arial" panose="020B0604020202020204" pitchFamily="34" charset="0"/>
-                        </a:defRPr>
-                      </a:lvl8pPr>
-                      <a:lvl9pPr fontAlgn="base">
-                        <a:spcBef>
-                          <a:spcPct val="20000"/>
-                        </a:spcBef>
-                        <a:spcAft>
-                          <a:spcPct val="0"/>
-                        </a:spcAft>
-                        <a:defRPr sz="1400">
-                          <a:solidFill>
-                            <a:schemeClr val="tx1"/>
-                          </a:solidFill>
-                          <a:latin typeface="Trebuchet MS" panose="020B0603020202020204" pitchFamily="34" charset="0"/>
-                          <a:cs typeface="Arial" panose="020B0604020202020204" pitchFamily="34" charset="0"/>
-                        </a:defRPr>
-                      </a:lvl9pPr>
-                    </a:lstStyle>
-                    <a:p>
-                      <a:pPr marL="0" marR="0" lvl="0" indent="0" algn="ctr" defTabSz="914400" rtl="0" eaLnBrk="1" fontAlgn="base" latinLnBrk="0" hangingPunct="1">
-                        <a:lnSpc>
-                          <a:spcPct val="100000"/>
-                        </a:lnSpc>
-                        <a:spcBef>
-                          <a:spcPct val="20000"/>
-                        </a:spcBef>
-                        <a:spcAft>
-                          <a:spcPct val="0"/>
-                        </a:spcAft>
-                        <a:buClrTx/>
-                        <a:buSzTx/>
-                        <a:buFontTx/>
-                        <a:buNone/>
-                        <a:tabLst/>
-                      </a:pPr>
-                      <a:endParaRPr kumimoji="0" lang="en-US" altLang="en-US" sz="2000" b="0" i="0" u="none" strike="noStrike" cap="none" normalizeH="0" baseline="0" smtClean="0">
-                        <a:ln>
-                          <a:noFill/>
-                        </a:ln>
-                        <a:solidFill>
-                          <a:srgbClr val="0066FF"/>
-                        </a:solidFill>
-                        <a:effectLst/>
-                        <a:latin typeface="Trebuchet MS" panose="020B0603020202020204" pitchFamily="34" charset="0"/>
-                        <a:cs typeface="Arial" panose="020B0604020202020204" pitchFamily="34" charset="0"/>
-                      </a:endParaRPr>
-                    </a:p>
-                  </a:txBody>
-                  <a:tcPr anchor="ctr" horzOverflow="overflow">
-                    <a:lnL w="12700" cap="flat" cmpd="sng" algn="ctr">
-                      <a:solidFill>
-                        <a:schemeClr val="tx1"/>
-                      </a:solidFill>
-                      <a:prstDash val="solid"/>
-                      <a:round/>
-                      <a:headEnd type="none" w="med" len="med"/>
-                      <a:tailEnd type="none" w="med" len="med"/>
-                    </a:lnL>
-                    <a:lnR w="12700" cap="flat" cmpd="sng" algn="ctr">
-                      <a:solidFill>
-                        <a:schemeClr val="tx1"/>
-                      </a:solidFill>
-                      <a:prstDash val="solid"/>
-                      <a:round/>
-                      <a:headEnd type="none" w="med" len="med"/>
-                      <a:tailEnd type="none" w="med" len="med"/>
-                    </a:lnR>
-                    <a:lnT w="12700" cap="flat" cmpd="sng" algn="ctr">
-                      <a:solidFill>
-                        <a:schemeClr val="tx1"/>
-                      </a:solidFill>
-                      <a:prstDash val="solid"/>
-                      <a:round/>
-                      <a:headEnd type="none" w="med" len="med"/>
-                      <a:tailEnd type="none" w="med" len="med"/>
-                    </a:lnT>
-                    <a:lnB w="28575" cap="flat" cmpd="sng" algn="ctr">
-                      <a:solidFill>
-                        <a:schemeClr val="tx1"/>
-                      </a:solidFill>
-                      <a:prstDash val="solid"/>
-                      <a:round/>
-                      <a:headEnd type="none" w="med" len="med"/>
-                      <a:tailEnd type="none" w="med" len="med"/>
-                    </a:lnB>
-                    <a:lnTlToBr>
-                      <a:noFill/>
-                    </a:lnTlToBr>
-                    <a:lnBlToTr>
-                      <a:noFill/>
-                    </a:lnBlToTr>
-                    <a:noFill/>
-                  </a:tcPr>
-                </a:tc>
-                <a:tc>
-                  <a:txBody>
-                    <a:bodyPr/>
-                    <a:lstStyle>
-                      <a:lvl1pPr>
-                        <a:spcBef>
-                          <a:spcPct val="20000"/>
-                        </a:spcBef>
-                        <a:defRPr sz="2000">
-                          <a:solidFill>
-                            <a:srgbClr val="0066FF"/>
-                          </a:solidFill>
-                          <a:latin typeface="Trebuchet MS" panose="020B0603020202020204" pitchFamily="34" charset="0"/>
-                          <a:cs typeface="Arial" panose="020B0604020202020204" pitchFamily="34" charset="0"/>
-                        </a:defRPr>
-                      </a:lvl1pPr>
-                      <a:lvl2pPr>
-                        <a:spcBef>
-                          <a:spcPct val="20000"/>
-                        </a:spcBef>
-                        <a:defRPr>
-                          <a:solidFill>
-                            <a:schemeClr val="tx1"/>
-                          </a:solidFill>
-                          <a:latin typeface="Trebuchet MS" panose="020B0603020202020204" pitchFamily="34" charset="0"/>
-                          <a:cs typeface="Arial" panose="020B0604020202020204" pitchFamily="34" charset="0"/>
-                        </a:defRPr>
-                      </a:lvl2pPr>
-                      <a:lvl3pPr>
-                        <a:spcBef>
-                          <a:spcPct val="20000"/>
-                        </a:spcBef>
-                        <a:defRPr sz="1600">
-                          <a:solidFill>
-                            <a:schemeClr val="tx1"/>
-                          </a:solidFill>
-                          <a:latin typeface="Trebuchet MS" panose="020B0603020202020204" pitchFamily="34" charset="0"/>
-                          <a:cs typeface="Arial" panose="020B0604020202020204" pitchFamily="34" charset="0"/>
-                        </a:defRPr>
-                      </a:lvl3pPr>
-                      <a:lvl4pPr>
-                        <a:spcBef>
-                          <a:spcPct val="20000"/>
-                        </a:spcBef>
-                        <a:defRPr sz="1400">
-                          <a:solidFill>
-                            <a:schemeClr val="tx1"/>
-                          </a:solidFill>
-                          <a:latin typeface="Trebuchet MS" panose="020B0603020202020204" pitchFamily="34" charset="0"/>
-                          <a:cs typeface="Arial" panose="020B0604020202020204" pitchFamily="34" charset="0"/>
-                        </a:defRPr>
-                      </a:lvl4pPr>
-                      <a:lvl5pPr>
-                        <a:spcBef>
-                          <a:spcPct val="20000"/>
-                        </a:spcBef>
-                        <a:defRPr sz="1400">
-                          <a:solidFill>
-                            <a:schemeClr val="tx1"/>
-                          </a:solidFill>
-                          <a:latin typeface="Trebuchet MS" panose="020B0603020202020204" pitchFamily="34" charset="0"/>
-                          <a:cs typeface="Arial" panose="020B0604020202020204" pitchFamily="34" charset="0"/>
-                        </a:defRPr>
-                      </a:lvl5pPr>
-                      <a:lvl6pPr fontAlgn="base">
-                        <a:spcBef>
-                          <a:spcPct val="20000"/>
-                        </a:spcBef>
-                        <a:spcAft>
-                          <a:spcPct val="0"/>
-                        </a:spcAft>
-                        <a:defRPr sz="1400">
-                          <a:solidFill>
-                            <a:schemeClr val="tx1"/>
-                          </a:solidFill>
-                          <a:latin typeface="Trebuchet MS" panose="020B0603020202020204" pitchFamily="34" charset="0"/>
-                          <a:cs typeface="Arial" panose="020B0604020202020204" pitchFamily="34" charset="0"/>
-                        </a:defRPr>
-                      </a:lvl6pPr>
-                      <a:lvl7pPr fontAlgn="base">
-                        <a:spcBef>
-                          <a:spcPct val="20000"/>
-                        </a:spcBef>
-                        <a:spcAft>
-                          <a:spcPct val="0"/>
-                        </a:spcAft>
-                        <a:defRPr sz="1400">
-                          <a:solidFill>
-                            <a:schemeClr val="tx1"/>
-                          </a:solidFill>
-                          <a:latin typeface="Trebuchet MS" panose="020B0603020202020204" pitchFamily="34" charset="0"/>
-                          <a:cs typeface="Arial" panose="020B0604020202020204" pitchFamily="34" charset="0"/>
-                        </a:defRPr>
-                      </a:lvl7pPr>
-                      <a:lvl8pPr fontAlgn="base">
-                        <a:spcBef>
-                          <a:spcPct val="20000"/>
-                        </a:spcBef>
-                        <a:spcAft>
-                          <a:spcPct val="0"/>
-                        </a:spcAft>
-                        <a:defRPr sz="1400">
-                          <a:solidFill>
-                            <a:schemeClr val="tx1"/>
-                          </a:solidFill>
-                          <a:latin typeface="Trebuchet MS" panose="020B0603020202020204" pitchFamily="34" charset="0"/>
-                          <a:cs typeface="Arial" panose="020B0604020202020204" pitchFamily="34" charset="0"/>
-                        </a:defRPr>
-                      </a:lvl8pPr>
-                      <a:lvl9pPr fontAlgn="base">
-                        <a:spcBef>
-                          <a:spcPct val="20000"/>
-                        </a:spcBef>
-                        <a:spcAft>
-                          <a:spcPct val="0"/>
-                        </a:spcAft>
-                        <a:defRPr sz="1400">
-                          <a:solidFill>
-                            <a:schemeClr val="tx1"/>
-                          </a:solidFill>
-                          <a:latin typeface="Trebuchet MS" panose="020B0603020202020204" pitchFamily="34" charset="0"/>
-                          <a:cs typeface="Arial" panose="020B0604020202020204" pitchFamily="34" charset="0"/>
-                        </a:defRPr>
-                      </a:lvl9pPr>
-                    </a:lstStyle>
-                    <a:p>
-                      <a:pPr marL="0" marR="0" lvl="0" indent="0" algn="ctr" defTabSz="914400" rtl="0" eaLnBrk="1" fontAlgn="base" latinLnBrk="0" hangingPunct="1">
-                        <a:lnSpc>
-                          <a:spcPct val="100000"/>
-                        </a:lnSpc>
-                        <a:spcBef>
-                          <a:spcPct val="20000"/>
-                        </a:spcBef>
-                        <a:spcAft>
-                          <a:spcPct val="0"/>
-                        </a:spcAft>
-                        <a:buClrTx/>
-                        <a:buSzTx/>
-                        <a:buFontTx/>
-                        <a:buNone/>
-                        <a:tabLst/>
-                      </a:pPr>
-                      <a:endParaRPr kumimoji="0" lang="en-US" altLang="en-US" sz="2000" b="0" i="0" u="none" strike="noStrike" cap="none" normalizeH="0" baseline="0" smtClean="0">
-                        <a:ln>
-                          <a:noFill/>
-                        </a:ln>
-                        <a:solidFill>
-                          <a:srgbClr val="0066FF"/>
-                        </a:solidFill>
-                        <a:effectLst/>
-                        <a:latin typeface="Trebuchet MS" panose="020B0603020202020204" pitchFamily="34" charset="0"/>
-                        <a:cs typeface="Arial" panose="020B0604020202020204" pitchFamily="34" charset="0"/>
-                      </a:endParaRPr>
-                    </a:p>
-                  </a:txBody>
-                  <a:tcPr anchor="ctr" horzOverflow="overflow">
-                    <a:lnL w="12700" cap="flat" cmpd="sng" algn="ctr">
-                      <a:solidFill>
-                        <a:schemeClr val="tx1"/>
-                      </a:solidFill>
-                      <a:prstDash val="solid"/>
-                      <a:round/>
-                      <a:headEnd type="none" w="med" len="med"/>
-                      <a:tailEnd type="none" w="med" len="med"/>
-                    </a:lnL>
-                    <a:lnR w="12700" cap="flat" cmpd="sng" algn="ctr">
-                      <a:solidFill>
-                        <a:schemeClr val="tx1"/>
-                      </a:solidFill>
-                      <a:prstDash val="solid"/>
-                      <a:round/>
-                      <a:headEnd type="none" w="med" len="med"/>
-                      <a:tailEnd type="none" w="med" len="med"/>
-                    </a:lnR>
-                    <a:lnT w="12700" cap="flat" cmpd="sng" algn="ctr">
-                      <a:solidFill>
-                        <a:schemeClr val="tx1"/>
-                      </a:solidFill>
-                      <a:prstDash val="solid"/>
-                      <a:round/>
-                      <a:headEnd type="none" w="med" len="med"/>
-                      <a:tailEnd type="none" w="med" len="med"/>
-                    </a:lnT>
-                    <a:lnB w="28575" cap="flat" cmpd="sng" algn="ctr">
-                      <a:solidFill>
-                        <a:schemeClr val="tx1"/>
-                      </a:solidFill>
-                      <a:prstDash val="solid"/>
-                      <a:round/>
-                      <a:headEnd type="none" w="med" len="med"/>
-                      <a:tailEnd type="none" w="med" len="med"/>
-                    </a:lnB>
-                    <a:lnTlToBr>
-                      <a:noFill/>
-                    </a:lnTlToBr>
-                    <a:lnBlToTr>
-                      <a:noFill/>
-                    </a:lnBlToTr>
-                    <a:noFill/>
-                  </a:tcPr>
-                </a:tc>
-                <a:tc>
-                  <a:txBody>
-                    <a:bodyPr/>
-                    <a:lstStyle>
-                      <a:lvl1pPr>
-                        <a:spcBef>
-                          <a:spcPct val="20000"/>
-                        </a:spcBef>
-                        <a:defRPr sz="2000">
-                          <a:solidFill>
-                            <a:srgbClr val="0066FF"/>
-                          </a:solidFill>
-                          <a:latin typeface="Trebuchet MS" panose="020B0603020202020204" pitchFamily="34" charset="0"/>
-                          <a:cs typeface="Arial" panose="020B0604020202020204" pitchFamily="34" charset="0"/>
-                        </a:defRPr>
-                      </a:lvl1pPr>
-                      <a:lvl2pPr>
-                        <a:spcBef>
-                          <a:spcPct val="20000"/>
-                        </a:spcBef>
-                        <a:defRPr>
-                          <a:solidFill>
-                            <a:schemeClr val="tx1"/>
-                          </a:solidFill>
-                          <a:latin typeface="Trebuchet MS" panose="020B0603020202020204" pitchFamily="34" charset="0"/>
-                          <a:cs typeface="Arial" panose="020B0604020202020204" pitchFamily="34" charset="0"/>
-                        </a:defRPr>
-                      </a:lvl2pPr>
-                      <a:lvl3pPr>
-                        <a:spcBef>
-                          <a:spcPct val="20000"/>
-                        </a:spcBef>
-                        <a:defRPr sz="1600">
-                          <a:solidFill>
-                            <a:schemeClr val="tx1"/>
-                          </a:solidFill>
-                          <a:latin typeface="Trebuchet MS" panose="020B0603020202020204" pitchFamily="34" charset="0"/>
-                          <a:cs typeface="Arial" panose="020B0604020202020204" pitchFamily="34" charset="0"/>
-                        </a:defRPr>
-                      </a:lvl3pPr>
-                      <a:lvl4pPr>
-                        <a:spcBef>
-                          <a:spcPct val="20000"/>
-                        </a:spcBef>
-                        <a:defRPr sz="1400">
-                          <a:solidFill>
-                            <a:schemeClr val="tx1"/>
-                          </a:solidFill>
-                          <a:latin typeface="Trebuchet MS" panose="020B0603020202020204" pitchFamily="34" charset="0"/>
-                          <a:cs typeface="Arial" panose="020B0604020202020204" pitchFamily="34" charset="0"/>
-                        </a:defRPr>
-                      </a:lvl4pPr>
-                      <a:lvl5pPr>
-                        <a:spcBef>
-                          <a:spcPct val="20000"/>
-                        </a:spcBef>
-                        <a:defRPr sz="1400">
-                          <a:solidFill>
-                            <a:schemeClr val="tx1"/>
-                          </a:solidFill>
-                          <a:latin typeface="Trebuchet MS" panose="020B0603020202020204" pitchFamily="34" charset="0"/>
-                          <a:cs typeface="Arial" panose="020B0604020202020204" pitchFamily="34" charset="0"/>
-                        </a:defRPr>
-                      </a:lvl5pPr>
-                      <a:lvl6pPr fontAlgn="base">
-                        <a:spcBef>
-                          <a:spcPct val="20000"/>
-                        </a:spcBef>
-                        <a:spcAft>
-                          <a:spcPct val="0"/>
-                        </a:spcAft>
-                        <a:defRPr sz="1400">
-                          <a:solidFill>
-                            <a:schemeClr val="tx1"/>
-                          </a:solidFill>
-                          <a:latin typeface="Trebuchet MS" panose="020B0603020202020204" pitchFamily="34" charset="0"/>
-                          <a:cs typeface="Arial" panose="020B0604020202020204" pitchFamily="34" charset="0"/>
-                        </a:defRPr>
-                      </a:lvl6pPr>
-                      <a:lvl7pPr fontAlgn="base">
-                        <a:spcBef>
-                          <a:spcPct val="20000"/>
-                        </a:spcBef>
-                        <a:spcAft>
-                          <a:spcPct val="0"/>
-                        </a:spcAft>
-                        <a:defRPr sz="1400">
-                          <a:solidFill>
-                            <a:schemeClr val="tx1"/>
-                          </a:solidFill>
-                          <a:latin typeface="Trebuchet MS" panose="020B0603020202020204" pitchFamily="34" charset="0"/>
-                          <a:cs typeface="Arial" panose="020B0604020202020204" pitchFamily="34" charset="0"/>
-                        </a:defRPr>
-                      </a:lvl7pPr>
-                      <a:lvl8pPr fontAlgn="base">
-                        <a:spcBef>
-                          <a:spcPct val="20000"/>
-                        </a:spcBef>
-                        <a:spcAft>
-                          <a:spcPct val="0"/>
-                        </a:spcAft>
-                        <a:defRPr sz="1400">
-                          <a:solidFill>
-                            <a:schemeClr val="tx1"/>
-                          </a:solidFill>
-                          <a:latin typeface="Trebuchet MS" panose="020B0603020202020204" pitchFamily="34" charset="0"/>
-                          <a:cs typeface="Arial" panose="020B0604020202020204" pitchFamily="34" charset="0"/>
-                        </a:defRPr>
-                      </a:lvl8pPr>
-                      <a:lvl9pPr fontAlgn="base">
-                        <a:spcBef>
-                          <a:spcPct val="20000"/>
-                        </a:spcBef>
-                        <a:spcAft>
-                          <a:spcPct val="0"/>
-                        </a:spcAft>
-                        <a:defRPr sz="1400">
-                          <a:solidFill>
-                            <a:schemeClr val="tx1"/>
-                          </a:solidFill>
-                          <a:latin typeface="Trebuchet MS" panose="020B0603020202020204" pitchFamily="34" charset="0"/>
-                          <a:cs typeface="Arial" panose="020B0604020202020204" pitchFamily="34" charset="0"/>
-                        </a:defRPr>
-                      </a:lvl9pPr>
-                    </a:lstStyle>
-                    <a:p>
-                      <a:pPr marL="0" marR="0" lvl="0" indent="0" algn="ctr" defTabSz="914400" rtl="0" eaLnBrk="1" fontAlgn="base" latinLnBrk="0" hangingPunct="1">
-                        <a:lnSpc>
-                          <a:spcPct val="100000"/>
-                        </a:lnSpc>
-                        <a:spcBef>
-                          <a:spcPct val="20000"/>
-                        </a:spcBef>
-                        <a:spcAft>
-                          <a:spcPct val="0"/>
-                        </a:spcAft>
-                        <a:buClrTx/>
-                        <a:buSzTx/>
-                        <a:buFontTx/>
-                        <a:buNone/>
-                        <a:tabLst/>
-                      </a:pPr>
-                      <a:endParaRPr kumimoji="0" lang="en-US" altLang="en-US" sz="2000" b="0" i="0" u="none" strike="noStrike" cap="none" normalizeH="0" baseline="0" smtClean="0">
-                        <a:ln>
-                          <a:noFill/>
-                        </a:ln>
-                        <a:solidFill>
-                          <a:srgbClr val="0066FF"/>
-                        </a:solidFill>
-                        <a:effectLst/>
-                        <a:latin typeface="Trebuchet MS" panose="020B0603020202020204" pitchFamily="34" charset="0"/>
-                        <a:cs typeface="Arial" panose="020B0604020202020204" pitchFamily="34" charset="0"/>
-                      </a:endParaRPr>
-                    </a:p>
-                  </a:txBody>
-                  <a:tcPr anchor="ctr" horzOverflow="overflow">
-                    <a:lnL w="12700" cap="flat" cmpd="sng" algn="ctr">
-                      <a:solidFill>
-                        <a:schemeClr val="tx1"/>
-                      </a:solidFill>
-                      <a:prstDash val="solid"/>
-                      <a:round/>
-                      <a:headEnd type="none" w="med" len="med"/>
-                      <a:tailEnd type="none" w="med" len="med"/>
-                    </a:lnL>
-                    <a:lnR w="28575" cap="flat" cmpd="sng" algn="ctr">
-                      <a:solidFill>
-                        <a:schemeClr val="tx1"/>
-                      </a:solidFill>
-                      <a:prstDash val="solid"/>
-                      <a:round/>
-                      <a:headEnd type="none" w="med" len="med"/>
-                      <a:tailEnd type="none" w="med" len="med"/>
-                    </a:lnR>
-                    <a:lnT w="12700" cap="flat" cmpd="sng" algn="ctr">
-                      <a:solidFill>
-                        <a:schemeClr val="tx1"/>
-                      </a:solidFill>
-                      <a:prstDash val="solid"/>
-                      <a:round/>
-                      <a:headEnd type="none" w="med" len="med"/>
-                      <a:tailEnd type="none" w="med" len="med"/>
-                    </a:lnT>
-                    <a:lnB w="28575" cap="flat" cmpd="sng" algn="ctr">
-                      <a:solidFill>
-                        <a:schemeClr val="tx1"/>
-                      </a:solidFill>
-                      <a:prstDash val="solid"/>
-                      <a:round/>
-                      <a:headEnd type="none" w="med" len="med"/>
-                      <a:tailEnd type="none" w="med" len="med"/>
-                    </a:lnB>
-                    <a:lnTlToBr>
-                      <a:noFill/>
-                    </a:lnTlToBr>
-                    <a:lnBlToTr>
-                      <a:noFill/>
-                    </a:lnBlToTr>
-                    <a:noFill/>
-                  </a:tcPr>
-                </a:tc>
-                <a:extLst>
-                  <a:ext uri="{0D108BD9-81ED-4DB2-BD59-A6C34878D82A}">
-                    <a16:rowId xmlns:a16="http://schemas.microsoft.com/office/drawing/2014/main" val="1403518143"/>
-                  </a:ext>
-                </a:extLst>
-              </a:tr>
-            </a:tbl>
-          </a:graphicData>
-        </a:graphic>
-      </p:graphicFrame>
-      <p:sp>
-        <p:nvSpPr>
-          <p:cNvPr id="5" name="Line 26"/>
-          <p:cNvSpPr>
-            <a:spLocks noChangeShapeType="1"/>
-          </p:cNvSpPr>
-          <p:nvPr/>
-        </p:nvSpPr>
-        <p:spPr bwMode="auto">
-          <a:xfrm flipV="1">
-            <a:off x="703263" y="1843088"/>
-            <a:ext cx="576262" cy="0"/>
-          </a:xfrm>
-          <a:prstGeom prst="line">
-            <a:avLst/>
-          </a:prstGeom>
-          <a:noFill/>
-          <a:ln w="127000">
-            <a:solidFill>
-              <a:schemeClr val="tx1"/>
-            </a:solidFill>
-            <a:round/>
-            <a:headEnd/>
-            <a:tailEnd type="triangle" w="med" len="sm"/>
-          </a:ln>
-          <a:effectLst/>
-          <a:extLst>
-            <a:ext uri="{909E8E84-426E-40DD-AFC4-6F175D3DCCD1}">
-              <a14:hiddenFill xmlns:a14="http://schemas.microsoft.com/office/drawing/2010/main">
-                <a:noFill/>
-              </a14:hiddenFill>
-            </a:ext>
-            <a:ext uri="{AF507438-7753-43E0-B8FC-AC1667EBCBE1}">
-              <a14:hiddenEffects xmlns:a14="http://schemas.microsoft.com/office/drawing/2010/main">
-                <a:effectLst>
-                  <a:outerShdw dist="35921" dir="2700000" algn="ctr" rotWithShape="0">
-                    <a:schemeClr val="bg2"/>
-                  </a:outerShdw>
-                </a:effectLst>
-              </a14:hiddenEffects>
-            </a:ext>
-          </a:extLst>
-        </p:spPr>
-        <p:txBody>
-          <a:bodyPr/>
-          <a:lstStyle/>
-          <a:p>
-            <a:endParaRPr lang="en-US"/>
-          </a:p>
-        </p:txBody>
-      </p:sp>
-      <p:sp>
-        <p:nvSpPr>
-          <p:cNvPr id="6" name="Line 27"/>
-          <p:cNvSpPr>
-            <a:spLocks noChangeShapeType="1"/>
-          </p:cNvSpPr>
-          <p:nvPr/>
-        </p:nvSpPr>
-        <p:spPr bwMode="auto">
-          <a:xfrm flipV="1">
-            <a:off x="971550" y="3382963"/>
-            <a:ext cx="0" cy="506412"/>
-          </a:xfrm>
-          <a:prstGeom prst="line">
-            <a:avLst/>
-          </a:prstGeom>
-          <a:noFill/>
-          <a:ln w="127000">
-            <a:solidFill>
-              <a:schemeClr val="tx1"/>
-            </a:solidFill>
-            <a:round/>
-            <a:headEnd/>
-            <a:tailEnd type="triangle" w="med" len="sm"/>
-          </a:ln>
-          <a:effectLst/>
-          <a:extLst>
-            <a:ext uri="{909E8E84-426E-40DD-AFC4-6F175D3DCCD1}">
-              <a14:hiddenFill xmlns:a14="http://schemas.microsoft.com/office/drawing/2010/main">
-                <a:noFill/>
-              </a14:hiddenFill>
-            </a:ext>
-            <a:ext uri="{AF507438-7753-43E0-B8FC-AC1667EBCBE1}">
-              <a14:hiddenEffects xmlns:a14="http://schemas.microsoft.com/office/drawing/2010/main">
-                <a:effectLst>
-                  <a:outerShdw dist="35921" dir="2700000" algn="ctr" rotWithShape="0">
-                    <a:schemeClr val="bg2"/>
-                  </a:outerShdw>
-                </a:effectLst>
-              </a14:hiddenEffects>
-            </a:ext>
-          </a:extLst>
-        </p:spPr>
-        <p:txBody>
-          <a:bodyPr/>
-          <a:lstStyle/>
-          <a:p>
-            <a:endParaRPr lang="en-US"/>
-          </a:p>
-        </p:txBody>
-      </p:sp>
-      <p:sp>
-        <p:nvSpPr>
-          <p:cNvPr id="7" name="Line 28"/>
-          <p:cNvSpPr>
-            <a:spLocks noChangeShapeType="1"/>
-          </p:cNvSpPr>
-          <p:nvPr/>
-        </p:nvSpPr>
-        <p:spPr bwMode="auto">
-          <a:xfrm flipV="1">
-            <a:off x="1744663" y="1836738"/>
-            <a:ext cx="576262" cy="0"/>
-          </a:xfrm>
-          <a:prstGeom prst="line">
-            <a:avLst/>
-          </a:prstGeom>
-          <a:noFill/>
-          <a:ln w="127000">
-            <a:solidFill>
-              <a:schemeClr val="tx1"/>
-            </a:solidFill>
-            <a:round/>
-            <a:headEnd/>
-            <a:tailEnd type="triangle" w="med" len="sm"/>
-          </a:ln>
-          <a:effectLst/>
-          <a:extLst>
-            <a:ext uri="{909E8E84-426E-40DD-AFC4-6F175D3DCCD1}">
-              <a14:hiddenFill xmlns:a14="http://schemas.microsoft.com/office/drawing/2010/main">
-                <a:noFill/>
-              </a14:hiddenFill>
-            </a:ext>
-            <a:ext uri="{AF507438-7753-43E0-B8FC-AC1667EBCBE1}">
-              <a14:hiddenEffects xmlns:a14="http://schemas.microsoft.com/office/drawing/2010/main">
-                <a:effectLst>
-                  <a:outerShdw dist="35921" dir="2700000" algn="ctr" rotWithShape="0">
-                    <a:schemeClr val="bg2"/>
-                  </a:outerShdw>
-                </a:effectLst>
-              </a14:hiddenEffects>
-            </a:ext>
-          </a:extLst>
-        </p:spPr>
-        <p:txBody>
-          <a:bodyPr/>
-          <a:lstStyle/>
-          <a:p>
-            <a:endParaRPr lang="en-US"/>
-          </a:p>
-        </p:txBody>
-      </p:sp>
-      <p:sp>
-        <p:nvSpPr>
-          <p:cNvPr id="8" name="Line 32"/>
-          <p:cNvSpPr>
-            <a:spLocks noChangeShapeType="1"/>
-          </p:cNvSpPr>
-          <p:nvPr/>
-        </p:nvSpPr>
-        <p:spPr bwMode="auto">
-          <a:xfrm flipV="1">
-            <a:off x="2771775" y="1836738"/>
-            <a:ext cx="576263" cy="0"/>
-          </a:xfrm>
-          <a:prstGeom prst="line">
-            <a:avLst/>
-          </a:prstGeom>
-          <a:noFill/>
-          <a:ln w="127000">
-            <a:solidFill>
-              <a:schemeClr val="tx1"/>
-            </a:solidFill>
-            <a:round/>
-            <a:headEnd/>
-            <a:tailEnd type="triangle" w="med" len="sm"/>
-          </a:ln>
-          <a:effectLst/>
-          <a:extLst>
-            <a:ext uri="{909E8E84-426E-40DD-AFC4-6F175D3DCCD1}">
-              <a14:hiddenFill xmlns:a14="http://schemas.microsoft.com/office/drawing/2010/main">
-                <a:noFill/>
-              </a14:hiddenFill>
-            </a:ext>
-            <a:ext uri="{AF507438-7753-43E0-B8FC-AC1667EBCBE1}">
-              <a14:hiddenEffects xmlns:a14="http://schemas.microsoft.com/office/drawing/2010/main">
-                <a:effectLst>
-                  <a:outerShdw dist="35921" dir="2700000" algn="ctr" rotWithShape="0">
-                    <a:schemeClr val="bg2"/>
-                  </a:outerShdw>
-                </a:effectLst>
-              </a14:hiddenEffects>
-            </a:ext>
-          </a:extLst>
-        </p:spPr>
-        <p:txBody>
-          <a:bodyPr/>
-          <a:lstStyle/>
-          <a:p>
-            <a:endParaRPr lang="en-US"/>
-          </a:p>
-        </p:txBody>
-      </p:sp>
-      <p:sp>
-        <p:nvSpPr>
-          <p:cNvPr id="9" name="Line 33"/>
-          <p:cNvSpPr>
-            <a:spLocks noChangeShapeType="1"/>
-          </p:cNvSpPr>
-          <p:nvPr/>
-        </p:nvSpPr>
-        <p:spPr bwMode="auto">
-          <a:xfrm flipV="1">
-            <a:off x="971550" y="2447925"/>
-            <a:ext cx="0" cy="506413"/>
-          </a:xfrm>
-          <a:prstGeom prst="line">
-            <a:avLst/>
-          </a:prstGeom>
-          <a:noFill/>
-          <a:ln w="127000">
-            <a:solidFill>
-              <a:schemeClr val="tx1"/>
-            </a:solidFill>
-            <a:round/>
-            <a:headEnd/>
-            <a:tailEnd type="triangle" w="med" len="sm"/>
-          </a:ln>
-          <a:effectLst/>
-          <a:extLst>
-            <a:ext uri="{909E8E84-426E-40DD-AFC4-6F175D3DCCD1}">
-              <a14:hiddenFill xmlns:a14="http://schemas.microsoft.com/office/drawing/2010/main">
-                <a:noFill/>
-              </a14:hiddenFill>
-            </a:ext>
-            <a:ext uri="{AF507438-7753-43E0-B8FC-AC1667EBCBE1}">
-              <a14:hiddenEffects xmlns:a14="http://schemas.microsoft.com/office/drawing/2010/main">
-                <a:effectLst>
-                  <a:outerShdw dist="35921" dir="2700000" algn="ctr" rotWithShape="0">
-                    <a:schemeClr val="bg2"/>
-                  </a:outerShdw>
-                </a:effectLst>
-              </a14:hiddenEffects>
-            </a:ext>
-          </a:extLst>
-        </p:spPr>
-        <p:txBody>
-          <a:bodyPr/>
-          <a:lstStyle/>
-          <a:p>
-            <a:endParaRPr lang="en-US"/>
-          </a:p>
-        </p:txBody>
-      </p:sp>
-      <p:sp>
-        <p:nvSpPr>
-          <p:cNvPr id="10" name="Rectangle 35"/>
-          <p:cNvSpPr txBox="1">
-            <a:spLocks noChangeArrowheads="1"/>
-          </p:cNvSpPr>
-          <p:nvPr/>
-        </p:nvSpPr>
-        <p:spPr>
-          <a:xfrm>
-            <a:off x="457200" y="1219200"/>
-            <a:ext cx="8229600" cy="5638800"/>
-          </a:xfrm>
-          <a:prstGeom prst="rect">
-            <a:avLst/>
-          </a:prstGeom>
-          <a:noFill/>
-          <a:ln/>
-        </p:spPr>
-        <p:txBody>
-          <a:bodyPr vert="horz" lIns="91440" tIns="45720" rIns="91440" bIns="45720" rtlCol="0">
-            <a:normAutofit lnSpcReduction="10000"/>
-          </a:bodyPr>
-          <a:lstStyle>
-            <a:lvl1pPr marL="228600" indent="-228600" algn="l" defTabSz="914400" rtl="0" eaLnBrk="1" latinLnBrk="0" hangingPunct="1">
-              <a:lnSpc>
-                <a:spcPct val="90000"/>
-              </a:lnSpc>
-              <a:spcBef>
-                <a:spcPts val="1000"/>
-              </a:spcBef>
-              <a:buFont typeface="Arial" panose="020B0604020202020204" pitchFamily="34" charset="0"/>
-              <a:buChar char="•"/>
-              <a:defRPr sz="2800" kern="1200">
-                <a:solidFill>
-                  <a:schemeClr val="tx1"/>
-                </a:solidFill>
-                <a:latin typeface="+mn-lt"/>
-                <a:ea typeface="+mn-ea"/>
-                <a:cs typeface="+mn-cs"/>
-              </a:defRPr>
-            </a:lvl1pPr>
-            <a:lvl2pPr marL="685800" indent="-228600" algn="l" defTabSz="914400" rtl="0" eaLnBrk="1" latinLnBrk="0" hangingPunct="1">
-              <a:lnSpc>
-                <a:spcPct val="90000"/>
-              </a:lnSpc>
-              <a:spcBef>
-                <a:spcPts val="500"/>
-              </a:spcBef>
-              <a:buFont typeface="Arial" panose="020B0604020202020204" pitchFamily="34" charset="0"/>
-              <a:buChar char="•"/>
-              <a:defRPr sz="2400" kern="1200">
-                <a:solidFill>
-                  <a:schemeClr val="tx1"/>
-                </a:solidFill>
-                <a:latin typeface="+mn-lt"/>
-                <a:ea typeface="+mn-ea"/>
-                <a:cs typeface="+mn-cs"/>
-              </a:defRPr>
-            </a:lvl2pPr>
-            <a:lvl3pPr marL="1143000" indent="-228600" algn="l" defTabSz="914400" rtl="0" eaLnBrk="1" latinLnBrk="0" hangingPunct="1">
-              <a:lnSpc>
-                <a:spcPct val="90000"/>
-              </a:lnSpc>
-              <a:spcBef>
-                <a:spcPts val="500"/>
-              </a:spcBef>
-              <a:buFont typeface="Arial" panose="020B0604020202020204" pitchFamily="34" charset="0"/>
-              <a:buChar char="•"/>
-              <a:defRPr sz="2000" kern="1200">
-                <a:solidFill>
-                  <a:schemeClr val="tx1"/>
-                </a:solidFill>
-                <a:latin typeface="+mn-lt"/>
-                <a:ea typeface="+mn-ea"/>
-                <a:cs typeface="+mn-cs"/>
-              </a:defRPr>
-            </a:lvl3pPr>
-            <a:lvl4pPr marL="1600200" indent="-228600" algn="l" defTabSz="914400" rtl="0" eaLnBrk="1" latinLnBrk="0" hangingPunct="1">
-              <a:lnSpc>
-                <a:spcPct val="90000"/>
-              </a:lnSpc>
-              <a:spcBef>
-                <a:spcPts val="500"/>
-              </a:spcBef>
-              <a:buFont typeface="Arial" panose="020B0604020202020204" pitchFamily="34" charset="0"/>
-              <a:buChar char="•"/>
-              <a:defRPr sz="1800" kern="1200">
-                <a:solidFill>
-                  <a:schemeClr val="tx1"/>
-                </a:solidFill>
-                <a:latin typeface="+mn-lt"/>
-                <a:ea typeface="+mn-ea"/>
-                <a:cs typeface="+mn-cs"/>
-              </a:defRPr>
-            </a:lvl4pPr>
-            <a:lvl5pPr marL="2057400" indent="-228600" algn="l" defTabSz="914400" rtl="0" eaLnBrk="1" latinLnBrk="0" hangingPunct="1">
-              <a:lnSpc>
-                <a:spcPct val="90000"/>
-              </a:lnSpc>
-              <a:spcBef>
-                <a:spcPts val="500"/>
-              </a:spcBef>
-              <a:buFont typeface="Arial" panose="020B0604020202020204" pitchFamily="34" charset="0"/>
-              <a:buChar char="•"/>
-              <a:defRPr sz="1800" kern="1200">
-                <a:solidFill>
-                  <a:schemeClr val="tx1"/>
-                </a:solidFill>
-                <a:latin typeface="+mn-lt"/>
-                <a:ea typeface="+mn-ea"/>
-                <a:cs typeface="+mn-cs"/>
-              </a:defRPr>
-            </a:lvl5pPr>
-            <a:lvl6pPr marL="2514600" indent="-228600" algn="l" defTabSz="914400" rtl="0" eaLnBrk="1" latinLnBrk="0" hangingPunct="1">
-              <a:lnSpc>
-                <a:spcPct val="90000"/>
-              </a:lnSpc>
-              <a:spcBef>
-                <a:spcPts val="500"/>
-              </a:spcBef>
-              <a:buFont typeface="Arial" panose="020B0604020202020204" pitchFamily="34" charset="0"/>
-              <a:buChar char="•"/>
-              <a:defRPr sz="1800" kern="1200">
-                <a:solidFill>
-                  <a:schemeClr val="tx1"/>
-                </a:solidFill>
-                <a:latin typeface="+mn-lt"/>
-                <a:ea typeface="+mn-ea"/>
-                <a:cs typeface="+mn-cs"/>
-              </a:defRPr>
-            </a:lvl6pPr>
-            <a:lvl7pPr marL="2971800" indent="-228600" algn="l" defTabSz="914400" rtl="0" eaLnBrk="1" latinLnBrk="0" hangingPunct="1">
-              <a:lnSpc>
-                <a:spcPct val="90000"/>
-              </a:lnSpc>
-              <a:spcBef>
-                <a:spcPts val="500"/>
-              </a:spcBef>
-              <a:buFont typeface="Arial" panose="020B0604020202020204" pitchFamily="34" charset="0"/>
-              <a:buChar char="•"/>
-              <a:defRPr sz="1800" kern="1200">
-                <a:solidFill>
-                  <a:schemeClr val="tx1"/>
-                </a:solidFill>
-                <a:latin typeface="+mn-lt"/>
-                <a:ea typeface="+mn-ea"/>
-                <a:cs typeface="+mn-cs"/>
-              </a:defRPr>
-            </a:lvl7pPr>
-            <a:lvl8pPr marL="3429000" indent="-228600" algn="l" defTabSz="914400" rtl="0" eaLnBrk="1" latinLnBrk="0" hangingPunct="1">
-              <a:lnSpc>
-                <a:spcPct val="90000"/>
-              </a:lnSpc>
-              <a:spcBef>
-                <a:spcPts val="500"/>
-              </a:spcBef>
-              <a:buFont typeface="Arial" panose="020B0604020202020204" pitchFamily="34" charset="0"/>
-              <a:buChar char="•"/>
-              <a:defRPr sz="1800" kern="1200">
-                <a:solidFill>
-                  <a:schemeClr val="tx1"/>
-                </a:solidFill>
-                <a:latin typeface="+mn-lt"/>
-                <a:ea typeface="+mn-ea"/>
-                <a:cs typeface="+mn-cs"/>
-              </a:defRPr>
-            </a:lvl8pPr>
-            <a:lvl9pPr marL="3886200" indent="-228600" algn="l" defTabSz="914400" rtl="0" eaLnBrk="1" latinLnBrk="0" hangingPunct="1">
-              <a:lnSpc>
-                <a:spcPct val="90000"/>
-              </a:lnSpc>
-              <a:spcBef>
-                <a:spcPts val="500"/>
-              </a:spcBef>
-              <a:buFont typeface="Arial" panose="020B0604020202020204" pitchFamily="34" charset="0"/>
-              <a:buChar char="•"/>
-              <a:defRPr sz="1800" kern="1200">
-                <a:solidFill>
-                  <a:schemeClr val="tx1"/>
-                </a:solidFill>
-                <a:latin typeface="+mn-lt"/>
-                <a:ea typeface="+mn-ea"/>
-                <a:cs typeface="+mn-cs"/>
-              </a:defRPr>
-            </a:lvl9pPr>
-          </a:lstStyle>
-          <a:p>
-            <a:endParaRPr lang="en-US" altLang="en-US" smtClean="0"/>
-          </a:p>
-          <a:p>
-            <a:endParaRPr lang="en-US" altLang="en-US" smtClean="0"/>
-          </a:p>
-          <a:p>
-            <a:endParaRPr lang="en-US" altLang="en-US" smtClean="0"/>
-          </a:p>
-          <a:p>
-            <a:endParaRPr lang="en-US" altLang="en-US" smtClean="0"/>
-          </a:p>
-          <a:p>
-            <a:endParaRPr lang="en-US" altLang="en-US" smtClean="0"/>
-          </a:p>
-          <a:p>
-            <a:endParaRPr lang="en-US" altLang="en-US" smtClean="0"/>
-          </a:p>
-          <a:p>
-            <a:endParaRPr lang="en-US" altLang="en-US" smtClean="0"/>
-          </a:p>
-          <a:p>
-            <a:r>
-              <a:rPr lang="en-US" altLang="en-US" smtClean="0"/>
-              <a:t>only if actions deterministic</a:t>
-            </a:r>
-          </a:p>
-          <a:p>
-            <a:pPr lvl="1"/>
-            <a:r>
-              <a:rPr lang="en-US" altLang="en-US" smtClean="0"/>
-              <a:t>not in this case (actions are stochastic)</a:t>
-            </a:r>
-          </a:p>
-          <a:p>
-            <a:pPr lvl="1"/>
-            <a:endParaRPr lang="en-US" altLang="en-US" smtClean="0"/>
-          </a:p>
-          <a:p>
-            <a:r>
-              <a:rPr lang="en-US" altLang="en-US" smtClean="0"/>
-              <a:t>solution/policy</a:t>
-            </a:r>
-          </a:p>
-          <a:p>
-            <a:pPr lvl="1"/>
-            <a:r>
-              <a:rPr lang="en-US" altLang="en-US" smtClean="0"/>
-              <a:t>mapping from each state to an action</a:t>
-            </a:r>
-            <a:endParaRPr lang="en-US" altLang="en-US"/>
-          </a:p>
-        </p:txBody>
-      </p:sp>
-    </p:spTree>
-    <p:extLst>
-      <p:ext uri="{BB962C8B-B14F-4D97-AF65-F5344CB8AC3E}">
-        <p14:creationId xmlns:p14="http://schemas.microsoft.com/office/powerpoint/2010/main" val="3346312581"/>
-      </p:ext>
-    </p:extLst>
-  </p:cSld>
-  <p:clrMapOvr>
-    <a:masterClrMapping/>
-  </p:clrMapOvr>
-</p:sld>
-</file>
-
 <file path=ppt/theme/theme1.xml><?xml version="1.0" encoding="utf-8"?>
 <a:theme xmlns:a="http://schemas.openxmlformats.org/drawingml/2006/main" name="Office Theme">
   <a:themeElements>
